--- a/doc/SARibbonBar-layout.pptx
+++ b/doc/SARibbonBar-layout.pptx
@@ -7,11 +7,15 @@
   <p:sldIdLst>
     <p:sldId id="257" r:id="rId3"/>
     <p:sldId id="259" r:id="rId4"/>
-    <p:sldId id="256" r:id="rId5"/>
-    <p:sldId id="261" r:id="rId6"/>
+    <p:sldId id="262" r:id="rId5"/>
+    <p:sldId id="256" r:id="rId6"/>
+    <p:sldId id="261" r:id="rId7"/>
   </p:sldIdLst>
   <p:sldSz cx="12192000" cy="6858000"/>
   <p:notesSz cx="6858000" cy="9144000"/>
+  <p:custDataLst>
+    <p:tags r:id="rId11"/>
+  </p:custDataLst>
   <p:defaultTextStyle>
     <a:defPPr>
       <a:defRPr lang="zh-CN"/>
@@ -5111,7 +5115,7 @@
         </p:nvSpPr>
         <p:spPr>
           <a:xfrm>
-            <a:off x="3098801" y="3979049"/>
+            <a:off x="1756411" y="3250704"/>
             <a:ext cx="1887855" cy="368300"/>
           </a:xfrm>
           <a:prstGeom prst="rect">
@@ -5599,15 +5603,14 @@
         <p:nvCxnSpPr>
           <p:cNvPr id="41" name="直接箭头连接符 40"/>
           <p:cNvCxnSpPr>
-            <a:stCxn id="40" idx="0"/>
             <a:endCxn id="3" idx="2"/>
           </p:cNvCxnSpPr>
           <p:nvPr/>
         </p:nvCxnSpPr>
         <p:spPr>
           <a:xfrm flipV="1">
-            <a:off x="4043045" y="2455545"/>
-            <a:ext cx="277495" cy="1523365"/>
+            <a:off x="3115945" y="2455545"/>
+            <a:ext cx="1204595" cy="915670"/>
           </a:xfrm>
           <a:prstGeom prst="straightConnector1">
             <a:avLst/>
@@ -6829,8 +6832,8 @@
         </p:nvSpPr>
         <p:spPr>
           <a:xfrm>
-            <a:off x="1210611" y="1309512"/>
-            <a:ext cx="4828347" cy="1703750"/>
+            <a:off x="4113530" y="2000885"/>
+            <a:ext cx="7323455" cy="1703705"/>
           </a:xfrm>
           <a:prstGeom prst="rect">
             <a:avLst/>
@@ -6874,79 +6877,14 @@
       </p:sp>
       <p:sp>
         <p:nvSpPr>
-          <p:cNvPr id="5" name="文本框 4"/>
-          <p:cNvSpPr txBox="1"/>
-          <p:nvPr/>
-        </p:nvSpPr>
-        <p:spPr>
-          <a:xfrm>
-            <a:off x="2450761" y="450436"/>
-            <a:ext cx="2468368" cy="369332"/>
-          </a:xfrm>
-          <a:prstGeom prst="rect">
-            <a:avLst/>
-          </a:prstGeom>
-        </p:spPr>
-        <p:txBody>
-          <a:bodyPr wrap="none">
-            <a:spAutoFit/>
-          </a:bodyPr>
-          <a:lstStyle>
-            <a:defPPr>
-              <a:defRPr lang="zh-CN"/>
-            </a:defPPr>
-            <a:lvl1pPr>
-              <a:defRPr b="1">
-                <a:solidFill>
-                  <a:srgbClr val="D5412A"/>
-                </a:solidFill>
-                <a:effectLst/>
-              </a:defRPr>
-            </a:lvl1pPr>
-          </a:lstStyle>
-          <a:p>
-            <a:r>
-              <a:rPr lang="en-US" altLang="zh-CN" dirty="0" err="1" smtClean="0">
-                <a:solidFill>
-                  <a:srgbClr val="C00000"/>
-                </a:solidFill>
-              </a:rPr>
-              <a:t>SARibbonPannel</a:t>
-            </a:r>
-            <a:r>
-              <a:rPr lang="en-US" altLang="zh-CN" dirty="0" smtClean="0">
-                <a:solidFill>
-                  <a:srgbClr val="C00000"/>
-                </a:solidFill>
-              </a:rPr>
-              <a:t> : </a:t>
-            </a:r>
-            <a:r>
-              <a:rPr lang="en-US" altLang="zh-CN" dirty="0" err="1" smtClean="0">
-                <a:solidFill>
-                  <a:srgbClr val="C00000"/>
-                </a:solidFill>
-              </a:rPr>
-              <a:t>3Row</a:t>
-            </a:r>
-            <a:endParaRPr lang="zh-CN" altLang="en-US" dirty="0">
-              <a:solidFill>
-                <a:srgbClr val="C00000"/>
-              </a:solidFill>
-            </a:endParaRPr>
-          </a:p>
-        </p:txBody>
-      </p:sp>
-      <p:sp>
-        <p:nvSpPr>
-          <p:cNvPr id="6" name="矩形 5"/>
-          <p:cNvSpPr/>
-          <p:nvPr/>
-        </p:nvSpPr>
-        <p:spPr>
-          <a:xfrm>
-            <a:off x="1316047" y="1383331"/>
-            <a:ext cx="4638675" cy="1333500"/>
+          <p:cNvPr id="2" name="矩形 1"/>
+          <p:cNvSpPr/>
+          <p:nvPr/>
+        </p:nvSpPr>
+        <p:spPr>
+          <a:xfrm>
+            <a:off x="4114165" y="2455545"/>
+            <a:ext cx="7322185" cy="1248410"/>
           </a:xfrm>
           <a:prstGeom prst="rect">
             <a:avLst/>
@@ -6973,59 +6911,379 @@
         </p:style>
         <p:txBody>
           <a:bodyPr rtlCol="0" anchor="ctr"/>
-          <a:lstStyle/>
           <a:p>
             <a:pPr algn="ctr"/>
             <a:endParaRPr lang="zh-CN" altLang="en-US"/>
           </a:p>
         </p:txBody>
       </p:sp>
-      <p:cxnSp>
-        <p:nvCxnSpPr>
-          <p:cNvPr id="8" name="直接箭头连接符 7"/>
-          <p:cNvCxnSpPr/>
-          <p:nvPr/>
-        </p:nvCxnSpPr>
-        <p:spPr>
-          <a:xfrm flipH="1">
-            <a:off x="4211648" y="1145206"/>
-            <a:ext cx="171450" cy="164306"/>
-          </a:xfrm>
-          <a:prstGeom prst="straightConnector1">
-            <a:avLst/>
-          </a:prstGeom>
+      <p:sp>
+        <p:nvSpPr>
+          <p:cNvPr id="3" name="矩形 2"/>
+          <p:cNvSpPr/>
+          <p:nvPr/>
+        </p:nvSpPr>
+        <p:spPr>
+          <a:xfrm>
+            <a:off x="4114165" y="2249805"/>
+            <a:ext cx="412115" cy="205740"/>
+          </a:xfrm>
+          <a:prstGeom prst="rect">
+            <a:avLst/>
+          </a:prstGeom>
+          <a:solidFill>
+            <a:srgbClr val="C00000"/>
+          </a:solidFill>
+        </p:spPr>
+        <p:style>
+          <a:lnRef idx="2">
+            <a:schemeClr val="accent1">
+              <a:shade val="50000"/>
+            </a:schemeClr>
+          </a:lnRef>
+          <a:fillRef idx="1">
+            <a:schemeClr val="accent1"/>
+          </a:fillRef>
+          <a:effectRef idx="0">
+            <a:schemeClr val="accent1"/>
+          </a:effectRef>
+          <a:fontRef idx="minor">
+            <a:schemeClr val="lt1"/>
+          </a:fontRef>
+        </p:style>
+        <p:txBody>
+          <a:bodyPr rtlCol="0" anchor="ctr"/>
+          <a:p>
+            <a:pPr algn="ctr"/>
+            <a:endParaRPr lang="zh-CN" altLang="en-US"/>
+          </a:p>
+        </p:txBody>
+      </p:sp>
+      <p:sp>
+        <p:nvSpPr>
+          <p:cNvPr id="7" name="矩形 6"/>
+          <p:cNvSpPr/>
+          <p:nvPr/>
+        </p:nvSpPr>
+        <p:spPr>
+          <a:xfrm>
+            <a:off x="4586605" y="2249805"/>
+            <a:ext cx="5356860" cy="205740"/>
+          </a:xfrm>
+          <a:prstGeom prst="rect">
+            <a:avLst/>
+          </a:prstGeom>
+          <a:solidFill>
+            <a:schemeClr val="accent2"/>
+          </a:solidFill>
           <a:ln>
             <a:solidFill>
-              <a:srgbClr val="C00000"/>
+              <a:schemeClr val="accent2"/>
             </a:solidFill>
-            <a:tailEnd type="triangle"/>
           </a:ln>
         </p:spPr>
         <p:style>
-          <a:lnRef idx="1">
-            <a:schemeClr val="accent1"/>
-          </a:lnRef>
-          <a:fillRef idx="0">
-            <a:schemeClr val="accent1"/>
-          </a:fillRef>
-          <a:effectRef idx="0">
-            <a:schemeClr val="accent1"/>
-          </a:effectRef>
-          <a:fontRef idx="minor">
-            <a:schemeClr val="tx1"/>
-          </a:fontRef>
-        </p:style>
-      </p:cxnSp>
-      <p:sp>
-        <p:nvSpPr>
-          <p:cNvPr id="9" name="矩形 8"/>
-          <p:cNvSpPr/>
-          <p:nvPr/>
-        </p:nvSpPr>
-        <p:spPr>
-          <a:xfrm>
-            <a:off x="3666711" y="852590"/>
-            <a:ext cx="1784784" cy="369332"/>
+          <a:lnRef idx="2">
+            <a:schemeClr val="accent1">
+              <a:shade val="50000"/>
+            </a:schemeClr>
+          </a:lnRef>
+          <a:fillRef idx="1">
+            <a:schemeClr val="accent1"/>
+          </a:fillRef>
+          <a:effectRef idx="0">
+            <a:schemeClr val="accent1"/>
+          </a:effectRef>
+          <a:fontRef idx="minor">
+            <a:schemeClr val="lt1"/>
+          </a:fontRef>
+        </p:style>
+        <p:txBody>
+          <a:bodyPr rtlCol="0" anchor="ctr"/>
+          <a:p>
+            <a:pPr algn="ctr"/>
+            <a:r>
+              <a:rPr lang="zh-CN" altLang="en-US" sz="1000"/>
+              <a:t>SARibbonTabBar</a:t>
+            </a:r>
+            <a:endParaRPr lang="zh-CN" altLang="en-US" sz="1000"/>
+          </a:p>
+        </p:txBody>
+      </p:sp>
+      <p:sp>
+        <p:nvSpPr>
+          <p:cNvPr id="10" name="矩形 9"/>
+          <p:cNvSpPr/>
+          <p:nvPr/>
+        </p:nvSpPr>
+        <p:spPr>
+          <a:xfrm>
+            <a:off x="4792980" y="2007235"/>
+            <a:ext cx="1888490" cy="234950"/>
+          </a:xfrm>
+          <a:prstGeom prst="rect">
+            <a:avLst/>
+          </a:prstGeom>
+          <a:solidFill>
+            <a:schemeClr val="accent2">
+              <a:lumMod val="20000"/>
+              <a:lumOff val="80000"/>
+            </a:schemeClr>
+          </a:solidFill>
+          <a:ln>
+            <a:solidFill>
+              <a:schemeClr val="accent2"/>
+            </a:solidFill>
+          </a:ln>
+        </p:spPr>
+        <p:style>
+          <a:lnRef idx="2">
+            <a:schemeClr val="accent1">
+              <a:shade val="50000"/>
+            </a:schemeClr>
+          </a:lnRef>
+          <a:fillRef idx="1">
+            <a:schemeClr val="accent1"/>
+          </a:fillRef>
+          <a:effectRef idx="0">
+            <a:schemeClr val="accent1"/>
+          </a:effectRef>
+          <a:fontRef idx="minor">
+            <a:schemeClr val="lt1"/>
+          </a:fontRef>
+        </p:style>
+        <p:txBody>
+          <a:bodyPr rtlCol="0" anchor="ctr"/>
+          <a:p>
+            <a:pPr algn="ctr"/>
+            <a:r>
+              <a:rPr lang="en-US" altLang="zh-CN" sz="1000" b="1" dirty="0" err="1" smtClean="0">
+                <a:solidFill>
+                  <a:schemeClr val="accent1">
+                    <a:lumMod val="75000"/>
+                  </a:schemeClr>
+                </a:solidFill>
+                <a:effectLst/>
+                <a:sym typeface="+mn-ea"/>
+              </a:rPr>
+              <a:t>SARibbonQuickAccessBar</a:t>
+            </a:r>
+            <a:endParaRPr lang="en-US" altLang="zh-CN" sz="1000" b="1" dirty="0" err="1" smtClean="0">
+              <a:solidFill>
+                <a:schemeClr val="accent1">
+                  <a:lumMod val="75000"/>
+                </a:schemeClr>
+              </a:solidFill>
+              <a:effectLst/>
+              <a:sym typeface="+mn-ea"/>
+            </a:endParaRPr>
+          </a:p>
+        </p:txBody>
+      </p:sp>
+      <p:sp>
+        <p:nvSpPr>
+          <p:cNvPr id="13" name="矩形 12"/>
+          <p:cNvSpPr/>
+          <p:nvPr/>
+        </p:nvSpPr>
+        <p:spPr>
+          <a:xfrm>
+            <a:off x="11153775" y="2006600"/>
+            <a:ext cx="283210" cy="236220"/>
+          </a:xfrm>
+          <a:prstGeom prst="rect">
+            <a:avLst/>
+          </a:prstGeom>
+          <a:solidFill>
+            <a:schemeClr val="accent2">
+              <a:lumMod val="20000"/>
+              <a:lumOff val="80000"/>
+            </a:schemeClr>
+          </a:solidFill>
+          <a:ln>
+            <a:solidFill>
+              <a:schemeClr val="accent2"/>
+            </a:solidFill>
+          </a:ln>
+        </p:spPr>
+        <p:style>
+          <a:lnRef idx="2">
+            <a:schemeClr val="accent1">
+              <a:shade val="50000"/>
+            </a:schemeClr>
+          </a:lnRef>
+          <a:fillRef idx="1">
+            <a:schemeClr val="accent1"/>
+          </a:fillRef>
+          <a:effectRef idx="0">
+            <a:schemeClr val="accent1"/>
+          </a:effectRef>
+          <a:fontRef idx="minor">
+            <a:schemeClr val="lt1"/>
+          </a:fontRef>
+        </p:style>
+        <p:txBody>
+          <a:bodyPr rtlCol="0" anchor="ctr"/>
+          <a:p>
+            <a:pPr algn="ctr"/>
+            <a:r>
+              <a:rPr lang="en-US" altLang="zh-CN">
+                <a:solidFill>
+                  <a:schemeClr val="tx1"/>
+                </a:solidFill>
+                <a:latin typeface="微软雅黑" panose="020B0503020204020204" pitchFamily="34" charset="-122"/>
+                <a:ea typeface="微软雅黑" panose="020B0503020204020204" pitchFamily="34" charset="-122"/>
+              </a:rPr>
+              <a:t>×</a:t>
+            </a:r>
+            <a:endParaRPr lang="en-US" altLang="zh-CN">
+              <a:solidFill>
+                <a:schemeClr val="tx1"/>
+              </a:solidFill>
+              <a:latin typeface="微软雅黑" panose="020B0503020204020204" pitchFamily="34" charset="-122"/>
+              <a:ea typeface="微软雅黑" panose="020B0503020204020204" pitchFamily="34" charset="-122"/>
+            </a:endParaRPr>
+          </a:p>
+        </p:txBody>
+      </p:sp>
+      <p:sp>
+        <p:nvSpPr>
+          <p:cNvPr id="24" name="矩形 23"/>
+          <p:cNvSpPr/>
+          <p:nvPr/>
+        </p:nvSpPr>
+        <p:spPr>
+          <a:xfrm>
+            <a:off x="10868025" y="2006600"/>
+            <a:ext cx="283210" cy="235585"/>
+          </a:xfrm>
+          <a:prstGeom prst="rect">
+            <a:avLst/>
+          </a:prstGeom>
+          <a:solidFill>
+            <a:schemeClr val="accent2">
+              <a:lumMod val="20000"/>
+              <a:lumOff val="80000"/>
+            </a:schemeClr>
+          </a:solidFill>
+          <a:ln>
+            <a:solidFill>
+              <a:schemeClr val="accent2"/>
+            </a:solidFill>
+          </a:ln>
+        </p:spPr>
+        <p:style>
+          <a:lnRef idx="2">
+            <a:schemeClr val="accent1">
+              <a:shade val="50000"/>
+            </a:schemeClr>
+          </a:lnRef>
+          <a:fillRef idx="1">
+            <a:schemeClr val="accent1"/>
+          </a:fillRef>
+          <a:effectRef idx="0">
+            <a:schemeClr val="accent1"/>
+          </a:effectRef>
+          <a:fontRef idx="minor">
+            <a:schemeClr val="lt1"/>
+          </a:fontRef>
+        </p:style>
+        <p:txBody>
+          <a:bodyPr rtlCol="0" anchor="ctr"/>
+          <a:p>
+            <a:pPr algn="ctr"/>
+            <a:r>
+              <a:rPr lang="zh-CN" altLang="en-US">
+                <a:solidFill>
+                  <a:schemeClr val="tx1"/>
+                </a:solidFill>
+                <a:latin typeface="微软雅黑" panose="020B0503020204020204" pitchFamily="34" charset="-122"/>
+                <a:ea typeface="微软雅黑" panose="020B0503020204020204" pitchFamily="34" charset="-122"/>
+              </a:rPr>
+              <a:t>□</a:t>
+            </a:r>
+            <a:endParaRPr lang="zh-CN" altLang="en-US">
+              <a:solidFill>
+                <a:schemeClr val="tx1"/>
+              </a:solidFill>
+              <a:latin typeface="微软雅黑" panose="020B0503020204020204" pitchFamily="34" charset="-122"/>
+              <a:ea typeface="微软雅黑" panose="020B0503020204020204" pitchFamily="34" charset="-122"/>
+            </a:endParaRPr>
+          </a:p>
+        </p:txBody>
+      </p:sp>
+      <p:sp>
+        <p:nvSpPr>
+          <p:cNvPr id="26" name="矩形 25"/>
+          <p:cNvSpPr/>
+          <p:nvPr/>
+        </p:nvSpPr>
+        <p:spPr>
+          <a:xfrm>
+            <a:off x="10584815" y="2006600"/>
+            <a:ext cx="283210" cy="235585"/>
+          </a:xfrm>
+          <a:prstGeom prst="rect">
+            <a:avLst/>
+          </a:prstGeom>
+          <a:solidFill>
+            <a:schemeClr val="accent2">
+              <a:lumMod val="20000"/>
+              <a:lumOff val="80000"/>
+            </a:schemeClr>
+          </a:solidFill>
+          <a:ln>
+            <a:solidFill>
+              <a:schemeClr val="accent2"/>
+            </a:solidFill>
+          </a:ln>
+        </p:spPr>
+        <p:style>
+          <a:lnRef idx="2">
+            <a:schemeClr val="accent1">
+              <a:shade val="50000"/>
+            </a:schemeClr>
+          </a:lnRef>
+          <a:fillRef idx="1">
+            <a:schemeClr val="accent1"/>
+          </a:fillRef>
+          <a:effectRef idx="0">
+            <a:schemeClr val="accent1"/>
+          </a:effectRef>
+          <a:fontRef idx="minor">
+            <a:schemeClr val="lt1"/>
+          </a:fontRef>
+        </p:style>
+        <p:txBody>
+          <a:bodyPr rtlCol="0" anchor="ctr"/>
+          <a:p>
+            <a:pPr algn="ctr"/>
+            <a:r>
+              <a:rPr lang="en-US" altLang="zh-CN" sz="900">
+                <a:solidFill>
+                  <a:schemeClr val="tx1"/>
+                </a:solidFill>
+              </a:rPr>
+              <a:t>_</a:t>
+            </a:r>
+            <a:endParaRPr lang="en-US" altLang="zh-CN" sz="900">
+              <a:solidFill>
+                <a:schemeClr val="tx1"/>
+              </a:solidFill>
+            </a:endParaRPr>
+          </a:p>
+        </p:txBody>
+      </p:sp>
+      <p:sp>
+        <p:nvSpPr>
+          <p:cNvPr id="29" name="矩形 28"/>
+          <p:cNvSpPr/>
+          <p:nvPr/>
+        </p:nvSpPr>
+        <p:spPr>
+          <a:xfrm>
+            <a:off x="10948671" y="4485779"/>
+            <a:ext cx="1025525" cy="368300"/>
           </a:xfrm>
           <a:prstGeom prst="rect">
             <a:avLst/>
@@ -7035,8 +7293,8 @@
           <a:bodyPr wrap="none">
             <a:spAutoFit/>
           </a:bodyPr>
-          <a:lstStyle/>
-          <a:p>
+          <a:p>
+            <a:pPr algn="l"/>
             <a:r>
               <a:rPr lang="en-US" altLang="zh-CN" b="1" dirty="0" err="1" smtClean="0">
                 <a:solidFill>
@@ -7046,114 +7304,37 @@
                 </a:solidFill>
                 <a:effectLst/>
               </a:rPr>
-              <a:t>contentsMargins</a:t>
-            </a:r>
-            <a:endParaRPr lang="zh-CN" altLang="en-US" dirty="0">
+              <a:t>Category</a:t>
+            </a:r>
+            <a:endParaRPr lang="en-US" altLang="zh-CN" b="1" dirty="0" err="1" smtClean="0">
               <a:solidFill>
                 <a:schemeClr val="accent1">
                   <a:lumMod val="75000"/>
                 </a:schemeClr>
               </a:solidFill>
+              <a:effectLst/>
             </a:endParaRPr>
-          </a:p>
-        </p:txBody>
-      </p:sp>
-      <p:sp>
-        <p:nvSpPr>
-          <p:cNvPr id="11" name="矩形 10"/>
-          <p:cNvSpPr/>
-          <p:nvPr/>
-        </p:nvSpPr>
-        <p:spPr>
-          <a:xfrm>
-            <a:off x="5786537" y="2774397"/>
-            <a:ext cx="168185" cy="164756"/>
-          </a:xfrm>
-          <a:prstGeom prst="rect">
-            <a:avLst/>
-          </a:prstGeom>
-          <a:solidFill>
-            <a:schemeClr val="accent2"/>
-          </a:solidFill>
-        </p:spPr>
-        <p:style>
-          <a:lnRef idx="2">
-            <a:schemeClr val="accent1">
-              <a:shade val="50000"/>
-            </a:schemeClr>
-          </a:lnRef>
-          <a:fillRef idx="1">
-            <a:schemeClr val="accent1"/>
-          </a:fillRef>
-          <a:effectRef idx="0">
-            <a:schemeClr val="accent1"/>
-          </a:effectRef>
-          <a:fontRef idx="minor">
-            <a:schemeClr val="lt1"/>
-          </a:fontRef>
-        </p:style>
-        <p:txBody>
-          <a:bodyPr rtlCol="0" anchor="ctr"/>
-          <a:lstStyle/>
-          <a:p>
-            <a:pPr algn="ctr"/>
-            <a:endParaRPr lang="zh-CN" altLang="en-US"/>
-          </a:p>
-        </p:txBody>
-      </p:sp>
-      <p:sp>
-        <p:nvSpPr>
-          <p:cNvPr id="12" name="矩形 11"/>
-          <p:cNvSpPr/>
-          <p:nvPr/>
-        </p:nvSpPr>
-        <p:spPr>
-          <a:xfrm>
-            <a:off x="4936689" y="3215412"/>
-            <a:ext cx="1464568" cy="369332"/>
-          </a:xfrm>
-          <a:prstGeom prst="rect">
-            <a:avLst/>
-          </a:prstGeom>
-        </p:spPr>
-        <p:txBody>
-          <a:bodyPr wrap="none">
-            <a:spAutoFit/>
-          </a:bodyPr>
-          <a:lstStyle/>
-          <a:p>
-            <a:r>
-              <a:rPr lang="en-US" altLang="zh-CN" b="1" dirty="0" err="1" smtClean="0">
-                <a:solidFill>
-                  <a:srgbClr val="D5412A"/>
-                </a:solidFill>
-                <a:effectLst/>
-              </a:rPr>
-              <a:t>OptionAction</a:t>
-            </a:r>
-            <a:endParaRPr lang="zh-CN" altLang="en-US" dirty="0"/>
           </a:p>
         </p:txBody>
       </p:sp>
       <p:cxnSp>
         <p:nvCxnSpPr>
-          <p:cNvPr id="14" name="直接箭头连接符 13"/>
-          <p:cNvCxnSpPr/>
+          <p:cNvPr id="30" name="直接箭头连接符 29"/>
+          <p:cNvCxnSpPr>
+            <a:stCxn id="29" idx="0"/>
+          </p:cNvCxnSpPr>
           <p:nvPr/>
         </p:nvCxnSpPr>
         <p:spPr>
-          <a:xfrm flipV="1">
-            <a:off x="5668973" y="3079401"/>
-            <a:ext cx="75407" cy="123825"/>
+          <a:xfrm flipH="1" flipV="1">
+            <a:off x="11007725" y="3683000"/>
+            <a:ext cx="454025" cy="802640"/>
           </a:xfrm>
           <a:prstGeom prst="straightConnector1">
             <a:avLst/>
           </a:prstGeom>
           <a:ln>
-            <a:solidFill>
-              <a:schemeClr val="accent2"/>
-            </a:solidFill>
-            <a:tailEnd type="triangle"/>
+            <a:tailEnd type="arrow"/>
           </a:ln>
         </p:spPr>
         <p:style>
@@ -7173,394 +7354,50 @@
       </p:cxnSp>
       <p:sp>
         <p:nvSpPr>
-          <p:cNvPr id="15" name="矩形 14"/>
-          <p:cNvSpPr/>
-          <p:nvPr/>
-        </p:nvSpPr>
-        <p:spPr>
-          <a:xfrm>
-            <a:off x="1316047" y="1383331"/>
-            <a:ext cx="857251" cy="1333500"/>
-          </a:xfrm>
-          <a:prstGeom prst="rect">
-            <a:avLst/>
-          </a:prstGeom>
-        </p:spPr>
-        <p:style>
-          <a:lnRef idx="2">
-            <a:schemeClr val="accent1">
-              <a:shade val="50000"/>
-            </a:schemeClr>
-          </a:lnRef>
-          <a:fillRef idx="1">
-            <a:schemeClr val="accent1"/>
-          </a:fillRef>
-          <a:effectRef idx="0">
-            <a:schemeClr val="accent1"/>
-          </a:effectRef>
-          <a:fontRef idx="minor">
-            <a:schemeClr val="lt1"/>
-          </a:fontRef>
-        </p:style>
-        <p:txBody>
-          <a:bodyPr rtlCol="0" anchor="ctr"/>
-          <a:lstStyle/>
-          <a:p>
-            <a:pPr algn="ctr"/>
-            <a:endParaRPr lang="zh-CN" altLang="en-US"/>
-          </a:p>
-        </p:txBody>
-      </p:sp>
-      <p:sp>
-        <p:nvSpPr>
-          <p:cNvPr id="16" name="矩形 15"/>
-          <p:cNvSpPr/>
-          <p:nvPr/>
-        </p:nvSpPr>
-        <p:spPr>
-          <a:xfrm>
-            <a:off x="1404119" y="3035528"/>
-            <a:ext cx="697242" cy="369332"/>
-          </a:xfrm>
-          <a:prstGeom prst="rect">
-            <a:avLst/>
-          </a:prstGeom>
-        </p:spPr>
-        <p:txBody>
-          <a:bodyPr wrap="none">
-            <a:spAutoFit/>
-          </a:bodyPr>
-          <a:lstStyle/>
-          <a:p>
-            <a:r>
-              <a:rPr lang="en-US" altLang="zh-CN" b="1" dirty="0" smtClean="0">
-                <a:solidFill>
-                  <a:srgbClr val="048138"/>
-                </a:solidFill>
-                <a:effectLst/>
-              </a:rPr>
-              <a:t>Large</a:t>
-            </a:r>
-            <a:endParaRPr lang="zh-CN" altLang="en-US" dirty="0"/>
-          </a:p>
-        </p:txBody>
-      </p:sp>
-      <p:sp>
-        <p:nvSpPr>
-          <p:cNvPr id="17" name="矩形 16"/>
-          <p:cNvSpPr/>
-          <p:nvPr/>
-        </p:nvSpPr>
-        <p:spPr>
-          <a:xfrm>
-            <a:off x="2268548" y="1383331"/>
-            <a:ext cx="1143000" cy="381000"/>
-          </a:xfrm>
-          <a:prstGeom prst="rect">
-            <a:avLst/>
-          </a:prstGeom>
-        </p:spPr>
-        <p:style>
-          <a:lnRef idx="2">
-            <a:schemeClr val="accent1">
-              <a:shade val="50000"/>
-            </a:schemeClr>
-          </a:lnRef>
-          <a:fillRef idx="1">
-            <a:schemeClr val="accent1"/>
-          </a:fillRef>
-          <a:effectRef idx="0">
-            <a:schemeClr val="accent1"/>
-          </a:effectRef>
-          <a:fontRef idx="minor">
-            <a:schemeClr val="lt1"/>
-          </a:fontRef>
-        </p:style>
-        <p:txBody>
-          <a:bodyPr rtlCol="0" anchor="ctr"/>
-          <a:lstStyle/>
-          <a:p>
-            <a:pPr algn="ctr"/>
-            <a:endParaRPr lang="zh-CN" altLang="en-US"/>
-          </a:p>
-        </p:txBody>
-      </p:sp>
-      <p:sp>
-        <p:nvSpPr>
-          <p:cNvPr id="18" name="矩形 17"/>
-          <p:cNvSpPr/>
-          <p:nvPr/>
-        </p:nvSpPr>
-        <p:spPr>
-          <a:xfrm>
-            <a:off x="2268548" y="1859581"/>
-            <a:ext cx="1143000" cy="381000"/>
-          </a:xfrm>
-          <a:prstGeom prst="rect">
-            <a:avLst/>
-          </a:prstGeom>
-        </p:spPr>
-        <p:style>
-          <a:lnRef idx="2">
-            <a:schemeClr val="accent1">
-              <a:shade val="50000"/>
-            </a:schemeClr>
-          </a:lnRef>
-          <a:fillRef idx="1">
-            <a:schemeClr val="accent1"/>
-          </a:fillRef>
-          <a:effectRef idx="0">
-            <a:schemeClr val="accent1"/>
-          </a:effectRef>
-          <a:fontRef idx="minor">
-            <a:schemeClr val="lt1"/>
-          </a:fontRef>
-        </p:style>
-        <p:txBody>
-          <a:bodyPr rtlCol="0" anchor="ctr"/>
-          <a:lstStyle/>
-          <a:p>
-            <a:pPr algn="ctr"/>
-            <a:endParaRPr lang="zh-CN" altLang="en-US"/>
-          </a:p>
-        </p:txBody>
-      </p:sp>
-      <p:sp>
-        <p:nvSpPr>
-          <p:cNvPr id="19" name="矩形 18"/>
-          <p:cNvSpPr/>
-          <p:nvPr/>
-        </p:nvSpPr>
-        <p:spPr>
-          <a:xfrm>
-            <a:off x="2268548" y="2327134"/>
-            <a:ext cx="1143000" cy="381000"/>
-          </a:xfrm>
-          <a:prstGeom prst="rect">
-            <a:avLst/>
-          </a:prstGeom>
-        </p:spPr>
-        <p:style>
-          <a:lnRef idx="2">
-            <a:schemeClr val="accent1">
-              <a:shade val="50000"/>
-            </a:schemeClr>
-          </a:lnRef>
-          <a:fillRef idx="1">
-            <a:schemeClr val="accent1"/>
-          </a:fillRef>
-          <a:effectRef idx="0">
-            <a:schemeClr val="accent1"/>
-          </a:effectRef>
-          <a:fontRef idx="minor">
-            <a:schemeClr val="lt1"/>
-          </a:fontRef>
-        </p:style>
-        <p:txBody>
-          <a:bodyPr rtlCol="0" anchor="ctr"/>
-          <a:lstStyle/>
-          <a:p>
-            <a:pPr algn="ctr"/>
-            <a:endParaRPr lang="zh-CN" altLang="en-US"/>
-          </a:p>
-        </p:txBody>
-      </p:sp>
-      <p:sp>
-        <p:nvSpPr>
-          <p:cNvPr id="20" name="矩形 19"/>
-          <p:cNvSpPr/>
-          <p:nvPr/>
-        </p:nvSpPr>
-        <p:spPr>
-          <a:xfrm>
-            <a:off x="2395495" y="3035528"/>
-            <a:ext cx="707245" cy="369332"/>
-          </a:xfrm>
-          <a:prstGeom prst="rect">
-            <a:avLst/>
-          </a:prstGeom>
-        </p:spPr>
-        <p:txBody>
-          <a:bodyPr wrap="none">
-            <a:spAutoFit/>
-          </a:bodyPr>
-          <a:lstStyle/>
-          <a:p>
-            <a:r>
-              <a:rPr lang="en-US" altLang="zh-CN" b="1" dirty="0" smtClean="0">
-                <a:solidFill>
-                  <a:srgbClr val="048138"/>
-                </a:solidFill>
-                <a:effectLst/>
-              </a:rPr>
-              <a:t>Small</a:t>
-            </a:r>
-            <a:endParaRPr lang="zh-CN" altLang="en-US" dirty="0"/>
-          </a:p>
-        </p:txBody>
-      </p:sp>
-      <p:sp>
-        <p:nvSpPr>
-          <p:cNvPr id="21" name="矩形 20"/>
-          <p:cNvSpPr/>
-          <p:nvPr/>
-        </p:nvSpPr>
-        <p:spPr>
-          <a:xfrm>
-            <a:off x="3492510" y="1566171"/>
-            <a:ext cx="1143000" cy="381000"/>
-          </a:xfrm>
-          <a:prstGeom prst="rect">
-            <a:avLst/>
-          </a:prstGeom>
-        </p:spPr>
-        <p:style>
-          <a:lnRef idx="2">
-            <a:schemeClr val="accent1">
-              <a:shade val="50000"/>
-            </a:schemeClr>
-          </a:lnRef>
-          <a:fillRef idx="1">
-            <a:schemeClr val="accent1"/>
-          </a:fillRef>
-          <a:effectRef idx="0">
-            <a:schemeClr val="accent1"/>
-          </a:effectRef>
-          <a:fontRef idx="minor">
-            <a:schemeClr val="lt1"/>
-          </a:fontRef>
-        </p:style>
-        <p:txBody>
-          <a:bodyPr rtlCol="0" anchor="ctr"/>
-          <a:lstStyle/>
-          <a:p>
-            <a:pPr algn="ctr"/>
-            <a:endParaRPr lang="zh-CN" altLang="en-US"/>
-          </a:p>
-        </p:txBody>
-      </p:sp>
-      <p:sp>
-        <p:nvSpPr>
-          <p:cNvPr id="22" name="矩形 21"/>
-          <p:cNvSpPr/>
-          <p:nvPr/>
-        </p:nvSpPr>
-        <p:spPr>
-          <a:xfrm>
-            <a:off x="3492510" y="2126003"/>
-            <a:ext cx="1143000" cy="381000"/>
-          </a:xfrm>
-          <a:prstGeom prst="rect">
-            <a:avLst/>
-          </a:prstGeom>
-        </p:spPr>
-        <p:style>
-          <a:lnRef idx="2">
-            <a:schemeClr val="accent1">
-              <a:shade val="50000"/>
-            </a:schemeClr>
-          </a:lnRef>
-          <a:fillRef idx="1">
-            <a:schemeClr val="accent1"/>
-          </a:fillRef>
-          <a:effectRef idx="0">
-            <a:schemeClr val="accent1"/>
-          </a:effectRef>
-          <a:fontRef idx="minor">
-            <a:schemeClr val="lt1"/>
-          </a:fontRef>
-        </p:style>
-        <p:txBody>
-          <a:bodyPr rtlCol="0" anchor="ctr"/>
-          <a:lstStyle/>
-          <a:p>
-            <a:pPr algn="ctr"/>
-            <a:endParaRPr lang="zh-CN" altLang="en-US"/>
-          </a:p>
-        </p:txBody>
-      </p:sp>
-      <p:sp>
-        <p:nvSpPr>
-          <p:cNvPr id="23" name="矩形 22"/>
-          <p:cNvSpPr/>
-          <p:nvPr/>
-        </p:nvSpPr>
-        <p:spPr>
-          <a:xfrm>
-            <a:off x="3674779" y="3035528"/>
-            <a:ext cx="992579" cy="369332"/>
-          </a:xfrm>
-          <a:prstGeom prst="rect">
-            <a:avLst/>
-          </a:prstGeom>
-        </p:spPr>
-        <p:txBody>
-          <a:bodyPr wrap="none">
-            <a:spAutoFit/>
-          </a:bodyPr>
-          <a:lstStyle/>
-          <a:p>
-            <a:r>
-              <a:rPr lang="en-US" altLang="zh-CN" b="1" dirty="0" smtClean="0">
-                <a:solidFill>
-                  <a:srgbClr val="048138"/>
-                </a:solidFill>
-                <a:effectLst/>
-              </a:rPr>
-              <a:t>Medium</a:t>
-            </a:r>
-            <a:endParaRPr lang="zh-CN" altLang="en-US" dirty="0"/>
-          </a:p>
-        </p:txBody>
-      </p:sp>
-      <p:cxnSp>
-        <p:nvCxnSpPr>
-          <p:cNvPr id="25" name="直接箭头连接符 24"/>
-          <p:cNvCxnSpPr>
-            <a:stCxn id="27" idx="2"/>
-          </p:cNvCxnSpPr>
-          <p:nvPr/>
-        </p:nvCxnSpPr>
-        <p:spPr>
-          <a:xfrm flipH="1">
-            <a:off x="2211398" y="1097581"/>
-            <a:ext cx="478727" cy="476250"/>
-          </a:xfrm>
-          <a:prstGeom prst="straightConnector1">
-            <a:avLst/>
-          </a:prstGeom>
+          <p:cNvPr id="36" name="文本框 35"/>
+          <p:cNvSpPr txBox="1"/>
+          <p:nvPr/>
+        </p:nvSpPr>
+        <p:spPr>
+          <a:xfrm>
+            <a:off x="6723380" y="1997075"/>
+            <a:ext cx="3815080" cy="245110"/>
+          </a:xfrm>
+          <a:prstGeom prst="rect">
+            <a:avLst/>
+          </a:prstGeom>
+          <a:noFill/>
           <a:ln>
             <a:solidFill>
               <a:schemeClr val="tx1"/>
             </a:solidFill>
-            <a:tailEnd type="triangle"/>
+            <a:prstDash val="sysDot"/>
           </a:ln>
         </p:spPr>
-        <p:style>
-          <a:lnRef idx="1">
-            <a:schemeClr val="accent1"/>
-          </a:lnRef>
-          <a:fillRef idx="0">
-            <a:schemeClr val="accent1"/>
-          </a:fillRef>
-          <a:effectRef idx="0">
-            <a:schemeClr val="accent1"/>
-          </a:effectRef>
-          <a:fontRef idx="minor">
-            <a:schemeClr val="tx1"/>
-          </a:fontRef>
-        </p:style>
-      </p:cxnSp>
-      <p:sp>
-        <p:nvSpPr>
-          <p:cNvPr id="27" name="矩形 26"/>
-          <p:cNvSpPr/>
-          <p:nvPr/>
-        </p:nvSpPr>
-        <p:spPr>
-          <a:xfrm>
-            <a:off x="2245932" y="728249"/>
-            <a:ext cx="888385" cy="369332"/>
+        <p:txBody>
+          <a:bodyPr wrap="square" rtlCol="0">
+            <a:spAutoFit/>
+          </a:bodyPr>
+          <a:p>
+            <a:pPr algn="ctr"/>
+            <a:r>
+              <a:rPr lang="en-US" altLang="zh-CN" sz="1000"/>
+              <a:t>titleBar</a:t>
+            </a:r>
+            <a:endParaRPr lang="en-US" altLang="zh-CN" sz="1000"/>
+          </a:p>
+        </p:txBody>
+      </p:sp>
+      <p:sp>
+        <p:nvSpPr>
+          <p:cNvPr id="40" name="矩形 39"/>
+          <p:cNvSpPr/>
+          <p:nvPr/>
+        </p:nvSpPr>
+        <p:spPr>
+          <a:xfrm>
+            <a:off x="1756411" y="3250704"/>
+            <a:ext cx="1887855" cy="368300"/>
           </a:xfrm>
           <a:prstGeom prst="rect">
             <a:avLst/>
@@ -7570,107 +7407,40 @@
           <a:bodyPr wrap="none">
             <a:spAutoFit/>
           </a:bodyPr>
-          <a:lstStyle/>
-          <a:p>
-            <a:r>
-              <a:rPr lang="en-US" altLang="zh-CN" dirty="0" smtClean="0">
+          <a:p>
+            <a:pPr algn="l"/>
+            <a:r>
+              <a:rPr lang="en-US" altLang="zh-CN" b="1" dirty="0" err="1" smtClean="0">
                 <a:solidFill>
-                  <a:srgbClr val="000000"/>
+                  <a:schemeClr val="accent1">
+                    <a:lumMod val="75000"/>
+                  </a:schemeClr>
                 </a:solidFill>
                 <a:effectLst/>
               </a:rPr>
-              <a:t>spacing</a:t>
-            </a:r>
-            <a:endParaRPr lang="zh-CN" altLang="en-US" dirty="0"/>
-          </a:p>
-        </p:txBody>
-      </p:sp>
-      <p:cxnSp>
-        <p:nvCxnSpPr>
-          <p:cNvPr id="28" name="直接箭头连接符 27"/>
-          <p:cNvCxnSpPr>
-            <a:stCxn id="27" idx="2"/>
-          </p:cNvCxnSpPr>
-          <p:nvPr/>
-        </p:nvCxnSpPr>
-        <p:spPr>
-          <a:xfrm>
-            <a:off x="2690125" y="1097581"/>
-            <a:ext cx="13400" cy="729178"/>
-          </a:xfrm>
-          <a:prstGeom prst="straightConnector1">
-            <a:avLst/>
-          </a:prstGeom>
-          <a:ln>
-            <a:solidFill>
-              <a:schemeClr val="tx1"/>
-            </a:solidFill>
-            <a:tailEnd type="triangle"/>
-          </a:ln>
-        </p:spPr>
-        <p:style>
-          <a:lnRef idx="1">
-            <a:schemeClr val="accent1"/>
-          </a:lnRef>
-          <a:fillRef idx="0">
-            <a:schemeClr val="accent1"/>
-          </a:fillRef>
-          <a:effectRef idx="0">
-            <a:schemeClr val="accent1"/>
-          </a:effectRef>
-          <a:fontRef idx="minor">
-            <a:schemeClr val="tx1"/>
-          </a:fontRef>
-        </p:style>
-      </p:cxnSp>
-      <p:cxnSp>
-        <p:nvCxnSpPr>
-          <p:cNvPr id="32" name="直接箭头连接符 31"/>
-          <p:cNvCxnSpPr>
-            <a:stCxn id="27" idx="2"/>
-          </p:cNvCxnSpPr>
-          <p:nvPr/>
-        </p:nvCxnSpPr>
-        <p:spPr>
-          <a:xfrm>
-            <a:off x="2690125" y="1097581"/>
-            <a:ext cx="766490" cy="542389"/>
-          </a:xfrm>
-          <a:prstGeom prst="straightConnector1">
-            <a:avLst/>
-          </a:prstGeom>
-          <a:ln>
-            <a:solidFill>
-              <a:schemeClr val="tx1"/>
-            </a:solidFill>
-            <a:tailEnd type="triangle"/>
-          </a:ln>
-        </p:spPr>
-        <p:style>
-          <a:lnRef idx="1">
-            <a:schemeClr val="accent1"/>
-          </a:lnRef>
-          <a:fillRef idx="0">
-            <a:schemeClr val="accent1"/>
-          </a:fillRef>
-          <a:effectRef idx="0">
-            <a:schemeClr val="accent1"/>
-          </a:effectRef>
-          <a:fontRef idx="minor">
-            <a:schemeClr val="tx1"/>
-          </a:fontRef>
-        </p:style>
-      </p:cxnSp>
-      <p:sp>
-        <p:nvSpPr>
-          <p:cNvPr id="56" name="矩形 55"/>
-          <p:cNvSpPr/>
-          <p:nvPr/>
-        </p:nvSpPr>
-        <p:spPr>
-          <a:xfrm>
-            <a:off x="1210611" y="4783863"/>
-            <a:ext cx="4895022" cy="1063040"/>
+              <a:t>applicationButton</a:t>
+            </a:r>
+            <a:endParaRPr lang="en-US" altLang="zh-CN" b="1" dirty="0" err="1" smtClean="0">
+              <a:solidFill>
+                <a:schemeClr val="accent1">
+                  <a:lumMod val="75000"/>
+                </a:schemeClr>
+              </a:solidFill>
+              <a:effectLst/>
+            </a:endParaRPr>
+          </a:p>
+        </p:txBody>
+      </p:sp>
+      <p:sp>
+        <p:nvSpPr>
+          <p:cNvPr id="42" name="矩形 41"/>
+          <p:cNvSpPr/>
+          <p:nvPr/>
+        </p:nvSpPr>
+        <p:spPr>
+          <a:xfrm>
+            <a:off x="4171950" y="2506980"/>
+            <a:ext cx="3780155" cy="1141095"/>
           </a:xfrm>
           <a:prstGeom prst="rect">
             <a:avLst/>
@@ -7705,7 +7475,6 @@
         </p:style>
         <p:txBody>
           <a:bodyPr rtlCol="0" anchor="ctr"/>
-          <a:lstStyle/>
           <a:p>
             <a:pPr algn="ctr"/>
             <a:endParaRPr lang="zh-CN" altLang="en-US"/>
@@ -7714,14 +7483,14 @@
       </p:sp>
       <p:sp>
         <p:nvSpPr>
-          <p:cNvPr id="58" name="矩形 57"/>
-          <p:cNvSpPr/>
-          <p:nvPr/>
-        </p:nvSpPr>
-        <p:spPr>
-          <a:xfrm>
-            <a:off x="1333607" y="4915555"/>
-            <a:ext cx="4638675" cy="857250"/>
+          <p:cNvPr id="43" name="矩形 42"/>
+          <p:cNvSpPr/>
+          <p:nvPr/>
+        </p:nvSpPr>
+        <p:spPr>
+          <a:xfrm>
+            <a:off x="4172585" y="2506980"/>
+            <a:ext cx="3779520" cy="976630"/>
           </a:xfrm>
           <a:prstGeom prst="rect">
             <a:avLst/>
@@ -7748,101 +7517,22 @@
         </p:style>
         <p:txBody>
           <a:bodyPr rtlCol="0" anchor="ctr"/>
-          <a:lstStyle/>
           <a:p>
             <a:pPr algn="ctr"/>
             <a:endParaRPr lang="zh-CN" altLang="en-US"/>
           </a:p>
         </p:txBody>
       </p:sp>
-      <p:cxnSp>
-        <p:nvCxnSpPr>
-          <p:cNvPr id="59" name="直接箭头连接符 58"/>
-          <p:cNvCxnSpPr/>
-          <p:nvPr/>
-        </p:nvCxnSpPr>
-        <p:spPr>
-          <a:xfrm flipH="1">
-            <a:off x="4229208" y="4677430"/>
-            <a:ext cx="171450" cy="164306"/>
-          </a:xfrm>
-          <a:prstGeom prst="straightConnector1">
-            <a:avLst/>
-          </a:prstGeom>
-          <a:ln>
-            <a:solidFill>
-              <a:srgbClr val="C00000"/>
-            </a:solidFill>
-            <a:tailEnd type="triangle"/>
-          </a:ln>
-        </p:spPr>
-        <p:style>
-          <a:lnRef idx="1">
-            <a:schemeClr val="accent1"/>
-          </a:lnRef>
-          <a:fillRef idx="0">
-            <a:schemeClr val="accent1"/>
-          </a:fillRef>
-          <a:effectRef idx="0">
-            <a:schemeClr val="accent1"/>
-          </a:effectRef>
-          <a:fontRef idx="minor">
-            <a:schemeClr val="tx1"/>
-          </a:fontRef>
-        </p:style>
-      </p:cxnSp>
-      <p:sp>
-        <p:nvSpPr>
-          <p:cNvPr id="60" name="矩形 59"/>
-          <p:cNvSpPr/>
-          <p:nvPr/>
-        </p:nvSpPr>
-        <p:spPr>
-          <a:xfrm>
-            <a:off x="3684271" y="4384814"/>
-            <a:ext cx="1784784" cy="369332"/>
-          </a:xfrm>
-          <a:prstGeom prst="rect">
-            <a:avLst/>
-          </a:prstGeom>
-        </p:spPr>
-        <p:txBody>
-          <a:bodyPr wrap="none">
-            <a:spAutoFit/>
-          </a:bodyPr>
-          <a:lstStyle/>
-          <a:p>
-            <a:r>
-              <a:rPr lang="en-US" altLang="zh-CN" b="1" dirty="0" err="1" smtClean="0">
-                <a:solidFill>
-                  <a:schemeClr val="accent1">
-                    <a:lumMod val="75000"/>
-                  </a:schemeClr>
-                </a:solidFill>
-                <a:effectLst/>
-              </a:rPr>
-              <a:t>contentsMargins</a:t>
-            </a:r>
-            <a:endParaRPr lang="zh-CN" altLang="en-US" dirty="0">
-              <a:solidFill>
-                <a:schemeClr val="accent1">
-                  <a:lumMod val="75000"/>
-                </a:schemeClr>
-              </a:solidFill>
-            </a:endParaRPr>
-          </a:p>
-        </p:txBody>
-      </p:sp>
-      <p:sp>
-        <p:nvSpPr>
-          <p:cNvPr id="61" name="矩形 60"/>
-          <p:cNvSpPr/>
-          <p:nvPr/>
-        </p:nvSpPr>
-        <p:spPr>
-          <a:xfrm>
-            <a:off x="5972283" y="5713296"/>
-            <a:ext cx="133350" cy="123825"/>
+      <p:sp>
+        <p:nvSpPr>
+          <p:cNvPr id="44" name="矩形 43"/>
+          <p:cNvSpPr/>
+          <p:nvPr/>
+        </p:nvSpPr>
+        <p:spPr>
+          <a:xfrm>
+            <a:off x="7795895" y="3507740"/>
+            <a:ext cx="132080" cy="111125"/>
           </a:xfrm>
           <a:prstGeom prst="rect">
             <a:avLst/>
@@ -7869,7 +7559,6 @@
         </p:style>
         <p:txBody>
           <a:bodyPr rtlCol="0" anchor="ctr"/>
-          <a:lstStyle/>
           <a:p>
             <a:pPr algn="ctr"/>
             <a:endParaRPr lang="zh-CN" altLang="en-US"/>
@@ -7878,86 +7567,14 @@
       </p:sp>
       <p:sp>
         <p:nvSpPr>
-          <p:cNvPr id="62" name="矩形 61"/>
-          <p:cNvSpPr/>
-          <p:nvPr/>
-        </p:nvSpPr>
-        <p:spPr>
-          <a:xfrm>
-            <a:off x="4936689" y="5877126"/>
-            <a:ext cx="1464568" cy="369332"/>
-          </a:xfrm>
-          <a:prstGeom prst="rect">
-            <a:avLst/>
-          </a:prstGeom>
-        </p:spPr>
-        <p:txBody>
-          <a:bodyPr wrap="none">
-            <a:spAutoFit/>
-          </a:bodyPr>
-          <a:lstStyle/>
-          <a:p>
-            <a:r>
-              <a:rPr lang="en-US" altLang="zh-CN" b="1" dirty="0" err="1" smtClean="0">
-                <a:solidFill>
-                  <a:srgbClr val="D5412A"/>
-                </a:solidFill>
-                <a:effectLst/>
-              </a:rPr>
-              <a:t>OptionAction</a:t>
-            </a:r>
-            <a:endParaRPr lang="zh-CN" altLang="en-US" dirty="0"/>
-          </a:p>
-        </p:txBody>
-      </p:sp>
-      <p:cxnSp>
-        <p:nvCxnSpPr>
-          <p:cNvPr id="63" name="直接箭头连接符 62"/>
-          <p:cNvCxnSpPr>
-            <a:endCxn id="61" idx="2"/>
-          </p:cNvCxnSpPr>
-          <p:nvPr/>
-        </p:nvCxnSpPr>
-        <p:spPr>
-          <a:xfrm flipV="1">
-            <a:off x="5888145" y="5837121"/>
-            <a:ext cx="150813" cy="114043"/>
-          </a:xfrm>
-          <a:prstGeom prst="straightConnector1">
-            <a:avLst/>
-          </a:prstGeom>
-          <a:ln>
-            <a:solidFill>
-              <a:schemeClr val="accent2"/>
-            </a:solidFill>
-            <a:tailEnd type="triangle"/>
-          </a:ln>
-        </p:spPr>
-        <p:style>
-          <a:lnRef idx="1">
-            <a:schemeClr val="accent1"/>
-          </a:lnRef>
-          <a:fillRef idx="0">
-            <a:schemeClr val="accent1"/>
-          </a:fillRef>
-          <a:effectRef idx="0">
-            <a:schemeClr val="accent1"/>
-          </a:effectRef>
-          <a:fontRef idx="minor">
-            <a:schemeClr val="tx1"/>
-          </a:fontRef>
-        </p:style>
-      </p:cxnSp>
-      <p:sp>
-        <p:nvSpPr>
-          <p:cNvPr id="64" name="矩形 63"/>
-          <p:cNvSpPr/>
-          <p:nvPr/>
-        </p:nvSpPr>
-        <p:spPr>
-          <a:xfrm>
-            <a:off x="1333607" y="4915555"/>
-            <a:ext cx="857251" cy="857250"/>
+          <p:cNvPr id="45" name="矩形 44"/>
+          <p:cNvSpPr/>
+          <p:nvPr/>
+        </p:nvSpPr>
+        <p:spPr>
+          <a:xfrm>
+            <a:off x="4227195" y="2548890"/>
+            <a:ext cx="671195" cy="892175"/>
           </a:xfrm>
           <a:prstGeom prst="rect">
             <a:avLst/>
@@ -7981,7 +7598,6 @@
         </p:style>
         <p:txBody>
           <a:bodyPr rtlCol="0" anchor="ctr"/>
-          <a:lstStyle/>
           <a:p>
             <a:pPr algn="ctr"/>
             <a:endParaRPr lang="zh-CN" altLang="en-US"/>
@@ -7990,48 +7606,14 @@
       </p:sp>
       <p:sp>
         <p:nvSpPr>
-          <p:cNvPr id="65" name="矩形 64"/>
-          <p:cNvSpPr/>
-          <p:nvPr/>
-        </p:nvSpPr>
-        <p:spPr>
-          <a:xfrm>
-            <a:off x="1389831" y="5848151"/>
-            <a:ext cx="697242" cy="369332"/>
-          </a:xfrm>
-          <a:prstGeom prst="rect">
-            <a:avLst/>
-          </a:prstGeom>
-        </p:spPr>
-        <p:txBody>
-          <a:bodyPr wrap="none">
-            <a:spAutoFit/>
-          </a:bodyPr>
-          <a:lstStyle/>
-          <a:p>
-            <a:r>
-              <a:rPr lang="en-US" altLang="zh-CN" b="1" dirty="0" smtClean="0">
-                <a:solidFill>
-                  <a:srgbClr val="048138"/>
-                </a:solidFill>
-                <a:effectLst/>
-              </a:rPr>
-              <a:t>Large</a:t>
-            </a:r>
-            <a:endParaRPr lang="zh-CN" altLang="en-US" dirty="0"/>
-          </a:p>
-        </p:txBody>
-      </p:sp>
-      <p:sp>
-        <p:nvSpPr>
-          <p:cNvPr id="66" name="矩形 65"/>
-          <p:cNvSpPr/>
-          <p:nvPr/>
-        </p:nvSpPr>
-        <p:spPr>
-          <a:xfrm>
-            <a:off x="2286108" y="4915555"/>
-            <a:ext cx="1143000" cy="381000"/>
+          <p:cNvPr id="46" name="矩形 45"/>
+          <p:cNvSpPr/>
+          <p:nvPr/>
+        </p:nvSpPr>
+        <p:spPr>
+          <a:xfrm>
+            <a:off x="4992370" y="3185795"/>
+            <a:ext cx="894715" cy="255270"/>
           </a:xfrm>
           <a:prstGeom prst="rect">
             <a:avLst/>
@@ -8055,7 +7637,6 @@
         </p:style>
         <p:txBody>
           <a:bodyPr rtlCol="0" anchor="ctr"/>
-          <a:lstStyle/>
           <a:p>
             <a:pPr algn="ctr"/>
             <a:endParaRPr lang="zh-CN" altLang="en-US"/>
@@ -8064,14 +7645,14 @@
       </p:sp>
       <p:sp>
         <p:nvSpPr>
-          <p:cNvPr id="67" name="矩形 66"/>
-          <p:cNvSpPr/>
-          <p:nvPr/>
-        </p:nvSpPr>
-        <p:spPr>
-          <a:xfrm>
-            <a:off x="2286108" y="5391805"/>
-            <a:ext cx="1143000" cy="381000"/>
+          <p:cNvPr id="47" name="矩形 46"/>
+          <p:cNvSpPr/>
+          <p:nvPr/>
+        </p:nvSpPr>
+        <p:spPr>
+          <a:xfrm>
+            <a:off x="4992370" y="2548890"/>
+            <a:ext cx="894715" cy="255270"/>
           </a:xfrm>
           <a:prstGeom prst="rect">
             <a:avLst/>
@@ -8095,7 +7676,6 @@
         </p:style>
         <p:txBody>
           <a:bodyPr rtlCol="0" anchor="ctr"/>
-          <a:lstStyle/>
           <a:p>
             <a:pPr algn="ctr"/>
             <a:endParaRPr lang="zh-CN" altLang="en-US"/>
@@ -8104,48 +7684,14 @@
       </p:sp>
       <p:sp>
         <p:nvSpPr>
-          <p:cNvPr id="69" name="矩形 68"/>
-          <p:cNvSpPr/>
-          <p:nvPr/>
-        </p:nvSpPr>
-        <p:spPr>
-          <a:xfrm>
-            <a:off x="2520159" y="5848151"/>
-            <a:ext cx="707245" cy="369332"/>
-          </a:xfrm>
-          <a:prstGeom prst="rect">
-            <a:avLst/>
-          </a:prstGeom>
-        </p:spPr>
-        <p:txBody>
-          <a:bodyPr wrap="none">
-            <a:spAutoFit/>
-          </a:bodyPr>
-          <a:lstStyle/>
-          <a:p>
-            <a:r>
-              <a:rPr lang="en-US" altLang="zh-CN" b="1" dirty="0" smtClean="0">
-                <a:solidFill>
-                  <a:srgbClr val="048138"/>
-                </a:solidFill>
-                <a:effectLst/>
-              </a:rPr>
-              <a:t>Small</a:t>
-            </a:r>
-            <a:endParaRPr lang="zh-CN" altLang="en-US" dirty="0"/>
-          </a:p>
-        </p:txBody>
-      </p:sp>
-      <p:sp>
-        <p:nvSpPr>
-          <p:cNvPr id="70" name="矩形 69"/>
-          <p:cNvSpPr/>
-          <p:nvPr/>
-        </p:nvSpPr>
-        <p:spPr>
-          <a:xfrm>
-            <a:off x="3510070" y="4925082"/>
-            <a:ext cx="1143000" cy="381000"/>
+          <p:cNvPr id="48" name="矩形 47"/>
+          <p:cNvSpPr/>
+          <p:nvPr/>
+        </p:nvSpPr>
+        <p:spPr>
+          <a:xfrm>
+            <a:off x="4992370" y="2867660"/>
+            <a:ext cx="894715" cy="255270"/>
           </a:xfrm>
           <a:prstGeom prst="rect">
             <a:avLst/>
@@ -8169,7 +7715,6 @@
         </p:style>
         <p:txBody>
           <a:bodyPr rtlCol="0" anchor="ctr"/>
-          <a:lstStyle/>
           <a:p>
             <a:pPr algn="ctr"/>
             <a:endParaRPr lang="zh-CN" altLang="en-US"/>
@@ -8178,14 +7723,14 @@
       </p:sp>
       <p:sp>
         <p:nvSpPr>
-          <p:cNvPr id="71" name="矩形 70"/>
-          <p:cNvSpPr/>
-          <p:nvPr/>
-        </p:nvSpPr>
-        <p:spPr>
-          <a:xfrm>
-            <a:off x="3524358" y="5379933"/>
-            <a:ext cx="1143000" cy="381000"/>
+          <p:cNvPr id="49" name="矩形 48"/>
+          <p:cNvSpPr/>
+          <p:nvPr/>
+        </p:nvSpPr>
+        <p:spPr>
+          <a:xfrm>
+            <a:off x="5996940" y="3032125"/>
+            <a:ext cx="894715" cy="255270"/>
           </a:xfrm>
           <a:prstGeom prst="rect">
             <a:avLst/>
@@ -8209,7 +7754,6 @@
         </p:style>
         <p:txBody>
           <a:bodyPr rtlCol="0" anchor="ctr"/>
-          <a:lstStyle/>
           <a:p>
             <a:pPr algn="ctr"/>
             <a:endParaRPr lang="zh-CN" altLang="en-US"/>
@@ -8218,556 +7762,53 @@
       </p:sp>
       <p:sp>
         <p:nvSpPr>
-          <p:cNvPr id="72" name="矩形 71"/>
-          <p:cNvSpPr/>
-          <p:nvPr/>
-        </p:nvSpPr>
-        <p:spPr>
-          <a:xfrm>
-            <a:off x="3660491" y="5848151"/>
-            <a:ext cx="992579" cy="369332"/>
-          </a:xfrm>
-          <a:prstGeom prst="rect">
-            <a:avLst/>
-          </a:prstGeom>
-        </p:spPr>
-        <p:txBody>
-          <a:bodyPr wrap="none">
-            <a:spAutoFit/>
-          </a:bodyPr>
-          <a:lstStyle/>
-          <a:p>
-            <a:r>
-              <a:rPr lang="en-US" altLang="zh-CN" b="1" dirty="0" smtClean="0">
-                <a:solidFill>
-                  <a:srgbClr val="048138"/>
-                </a:solidFill>
-                <a:effectLst/>
-              </a:rPr>
-              <a:t>Medium</a:t>
-            </a:r>
-            <a:endParaRPr lang="zh-CN" altLang="en-US" dirty="0"/>
-          </a:p>
-        </p:txBody>
-      </p:sp>
-      <p:cxnSp>
-        <p:nvCxnSpPr>
-          <p:cNvPr id="73" name="直接箭头连接符 72"/>
-          <p:cNvCxnSpPr>
-            <a:stCxn id="74" idx="2"/>
-          </p:cNvCxnSpPr>
-          <p:nvPr/>
-        </p:nvCxnSpPr>
-        <p:spPr>
-          <a:xfrm flipH="1">
-            <a:off x="2228958" y="4629805"/>
-            <a:ext cx="478727" cy="476250"/>
-          </a:xfrm>
-          <a:prstGeom prst="straightConnector1">
-            <a:avLst/>
-          </a:prstGeom>
-          <a:ln>
-            <a:solidFill>
-              <a:schemeClr val="tx1"/>
-            </a:solidFill>
-            <a:tailEnd type="triangle"/>
-          </a:ln>
-        </p:spPr>
-        <p:style>
-          <a:lnRef idx="1">
-            <a:schemeClr val="accent1"/>
-          </a:lnRef>
-          <a:fillRef idx="0">
-            <a:schemeClr val="accent1"/>
-          </a:fillRef>
-          <a:effectRef idx="0">
-            <a:schemeClr val="accent1"/>
-          </a:effectRef>
-          <a:fontRef idx="minor">
-            <a:schemeClr val="tx1"/>
-          </a:fontRef>
-        </p:style>
-      </p:cxnSp>
-      <p:sp>
-        <p:nvSpPr>
-          <p:cNvPr id="74" name="矩形 73"/>
-          <p:cNvSpPr/>
-          <p:nvPr/>
-        </p:nvSpPr>
-        <p:spPr>
-          <a:xfrm>
-            <a:off x="2263492" y="4260473"/>
-            <a:ext cx="888385" cy="369332"/>
-          </a:xfrm>
-          <a:prstGeom prst="rect">
-            <a:avLst/>
-          </a:prstGeom>
-        </p:spPr>
-        <p:txBody>
-          <a:bodyPr wrap="none">
-            <a:spAutoFit/>
-          </a:bodyPr>
-          <a:lstStyle/>
-          <a:p>
-            <a:r>
-              <a:rPr lang="en-US" altLang="zh-CN" dirty="0" smtClean="0">
-                <a:solidFill>
-                  <a:srgbClr val="000000"/>
-                </a:solidFill>
-                <a:effectLst/>
-              </a:rPr>
-              <a:t>spacing</a:t>
-            </a:r>
-            <a:endParaRPr lang="zh-CN" altLang="en-US" dirty="0"/>
-          </a:p>
-        </p:txBody>
-      </p:sp>
-      <p:cxnSp>
-        <p:nvCxnSpPr>
-          <p:cNvPr id="75" name="直接箭头连接符 74"/>
-          <p:cNvCxnSpPr>
-            <a:stCxn id="74" idx="2"/>
-          </p:cNvCxnSpPr>
-          <p:nvPr/>
-        </p:nvCxnSpPr>
-        <p:spPr>
-          <a:xfrm>
-            <a:off x="2707685" y="4629805"/>
-            <a:ext cx="13400" cy="729178"/>
-          </a:xfrm>
-          <a:prstGeom prst="straightConnector1">
-            <a:avLst/>
-          </a:prstGeom>
-          <a:ln>
-            <a:solidFill>
-              <a:schemeClr val="tx1"/>
-            </a:solidFill>
-            <a:tailEnd type="triangle"/>
-          </a:ln>
-        </p:spPr>
-        <p:style>
-          <a:lnRef idx="1">
-            <a:schemeClr val="accent1"/>
-          </a:lnRef>
-          <a:fillRef idx="0">
-            <a:schemeClr val="accent1"/>
-          </a:fillRef>
-          <a:effectRef idx="0">
-            <a:schemeClr val="accent1"/>
-          </a:effectRef>
-          <a:fontRef idx="minor">
-            <a:schemeClr val="tx1"/>
-          </a:fontRef>
-        </p:style>
-      </p:cxnSp>
-      <p:cxnSp>
-        <p:nvCxnSpPr>
-          <p:cNvPr id="76" name="直接箭头连接符 75"/>
-          <p:cNvCxnSpPr>
-            <a:stCxn id="74" idx="2"/>
-          </p:cNvCxnSpPr>
-          <p:nvPr/>
-        </p:nvCxnSpPr>
-        <p:spPr>
-          <a:xfrm>
-            <a:off x="2707685" y="4629805"/>
-            <a:ext cx="766490" cy="542389"/>
-          </a:xfrm>
-          <a:prstGeom prst="straightConnector1">
-            <a:avLst/>
-          </a:prstGeom>
-          <a:ln>
-            <a:solidFill>
-              <a:schemeClr val="tx1"/>
-            </a:solidFill>
-            <a:tailEnd type="triangle"/>
-          </a:ln>
-        </p:spPr>
-        <p:style>
-          <a:lnRef idx="1">
-            <a:schemeClr val="accent1"/>
-          </a:lnRef>
-          <a:fillRef idx="0">
-            <a:schemeClr val="accent1"/>
-          </a:fillRef>
-          <a:effectRef idx="0">
-            <a:schemeClr val="accent1"/>
-          </a:effectRef>
-          <a:fontRef idx="minor">
-            <a:schemeClr val="tx1"/>
-          </a:fontRef>
-        </p:style>
-      </p:cxnSp>
-      <p:sp>
-        <p:nvSpPr>
-          <p:cNvPr id="77" name="文本框 76"/>
+          <p:cNvPr id="50" name="矩形 49"/>
+          <p:cNvSpPr/>
+          <p:nvPr/>
+        </p:nvSpPr>
+        <p:spPr>
+          <a:xfrm>
+            <a:off x="5996940" y="2658745"/>
+            <a:ext cx="894715" cy="255270"/>
+          </a:xfrm>
+          <a:prstGeom prst="rect">
+            <a:avLst/>
+          </a:prstGeom>
+        </p:spPr>
+        <p:style>
+          <a:lnRef idx="2">
+            <a:schemeClr val="accent1">
+              <a:shade val="50000"/>
+            </a:schemeClr>
+          </a:lnRef>
+          <a:fillRef idx="1">
+            <a:schemeClr val="accent1"/>
+          </a:fillRef>
+          <a:effectRef idx="0">
+            <a:schemeClr val="accent1"/>
+          </a:effectRef>
+          <a:fontRef idx="minor">
+            <a:schemeClr val="lt1"/>
+          </a:fontRef>
+        </p:style>
+        <p:txBody>
+          <a:bodyPr rtlCol="0" anchor="ctr"/>
+          <a:p>
+            <a:pPr algn="ctr"/>
+            <a:endParaRPr lang="zh-CN" altLang="en-US"/>
+          </a:p>
+        </p:txBody>
+      </p:sp>
+      <p:sp>
+        <p:nvSpPr>
+          <p:cNvPr id="51" name="文本框 50"/>
           <p:cNvSpPr txBox="1"/>
           <p:nvPr/>
         </p:nvSpPr>
         <p:spPr>
           <a:xfrm>
-            <a:off x="2485881" y="4025759"/>
-            <a:ext cx="2468368" cy="369332"/>
-          </a:xfrm>
-          <a:prstGeom prst="rect">
-            <a:avLst/>
-          </a:prstGeom>
-        </p:spPr>
-        <p:txBody>
-          <a:bodyPr wrap="none">
-            <a:spAutoFit/>
-          </a:bodyPr>
-          <a:lstStyle>
-            <a:defPPr>
-              <a:defRPr lang="zh-CN"/>
-            </a:defPPr>
-            <a:lvl1pPr>
-              <a:defRPr b="1">
-                <a:solidFill>
-                  <a:srgbClr val="D5412A"/>
-                </a:solidFill>
-                <a:effectLst/>
-              </a:defRPr>
-            </a:lvl1pPr>
-          </a:lstStyle>
-          <a:p>
-            <a:r>
-              <a:rPr lang="en-US" altLang="zh-CN" dirty="0" err="1" smtClean="0">
-                <a:solidFill>
-                  <a:srgbClr val="C00000"/>
-                </a:solidFill>
-              </a:rPr>
-              <a:t>SARibbonPannel</a:t>
-            </a:r>
-            <a:r>
-              <a:rPr lang="en-US" altLang="zh-CN" dirty="0" smtClean="0">
-                <a:solidFill>
-                  <a:srgbClr val="C00000"/>
-                </a:solidFill>
-              </a:rPr>
-              <a:t> : </a:t>
-            </a:r>
-            <a:r>
-              <a:rPr lang="en-US" altLang="zh-CN" dirty="0" err="1" smtClean="0">
-                <a:solidFill>
-                  <a:srgbClr val="C00000"/>
-                </a:solidFill>
-              </a:rPr>
-              <a:t>2Row</a:t>
-            </a:r>
-            <a:endParaRPr lang="zh-CN" altLang="en-US" dirty="0">
-              <a:solidFill>
-                <a:srgbClr val="C00000"/>
-              </a:solidFill>
-            </a:endParaRPr>
-          </a:p>
-        </p:txBody>
-      </p:sp>
-      <p:sp>
-        <p:nvSpPr>
-          <p:cNvPr id="80" name="文本框 79"/>
-          <p:cNvSpPr txBox="1"/>
-          <p:nvPr/>
-        </p:nvSpPr>
-        <p:spPr>
-          <a:xfrm>
-            <a:off x="7184581" y="1321113"/>
-            <a:ext cx="4729980" cy="369332"/>
-          </a:xfrm>
-          <a:prstGeom prst="rect">
-            <a:avLst/>
-          </a:prstGeom>
-          <a:noFill/>
-        </p:spPr>
-        <p:txBody>
-          <a:bodyPr wrap="square" rtlCol="0">
-            <a:spAutoFit/>
-          </a:bodyPr>
-          <a:lstStyle/>
-          <a:p>
-            <a:r>
-              <a:rPr lang="en-US" altLang="zh-CN" dirty="0" smtClean="0">
-                <a:latin typeface="微软雅黑" panose="020B0503020204020204" pitchFamily="34" charset="-122"/>
-                <a:ea typeface="微软雅黑" panose="020B0503020204020204" pitchFamily="34" charset="-122"/>
-              </a:rPr>
-              <a:t>3</a:t>
-            </a:r>
-            <a:r>
-              <a:rPr lang="zh-CN" altLang="en-US" dirty="0" smtClean="0">
-                <a:latin typeface="微软雅黑" panose="020B0503020204020204" pitchFamily="34" charset="-122"/>
-                <a:ea typeface="微软雅黑" panose="020B0503020204020204" pitchFamily="34" charset="-122"/>
-              </a:rPr>
-              <a:t>行模式下，</a:t>
-            </a:r>
-            <a:r>
-              <a:rPr lang="en-US" altLang="zh-CN" dirty="0" smtClean="0">
-                <a:latin typeface="微软雅黑" panose="020B0503020204020204" pitchFamily="34" charset="-122"/>
-                <a:ea typeface="微软雅黑" panose="020B0503020204020204" pitchFamily="34" charset="-122"/>
-              </a:rPr>
-              <a:t>Medium</a:t>
-            </a:r>
-            <a:r>
-              <a:rPr lang="zh-CN" altLang="en-US" dirty="0" smtClean="0">
-                <a:latin typeface="微软雅黑" panose="020B0503020204020204" pitchFamily="34" charset="-122"/>
-                <a:ea typeface="微软雅黑" panose="020B0503020204020204" pitchFamily="34" charset="-122"/>
-              </a:rPr>
-              <a:t>占两行</a:t>
-            </a:r>
-            <a:r>
-              <a:rPr lang="zh-CN" altLang="en-US" dirty="0">
-                <a:latin typeface="微软雅黑" panose="020B0503020204020204" pitchFamily="34" charset="-122"/>
-                <a:ea typeface="微软雅黑" panose="020B0503020204020204" pitchFamily="34" charset="-122"/>
-              </a:rPr>
-              <a:t>，</a:t>
-            </a:r>
-            <a:r>
-              <a:rPr lang="en-US" altLang="zh-CN" dirty="0" smtClean="0">
-                <a:latin typeface="微软雅黑" panose="020B0503020204020204" pitchFamily="34" charset="-122"/>
-                <a:ea typeface="微软雅黑" panose="020B0503020204020204" pitchFamily="34" charset="-122"/>
-              </a:rPr>
-              <a:t>Office</a:t>
-            </a:r>
-            <a:r>
-              <a:rPr lang="zh-CN" altLang="en-US" dirty="0" smtClean="0">
-                <a:latin typeface="微软雅黑" panose="020B0503020204020204" pitchFamily="34" charset="-122"/>
-                <a:ea typeface="微软雅黑" panose="020B0503020204020204" pitchFamily="34" charset="-122"/>
-              </a:rPr>
-              <a:t>示例</a:t>
-            </a:r>
-            <a:endParaRPr lang="zh-CN" altLang="en-US" dirty="0">
-              <a:latin typeface="微软雅黑" panose="020B0503020204020204" pitchFamily="34" charset="-122"/>
-              <a:ea typeface="微软雅黑" panose="020B0503020204020204" pitchFamily="34" charset="-122"/>
-            </a:endParaRPr>
-          </a:p>
-        </p:txBody>
-      </p:sp>
-      <p:sp>
-        <p:nvSpPr>
-          <p:cNvPr id="81" name="文本框 80"/>
-          <p:cNvSpPr txBox="1"/>
-          <p:nvPr/>
-        </p:nvSpPr>
-        <p:spPr>
-          <a:xfrm>
-            <a:off x="6945079" y="4019725"/>
-            <a:ext cx="4975733" cy="646331"/>
-          </a:xfrm>
-          <a:prstGeom prst="rect">
-            <a:avLst/>
-          </a:prstGeom>
-          <a:noFill/>
-        </p:spPr>
-        <p:txBody>
-          <a:bodyPr wrap="square" rtlCol="0">
-            <a:spAutoFit/>
-          </a:bodyPr>
-          <a:lstStyle/>
-          <a:p>
-            <a:r>
-              <a:rPr lang="en-US" altLang="zh-CN" dirty="0" smtClean="0">
-                <a:latin typeface="微软雅黑" panose="020B0503020204020204" pitchFamily="34" charset="-122"/>
-                <a:ea typeface="微软雅黑" panose="020B0503020204020204" pitchFamily="34" charset="-122"/>
-              </a:rPr>
-              <a:t>2</a:t>
-            </a:r>
-            <a:r>
-              <a:rPr lang="zh-CN" altLang="en-US" dirty="0" smtClean="0">
-                <a:latin typeface="微软雅黑" panose="020B0503020204020204" pitchFamily="34" charset="-122"/>
-                <a:ea typeface="微软雅黑" panose="020B0503020204020204" pitchFamily="34" charset="-122"/>
-              </a:rPr>
-              <a:t>行模式下，</a:t>
-            </a:r>
-            <a:r>
-              <a:rPr lang="en-US" altLang="zh-CN" dirty="0" smtClean="0">
-                <a:latin typeface="微软雅黑" panose="020B0503020204020204" pitchFamily="34" charset="-122"/>
-                <a:ea typeface="微软雅黑" panose="020B0503020204020204" pitchFamily="34" charset="-122"/>
-              </a:rPr>
-              <a:t>Medium</a:t>
-            </a:r>
-            <a:r>
-              <a:rPr lang="zh-CN" altLang="en-US" dirty="0" smtClean="0">
-                <a:latin typeface="微软雅黑" panose="020B0503020204020204" pitchFamily="34" charset="-122"/>
-                <a:ea typeface="微软雅黑" panose="020B0503020204020204" pitchFamily="34" charset="-122"/>
-              </a:rPr>
-              <a:t>和</a:t>
-            </a:r>
-            <a:r>
-              <a:rPr lang="en-US" altLang="zh-CN" dirty="0" smtClean="0">
-                <a:latin typeface="微软雅黑" panose="020B0503020204020204" pitchFamily="34" charset="-122"/>
-                <a:ea typeface="微软雅黑" panose="020B0503020204020204" pitchFamily="34" charset="-122"/>
-              </a:rPr>
-              <a:t>Small</a:t>
-            </a:r>
-            <a:r>
-              <a:rPr lang="zh-CN" altLang="en-US" dirty="0" smtClean="0">
-                <a:latin typeface="微软雅黑" panose="020B0503020204020204" pitchFamily="34" charset="-122"/>
-                <a:ea typeface="微软雅黑" panose="020B0503020204020204" pitchFamily="34" charset="-122"/>
-              </a:rPr>
-              <a:t>一样，不做区分</a:t>
-            </a:r>
-            <a:endParaRPr lang="en-US" altLang="zh-CN" dirty="0" smtClean="0">
-              <a:latin typeface="微软雅黑" panose="020B0503020204020204" pitchFamily="34" charset="-122"/>
-              <a:ea typeface="微软雅黑" panose="020B0503020204020204" pitchFamily="34" charset="-122"/>
-            </a:endParaRPr>
-          </a:p>
-          <a:p>
-            <a:r>
-              <a:rPr lang="en-US" altLang="zh-CN" dirty="0" smtClean="0">
-                <a:latin typeface="微软雅黑" panose="020B0503020204020204" pitchFamily="34" charset="-122"/>
-                <a:ea typeface="微软雅黑" panose="020B0503020204020204" pitchFamily="34" charset="-122"/>
-              </a:rPr>
-              <a:t>WPS</a:t>
-            </a:r>
-            <a:r>
-              <a:rPr lang="zh-CN" altLang="en-US" dirty="0" smtClean="0">
-                <a:latin typeface="微软雅黑" panose="020B0503020204020204" pitchFamily="34" charset="-122"/>
-                <a:ea typeface="微软雅黑" panose="020B0503020204020204" pitchFamily="34" charset="-122"/>
-              </a:rPr>
-              <a:t>示例</a:t>
-            </a:r>
-            <a:endParaRPr lang="zh-CN" altLang="en-US" dirty="0">
-              <a:latin typeface="微软雅黑" panose="020B0503020204020204" pitchFamily="34" charset="-122"/>
-              <a:ea typeface="微软雅黑" panose="020B0503020204020204" pitchFamily="34" charset="-122"/>
-            </a:endParaRPr>
-          </a:p>
-        </p:txBody>
-      </p:sp>
-      <p:pic>
-        <p:nvPicPr>
-          <p:cNvPr id="82" name="图片 81"/>
-          <p:cNvPicPr>
-            <a:picLocks noChangeAspect="1"/>
-          </p:cNvPicPr>
-          <p:nvPr/>
-        </p:nvPicPr>
-        <p:blipFill>
-          <a:blip r:embed="rId1"/>
-          <a:stretch>
-            <a:fillRect/>
-          </a:stretch>
-        </p:blipFill>
-        <p:spPr>
-          <a:xfrm>
-            <a:off x="7184581" y="1811380"/>
-            <a:ext cx="4457143" cy="1142857"/>
-          </a:xfrm>
-          <a:prstGeom prst="rect">
-            <a:avLst/>
-          </a:prstGeom>
-        </p:spPr>
-      </p:pic>
-      <p:sp>
-        <p:nvSpPr>
-          <p:cNvPr id="83" name="矩形 82"/>
-          <p:cNvSpPr/>
-          <p:nvPr/>
-        </p:nvSpPr>
-        <p:spPr>
-          <a:xfrm>
-            <a:off x="7003474" y="2975351"/>
-            <a:ext cx="697242" cy="369332"/>
-          </a:xfrm>
-          <a:prstGeom prst="rect">
-            <a:avLst/>
-          </a:prstGeom>
-        </p:spPr>
-        <p:txBody>
-          <a:bodyPr wrap="none">
-            <a:spAutoFit/>
-          </a:bodyPr>
-          <a:lstStyle/>
-          <a:p>
-            <a:r>
-              <a:rPr lang="en-US" altLang="zh-CN" b="1" dirty="0" smtClean="0">
-                <a:solidFill>
-                  <a:srgbClr val="048138"/>
-                </a:solidFill>
-                <a:effectLst/>
-              </a:rPr>
-              <a:t>Large</a:t>
-            </a:r>
-            <a:endParaRPr lang="zh-CN" altLang="en-US" dirty="0"/>
-          </a:p>
-        </p:txBody>
-      </p:sp>
-      <p:sp>
-        <p:nvSpPr>
-          <p:cNvPr id="84" name="矩形 83"/>
-          <p:cNvSpPr/>
-          <p:nvPr/>
-        </p:nvSpPr>
-        <p:spPr>
-          <a:xfrm>
-            <a:off x="8783146" y="3011241"/>
-            <a:ext cx="707245" cy="369332"/>
-          </a:xfrm>
-          <a:prstGeom prst="rect">
-            <a:avLst/>
-          </a:prstGeom>
-        </p:spPr>
-        <p:txBody>
-          <a:bodyPr wrap="none">
-            <a:spAutoFit/>
-          </a:bodyPr>
-          <a:lstStyle/>
-          <a:p>
-            <a:r>
-              <a:rPr lang="en-US" altLang="zh-CN" b="1" dirty="0" smtClean="0">
-                <a:solidFill>
-                  <a:srgbClr val="048138"/>
-                </a:solidFill>
-                <a:effectLst/>
-              </a:rPr>
-              <a:t>Small</a:t>
-            </a:r>
-            <a:endParaRPr lang="zh-CN" altLang="en-US" dirty="0"/>
-          </a:p>
-        </p:txBody>
-      </p:sp>
-      <p:sp>
-        <p:nvSpPr>
-          <p:cNvPr id="85" name="矩形 84"/>
-          <p:cNvSpPr/>
-          <p:nvPr/>
-        </p:nvSpPr>
-        <p:spPr>
-          <a:xfrm>
-            <a:off x="9840030" y="3011241"/>
-            <a:ext cx="992579" cy="369332"/>
-          </a:xfrm>
-          <a:prstGeom prst="rect">
-            <a:avLst/>
-          </a:prstGeom>
-        </p:spPr>
-        <p:txBody>
-          <a:bodyPr wrap="none">
-            <a:spAutoFit/>
-          </a:bodyPr>
-          <a:lstStyle/>
-          <a:p>
-            <a:r>
-              <a:rPr lang="en-US" altLang="zh-CN" b="1" dirty="0" smtClean="0">
-                <a:solidFill>
-                  <a:srgbClr val="048138"/>
-                </a:solidFill>
-                <a:effectLst/>
-              </a:rPr>
-              <a:t>Medium</a:t>
-            </a:r>
-            <a:endParaRPr lang="zh-CN" altLang="en-US" dirty="0"/>
-          </a:p>
-        </p:txBody>
-      </p:sp>
-      <p:sp>
-        <p:nvSpPr>
-          <p:cNvPr id="86" name="文本框 85"/>
-          <p:cNvSpPr txBox="1"/>
-          <p:nvPr/>
-        </p:nvSpPr>
-        <p:spPr>
-          <a:xfrm>
-            <a:off x="1316047" y="2753189"/>
-            <a:ext cx="4428333" cy="236652"/>
+            <a:off x="4170045" y="3484245"/>
+            <a:ext cx="3606800" cy="158750"/>
           </a:xfrm>
           <a:prstGeom prst="rect">
             <a:avLst/>
@@ -8786,79 +7827,34 @@
           <a:bodyPr wrap="square" lIns="0" tIns="0" rIns="0" bIns="0" rtlCol="0">
             <a:noAutofit/>
           </a:bodyPr>
-          <a:lstStyle/>
           <a:p>
             <a:pPr algn="ctr"/>
             <a:r>
-              <a:rPr lang="en-US" altLang="zh-CN" sz="1400" dirty="0" err="1" smtClean="0"/>
+              <a:rPr lang="en-US" altLang="zh-CN" sz="1200" dirty="0" err="1" smtClean="0"/>
               <a:t>Pannel</a:t>
             </a:r>
             <a:r>
-              <a:rPr lang="en-US" altLang="zh-CN" sz="1400" dirty="0" smtClean="0"/>
+              <a:rPr lang="en-US" altLang="zh-CN" sz="1200" dirty="0" smtClean="0"/>
               <a:t> Title</a:t>
             </a:r>
-            <a:endParaRPr lang="zh-CN" altLang="en-US" sz="1400" dirty="0"/>
-          </a:p>
-        </p:txBody>
-      </p:sp>
-      <p:cxnSp>
-        <p:nvCxnSpPr>
-          <p:cNvPr id="88" name="直接箭头连接符 87"/>
-          <p:cNvCxnSpPr>
-            <a:stCxn id="83" idx="0"/>
-          </p:cNvCxnSpPr>
-          <p:nvPr/>
-        </p:nvCxnSpPr>
-        <p:spPr>
-          <a:xfrm flipV="1">
-            <a:off x="7352095" y="2727661"/>
-            <a:ext cx="0" cy="247690"/>
-          </a:xfrm>
-          <a:prstGeom prst="straightConnector1">
-            <a:avLst/>
-          </a:prstGeom>
-          <a:ln>
-            <a:solidFill>
-              <a:srgbClr val="00B050"/>
-            </a:solidFill>
-            <a:tailEnd type="triangle"/>
-          </a:ln>
-        </p:spPr>
-        <p:style>
-          <a:lnRef idx="1">
-            <a:schemeClr val="accent1"/>
-          </a:lnRef>
-          <a:fillRef idx="0">
-            <a:schemeClr val="accent1"/>
-          </a:fillRef>
-          <a:effectRef idx="0">
-            <a:schemeClr val="accent1"/>
-          </a:effectRef>
-          <a:fontRef idx="minor">
-            <a:schemeClr val="tx1"/>
-          </a:fontRef>
-        </p:style>
-      </p:cxnSp>
-      <p:sp>
-        <p:nvSpPr>
-          <p:cNvPr id="90" name="矩形 89"/>
-          <p:cNvSpPr/>
-          <p:nvPr/>
-        </p:nvSpPr>
-        <p:spPr>
-          <a:xfrm>
-            <a:off x="8783146" y="2053251"/>
-            <a:ext cx="648565" cy="674410"/>
-          </a:xfrm>
-          <a:prstGeom prst="rect">
-            <a:avLst/>
-          </a:prstGeom>
-          <a:noFill/>
-          <a:ln>
-            <a:solidFill>
-              <a:srgbClr val="00B050"/>
-            </a:solidFill>
-          </a:ln>
+            <a:endParaRPr lang="en-US" altLang="zh-CN" sz="1200" dirty="0" smtClean="0"/>
+          </a:p>
+        </p:txBody>
+      </p:sp>
+      <p:sp>
+        <p:nvSpPr>
+          <p:cNvPr id="52" name="矩形 51"/>
+          <p:cNvSpPr/>
+          <p:nvPr/>
+        </p:nvSpPr>
+        <p:spPr>
+          <a:xfrm>
+            <a:off x="6994525" y="2548890"/>
+            <a:ext cx="671195" cy="892175"/>
+          </a:xfrm>
+          <a:prstGeom prst="rect">
+            <a:avLst/>
+          </a:prstGeom>
         </p:spPr>
         <p:style>
           <a:lnRef idx="2">
@@ -8878,7 +7874,6 @@
         </p:style>
         <p:txBody>
           <a:bodyPr rtlCol="0" anchor="ctr"/>
-          <a:lstStyle/>
           <a:p>
             <a:pPr algn="ctr"/>
             <a:endParaRPr lang="zh-CN" altLang="en-US"/>
@@ -8887,25 +7882,25 @@
       </p:sp>
       <p:cxnSp>
         <p:nvCxnSpPr>
-          <p:cNvPr id="92" name="直接箭头连接符 91"/>
+          <p:cNvPr id="41" name="直接箭头连接符 40"/>
           <p:cNvCxnSpPr>
-            <a:stCxn id="84" idx="0"/>
+            <a:endCxn id="3" idx="2"/>
           </p:cNvCxnSpPr>
           <p:nvPr/>
         </p:nvCxnSpPr>
         <p:spPr>
-          <a:xfrm flipH="1" flipV="1">
-            <a:off x="9126911" y="2727661"/>
-            <a:ext cx="9858" cy="283580"/>
+          <a:xfrm flipV="1">
+            <a:off x="3115945" y="2455545"/>
+            <a:ext cx="1204595" cy="915670"/>
           </a:xfrm>
           <a:prstGeom prst="straightConnector1">
             <a:avLst/>
           </a:prstGeom>
           <a:ln>
             <a:solidFill>
-              <a:srgbClr val="00B050"/>
+              <a:schemeClr val="tx1"/>
             </a:solidFill>
-            <a:tailEnd type="triangle"/>
+            <a:tailEnd type="arrow"/>
           </a:ln>
         </p:spPr>
         <p:style>
@@ -8925,22 +7920,1304 @@
       </p:cxnSp>
       <p:sp>
         <p:nvSpPr>
-          <p:cNvPr id="93" name="矩形 92"/>
-          <p:cNvSpPr/>
-          <p:nvPr/>
-        </p:nvSpPr>
-        <p:spPr>
-          <a:xfrm>
-            <a:off x="9490391" y="2116751"/>
-            <a:ext cx="2084445" cy="285750"/>
+          <p:cNvPr id="53" name="矩形 52"/>
+          <p:cNvSpPr/>
+          <p:nvPr/>
+        </p:nvSpPr>
+        <p:spPr>
+          <a:xfrm>
+            <a:off x="2955926" y="3840619"/>
+            <a:ext cx="828675" cy="368300"/>
+          </a:xfrm>
+          <a:prstGeom prst="rect">
+            <a:avLst/>
+          </a:prstGeom>
+        </p:spPr>
+        <p:txBody>
+          <a:bodyPr wrap="none">
+            <a:spAutoFit/>
+          </a:bodyPr>
+          <a:p>
+            <a:pPr algn="l"/>
+            <a:r>
+              <a:rPr lang="en-US" altLang="zh-CN" b="1" dirty="0" err="1" smtClean="0">
+                <a:solidFill>
+                  <a:schemeClr val="accent1">
+                    <a:lumMod val="75000"/>
+                  </a:schemeClr>
+                </a:solidFill>
+                <a:effectLst/>
+              </a:rPr>
+              <a:t>Pannel</a:t>
+            </a:r>
+            <a:endParaRPr lang="en-US" altLang="zh-CN" b="1" dirty="0" err="1" smtClean="0">
+              <a:solidFill>
+                <a:schemeClr val="accent1">
+                  <a:lumMod val="75000"/>
+                </a:schemeClr>
+              </a:solidFill>
+              <a:effectLst/>
+            </a:endParaRPr>
+          </a:p>
+        </p:txBody>
+      </p:sp>
+      <p:cxnSp>
+        <p:nvCxnSpPr>
+          <p:cNvPr id="54" name="直接箭头连接符 53"/>
+          <p:cNvCxnSpPr/>
+          <p:nvPr/>
+        </p:nvCxnSpPr>
+        <p:spPr>
+          <a:xfrm flipV="1">
+            <a:off x="3370580" y="3371215"/>
+            <a:ext cx="791210" cy="469265"/>
+          </a:xfrm>
+          <a:prstGeom prst="straightConnector1">
+            <a:avLst/>
+          </a:prstGeom>
+          <a:ln>
+            <a:tailEnd type="arrow"/>
+          </a:ln>
+        </p:spPr>
+        <p:style>
+          <a:lnRef idx="1">
+            <a:schemeClr val="accent1"/>
+          </a:lnRef>
+          <a:fillRef idx="0">
+            <a:schemeClr val="accent1"/>
+          </a:fillRef>
+          <a:effectRef idx="0">
+            <a:schemeClr val="accent1"/>
+          </a:effectRef>
+          <a:fontRef idx="minor">
+            <a:schemeClr val="tx1"/>
+          </a:fontRef>
+        </p:style>
+      </p:cxnSp>
+      <p:sp>
+        <p:nvSpPr>
+          <p:cNvPr id="55" name="文本框 54"/>
+          <p:cNvSpPr txBox="1"/>
+          <p:nvPr/>
+        </p:nvSpPr>
+        <p:spPr>
+          <a:xfrm>
+            <a:off x="4053840" y="137795"/>
+            <a:ext cx="5345430" cy="368300"/>
+          </a:xfrm>
+          <a:prstGeom prst="rect">
+            <a:avLst/>
+          </a:prstGeom>
+        </p:spPr>
+        <p:style>
+          <a:lnRef idx="2">
+            <a:schemeClr val="dk1"/>
+          </a:lnRef>
+          <a:fillRef idx="1">
+            <a:schemeClr val="lt1"/>
+          </a:fillRef>
+          <a:effectRef idx="0">
+            <a:schemeClr val="dk1"/>
+          </a:effectRef>
+          <a:fontRef idx="minor">
+            <a:schemeClr val="dk1"/>
+          </a:fontRef>
+        </p:style>
+        <p:txBody>
+          <a:bodyPr wrap="square" rtlCol="0" anchor="t">
+            <a:spAutoFit/>
+          </a:bodyPr>
+          <a:p>
+            <a:pPr algn="ctr"/>
+            <a:r>
+              <a:rPr lang="zh-CN" altLang="en-US" b="1">
+                <a:latin typeface="微软雅黑" panose="020B0503020204020204" pitchFamily="34" charset="-122"/>
+                <a:ea typeface="微软雅黑" panose="020B0503020204020204" pitchFamily="34" charset="-122"/>
+                <a:cs typeface="微软雅黑" panose="020B0503020204020204" pitchFamily="34" charset="-122"/>
+              </a:rPr>
+              <a:t>SARibbonBar</a:t>
+            </a:r>
+            <a:r>
+              <a:rPr lang="en-US" altLang="zh-CN" b="1">
+                <a:latin typeface="微软雅黑" panose="020B0503020204020204" pitchFamily="34" charset="-122"/>
+                <a:ea typeface="微软雅黑" panose="020B0503020204020204" pitchFamily="34" charset="-122"/>
+                <a:cs typeface="微软雅黑" panose="020B0503020204020204" pitchFamily="34" charset="-122"/>
+              </a:rPr>
+              <a:t>::</a:t>
+            </a:r>
+            <a:r>
+              <a:rPr lang="zh-CN" altLang="en-US" b="1">
+                <a:latin typeface="微软雅黑" panose="020B0503020204020204" pitchFamily="34" charset="-122"/>
+                <a:ea typeface="微软雅黑" panose="020B0503020204020204" pitchFamily="34" charset="-122"/>
+                <a:cs typeface="微软雅黑" panose="020B0503020204020204" pitchFamily="34" charset="-122"/>
+              </a:rPr>
+              <a:t>OfficeStyle 尺寸定位</a:t>
+            </a:r>
+            <a:endParaRPr lang="zh-CN" altLang="en-US" b="1">
+              <a:latin typeface="微软雅黑" panose="020B0503020204020204" pitchFamily="34" charset="-122"/>
+              <a:ea typeface="微软雅黑" panose="020B0503020204020204" pitchFamily="34" charset="-122"/>
+              <a:cs typeface="微软雅黑" panose="020B0503020204020204" pitchFamily="34" charset="-122"/>
+            </a:endParaRPr>
+          </a:p>
+        </p:txBody>
+      </p:sp>
+      <p:sp>
+        <p:nvSpPr>
+          <p:cNvPr id="5" name="矩形 4"/>
+          <p:cNvSpPr/>
+          <p:nvPr/>
+        </p:nvSpPr>
+        <p:spPr>
+          <a:xfrm>
+            <a:off x="4113530" y="2000250"/>
+            <a:ext cx="287655" cy="241935"/>
+          </a:xfrm>
+          <a:prstGeom prst="rect">
+            <a:avLst/>
+          </a:prstGeom>
+        </p:spPr>
+        <p:style>
+          <a:lnRef idx="2">
+            <a:schemeClr val="accent4">
+              <a:shade val="50000"/>
+            </a:schemeClr>
+          </a:lnRef>
+          <a:fillRef idx="1">
+            <a:schemeClr val="accent4"/>
+          </a:fillRef>
+          <a:effectRef idx="0">
+            <a:schemeClr val="accent4"/>
+          </a:effectRef>
+          <a:fontRef idx="minor">
+            <a:schemeClr val="lt1"/>
+          </a:fontRef>
+        </p:style>
+        <p:txBody>
+          <a:bodyPr rtlCol="0" anchor="ctr"/>
+          <a:p>
+            <a:pPr algn="ctr"/>
+            <a:endParaRPr lang="zh-CN" altLang="en-US"/>
+          </a:p>
+        </p:txBody>
+      </p:sp>
+      <p:sp>
+        <p:nvSpPr>
+          <p:cNvPr id="6" name="矩形 5"/>
+          <p:cNvSpPr/>
+          <p:nvPr/>
+        </p:nvSpPr>
+        <p:spPr>
+          <a:xfrm>
+            <a:off x="4053840" y="873760"/>
+            <a:ext cx="3333115" cy="368300"/>
+          </a:xfrm>
+          <a:prstGeom prst="rect">
+            <a:avLst/>
+          </a:prstGeom>
+        </p:spPr>
+        <p:txBody>
+          <a:bodyPr wrap="none" rtlCol="0" anchor="t">
+            <a:spAutoFit/>
+          </a:bodyPr>
+          <a:p>
+            <a:pPr lvl="0" algn="l">
+              <a:buClrTx/>
+              <a:buSzTx/>
+              <a:buFontTx/>
+            </a:pPr>
+            <a:r>
+              <a:rPr lang="en-US" altLang="zh-CN" b="1" dirty="0" err="1" smtClean="0">
+                <a:solidFill>
+                  <a:schemeClr val="accent1">
+                    <a:lumMod val="75000"/>
+                  </a:schemeClr>
+                </a:solidFill>
+                <a:effectLst/>
+                <a:sym typeface="+mn-ea"/>
+              </a:rPr>
+              <a:t>cornerWidget(Qt::TopLeftCorner)</a:t>
+            </a:r>
+            <a:endParaRPr lang="en-US" altLang="zh-CN" b="1" dirty="0" err="1" smtClean="0">
+              <a:solidFill>
+                <a:schemeClr val="accent1">
+                  <a:lumMod val="75000"/>
+                </a:schemeClr>
+              </a:solidFill>
+              <a:effectLst/>
+              <a:sym typeface="+mn-ea"/>
+            </a:endParaRPr>
+          </a:p>
+        </p:txBody>
+      </p:sp>
+      <p:cxnSp>
+        <p:nvCxnSpPr>
+          <p:cNvPr id="8" name="直接箭头连接符 7"/>
+          <p:cNvCxnSpPr/>
+          <p:nvPr/>
+        </p:nvCxnSpPr>
+        <p:spPr>
+          <a:xfrm>
+            <a:off x="4587875" y="1459230"/>
+            <a:ext cx="6350" cy="548005"/>
+          </a:xfrm>
+          <a:prstGeom prst="straightConnector1">
+            <a:avLst/>
+          </a:prstGeom>
+          <a:ln>
+            <a:tailEnd type="arrow"/>
+          </a:ln>
+        </p:spPr>
+        <p:style>
+          <a:lnRef idx="1">
+            <a:schemeClr val="accent1"/>
+          </a:lnRef>
+          <a:fillRef idx="0">
+            <a:schemeClr val="accent1"/>
+          </a:fillRef>
+          <a:effectRef idx="0">
+            <a:schemeClr val="accent1"/>
+          </a:effectRef>
+          <a:fontRef idx="minor">
+            <a:schemeClr val="tx1"/>
+          </a:fontRef>
+        </p:style>
+      </p:cxnSp>
+      <p:sp>
+        <p:nvSpPr>
+          <p:cNvPr id="9" name="文本框 8"/>
+          <p:cNvSpPr txBox="1"/>
+          <p:nvPr/>
+        </p:nvSpPr>
+        <p:spPr>
+          <a:xfrm>
+            <a:off x="229235" y="1452880"/>
+            <a:ext cx="3220085" cy="368300"/>
           </a:xfrm>
           <a:prstGeom prst="rect">
             <a:avLst/>
           </a:prstGeom>
           <a:noFill/>
+        </p:spPr>
+        <p:txBody>
+          <a:bodyPr wrap="square" rtlCol="0">
+            <a:spAutoFit/>
+          </a:bodyPr>
+          <a:p>
+            <a:r>
+              <a:rPr lang="zh-CN" altLang="en-US">
+                <a:latin typeface="微软雅黑" panose="020B0503020204020204" pitchFamily="34" charset="-122"/>
+                <a:ea typeface="微软雅黑" panose="020B0503020204020204" pitchFamily="34" charset="-122"/>
+              </a:rPr>
+              <a:t>一般为图标，如果存在会显示</a:t>
+            </a:r>
+            <a:endParaRPr lang="zh-CN" altLang="en-US">
+              <a:latin typeface="微软雅黑" panose="020B0503020204020204" pitchFamily="34" charset="-122"/>
+              <a:ea typeface="微软雅黑" panose="020B0503020204020204" pitchFamily="34" charset="-122"/>
+            </a:endParaRPr>
+          </a:p>
+        </p:txBody>
+      </p:sp>
+      <p:sp>
+        <p:nvSpPr>
+          <p:cNvPr id="11" name="文本框 10"/>
+          <p:cNvSpPr txBox="1"/>
+          <p:nvPr/>
+        </p:nvSpPr>
+        <p:spPr>
+          <a:xfrm>
+            <a:off x="1607185" y="1933575"/>
+            <a:ext cx="1578610" cy="368300"/>
+          </a:xfrm>
+          <a:prstGeom prst="rect">
+            <a:avLst/>
+          </a:prstGeom>
+          <a:noFill/>
+        </p:spPr>
+        <p:txBody>
+          <a:bodyPr wrap="square" rtlCol="0" anchor="t">
+            <a:spAutoFit/>
+          </a:bodyPr>
+          <a:p>
+            <a:r>
+              <a:rPr lang="zh-CN" altLang="en-US">
+                <a:solidFill>
+                  <a:schemeClr val="accent2">
+                    <a:lumMod val="75000"/>
+                  </a:schemeClr>
+                </a:solidFill>
+              </a:rPr>
+              <a:t>titleBarHeight</a:t>
+            </a:r>
+            <a:endParaRPr lang="zh-CN" altLang="en-US">
+              <a:solidFill>
+                <a:schemeClr val="accent2">
+                  <a:lumMod val="75000"/>
+                </a:schemeClr>
+              </a:solidFill>
+            </a:endParaRPr>
+          </a:p>
+        </p:txBody>
+      </p:sp>
+      <p:cxnSp>
+        <p:nvCxnSpPr>
+          <p:cNvPr id="12" name="直接连接符 11"/>
+          <p:cNvCxnSpPr/>
+          <p:nvPr/>
+        </p:nvCxnSpPr>
+        <p:spPr>
+          <a:xfrm flipH="1">
+            <a:off x="1244600" y="2006600"/>
+            <a:ext cx="2798445" cy="0"/>
+          </a:xfrm>
+          <a:prstGeom prst="line">
+            <a:avLst/>
+          </a:prstGeom>
           <a:ln>
             <a:solidFill>
-              <a:srgbClr val="00B050"/>
+              <a:schemeClr val="bg1">
+                <a:lumMod val="50000"/>
+              </a:schemeClr>
+            </a:solidFill>
+          </a:ln>
+        </p:spPr>
+        <p:style>
+          <a:lnRef idx="1">
+            <a:schemeClr val="accent1"/>
+          </a:lnRef>
+          <a:fillRef idx="0">
+            <a:schemeClr val="accent1"/>
+          </a:fillRef>
+          <a:effectRef idx="0">
+            <a:schemeClr val="accent1"/>
+          </a:effectRef>
+          <a:fontRef idx="minor">
+            <a:schemeClr val="tx1"/>
+          </a:fontRef>
+        </p:style>
+      </p:cxnSp>
+      <p:cxnSp>
+        <p:nvCxnSpPr>
+          <p:cNvPr id="14" name="直接连接符 13"/>
+          <p:cNvCxnSpPr/>
+          <p:nvPr/>
+        </p:nvCxnSpPr>
+        <p:spPr>
+          <a:xfrm flipH="1">
+            <a:off x="3177540" y="2249805"/>
+            <a:ext cx="857250" cy="0"/>
+          </a:xfrm>
+          <a:prstGeom prst="line">
+            <a:avLst/>
+          </a:prstGeom>
+          <a:ln>
+            <a:solidFill>
+              <a:schemeClr val="bg1">
+                <a:lumMod val="50000"/>
+              </a:schemeClr>
+            </a:solidFill>
+          </a:ln>
+        </p:spPr>
+        <p:style>
+          <a:lnRef idx="1">
+            <a:schemeClr val="accent1"/>
+          </a:lnRef>
+          <a:fillRef idx="0">
+            <a:schemeClr val="accent1"/>
+          </a:fillRef>
+          <a:effectRef idx="0">
+            <a:schemeClr val="accent1"/>
+          </a:effectRef>
+          <a:fontRef idx="minor">
+            <a:schemeClr val="tx1"/>
+          </a:fontRef>
+        </p:style>
+      </p:cxnSp>
+      <p:cxnSp>
+        <p:nvCxnSpPr>
+          <p:cNvPr id="15" name="直接箭头连接符 14"/>
+          <p:cNvCxnSpPr/>
+          <p:nvPr/>
+        </p:nvCxnSpPr>
+        <p:spPr>
+          <a:xfrm flipH="1">
+            <a:off x="3265805" y="1993900"/>
+            <a:ext cx="4445" cy="255905"/>
+          </a:xfrm>
+          <a:prstGeom prst="straightConnector1">
+            <a:avLst/>
+          </a:prstGeom>
+          <a:ln>
+            <a:solidFill>
+              <a:schemeClr val="bg1">
+                <a:lumMod val="50000"/>
+              </a:schemeClr>
+            </a:solidFill>
+            <a:headEnd type="arrow" w="med" len="med"/>
+            <a:tailEnd type="arrow" w="med" len="med"/>
+          </a:ln>
+        </p:spPr>
+        <p:style>
+          <a:lnRef idx="1">
+            <a:schemeClr val="accent1"/>
+          </a:lnRef>
+          <a:fillRef idx="0">
+            <a:schemeClr val="accent1"/>
+          </a:fillRef>
+          <a:effectRef idx="0">
+            <a:schemeClr val="accent1"/>
+          </a:effectRef>
+          <a:fontRef idx="minor">
+            <a:schemeClr val="tx1"/>
+          </a:fontRef>
+        </p:style>
+      </p:cxnSp>
+      <p:cxnSp>
+        <p:nvCxnSpPr>
+          <p:cNvPr id="17" name="直接连接符 16"/>
+          <p:cNvCxnSpPr/>
+          <p:nvPr/>
+        </p:nvCxnSpPr>
+        <p:spPr>
+          <a:xfrm flipH="1">
+            <a:off x="3177540" y="2455545"/>
+            <a:ext cx="857250" cy="0"/>
+          </a:xfrm>
+          <a:prstGeom prst="line">
+            <a:avLst/>
+          </a:prstGeom>
+          <a:ln>
+            <a:solidFill>
+              <a:schemeClr val="bg1">
+                <a:lumMod val="50000"/>
+              </a:schemeClr>
+            </a:solidFill>
+          </a:ln>
+        </p:spPr>
+        <p:style>
+          <a:lnRef idx="1">
+            <a:schemeClr val="accent1"/>
+          </a:lnRef>
+          <a:fillRef idx="0">
+            <a:schemeClr val="accent1"/>
+          </a:fillRef>
+          <a:effectRef idx="0">
+            <a:schemeClr val="accent1"/>
+          </a:effectRef>
+          <a:fontRef idx="minor">
+            <a:schemeClr val="tx1"/>
+          </a:fontRef>
+        </p:style>
+      </p:cxnSp>
+      <p:cxnSp>
+        <p:nvCxnSpPr>
+          <p:cNvPr id="18" name="直接箭头连接符 17"/>
+          <p:cNvCxnSpPr/>
+          <p:nvPr/>
+        </p:nvCxnSpPr>
+        <p:spPr>
+          <a:xfrm>
+            <a:off x="3270250" y="2242185"/>
+            <a:ext cx="0" cy="207010"/>
+          </a:xfrm>
+          <a:prstGeom prst="straightConnector1">
+            <a:avLst/>
+          </a:prstGeom>
+          <a:ln>
+            <a:solidFill>
+              <a:schemeClr val="bg1">
+                <a:lumMod val="50000"/>
+              </a:schemeClr>
+            </a:solidFill>
+            <a:headEnd type="arrow" w="med" len="med"/>
+            <a:tailEnd type="arrow" w="med" len="med"/>
+          </a:ln>
+        </p:spPr>
+        <p:style>
+          <a:lnRef idx="1">
+            <a:schemeClr val="accent1"/>
+          </a:lnRef>
+          <a:fillRef idx="0">
+            <a:schemeClr val="accent1"/>
+          </a:fillRef>
+          <a:effectRef idx="0">
+            <a:schemeClr val="accent1"/>
+          </a:effectRef>
+          <a:fontRef idx="minor">
+            <a:schemeClr val="tx1"/>
+          </a:fontRef>
+        </p:style>
+      </p:cxnSp>
+      <p:sp>
+        <p:nvSpPr>
+          <p:cNvPr id="19" name="文本框 18"/>
+          <p:cNvSpPr txBox="1"/>
+          <p:nvPr/>
+        </p:nvSpPr>
+        <p:spPr>
+          <a:xfrm>
+            <a:off x="1598930" y="2168525"/>
+            <a:ext cx="1578610" cy="368300"/>
+          </a:xfrm>
+          <a:prstGeom prst="rect">
+            <a:avLst/>
+          </a:prstGeom>
+          <a:noFill/>
+        </p:spPr>
+        <p:txBody>
+          <a:bodyPr wrap="square" rtlCol="0" anchor="t">
+            <a:spAutoFit/>
+          </a:bodyPr>
+          <a:p>
+            <a:r>
+              <a:rPr lang="zh-CN" altLang="en-US">
+                <a:solidFill>
+                  <a:schemeClr val="accent2">
+                    <a:lumMod val="75000"/>
+                  </a:schemeClr>
+                </a:solidFill>
+              </a:rPr>
+              <a:t>t</a:t>
+            </a:r>
+            <a:r>
+              <a:rPr lang="en-US" altLang="zh-CN">
+                <a:solidFill>
+                  <a:schemeClr val="accent2">
+                    <a:lumMod val="75000"/>
+                  </a:schemeClr>
+                </a:solidFill>
+              </a:rPr>
+              <a:t>ab</a:t>
+            </a:r>
+            <a:r>
+              <a:rPr lang="zh-CN" altLang="en-US">
+                <a:solidFill>
+                  <a:schemeClr val="accent2">
+                    <a:lumMod val="75000"/>
+                  </a:schemeClr>
+                </a:solidFill>
+              </a:rPr>
+              <a:t>BarHeight</a:t>
+            </a:r>
+            <a:endParaRPr lang="zh-CN" altLang="en-US">
+              <a:solidFill>
+                <a:schemeClr val="accent2">
+                  <a:lumMod val="75000"/>
+                </a:schemeClr>
+              </a:solidFill>
+            </a:endParaRPr>
+          </a:p>
+        </p:txBody>
+      </p:sp>
+      <p:cxnSp>
+        <p:nvCxnSpPr>
+          <p:cNvPr id="20" name="直接连接符 19"/>
+          <p:cNvCxnSpPr/>
+          <p:nvPr/>
+        </p:nvCxnSpPr>
+        <p:spPr>
+          <a:xfrm flipH="1" flipV="1">
+            <a:off x="1226820" y="3697605"/>
+            <a:ext cx="2729230" cy="6985"/>
+          </a:xfrm>
+          <a:prstGeom prst="line">
+            <a:avLst/>
+          </a:prstGeom>
+          <a:ln>
+            <a:solidFill>
+              <a:schemeClr val="bg1">
+                <a:lumMod val="50000"/>
+              </a:schemeClr>
+            </a:solidFill>
+          </a:ln>
+        </p:spPr>
+        <p:style>
+          <a:lnRef idx="1">
+            <a:schemeClr val="accent1"/>
+          </a:lnRef>
+          <a:fillRef idx="0">
+            <a:schemeClr val="accent1"/>
+          </a:fillRef>
+          <a:effectRef idx="0">
+            <a:schemeClr val="accent1"/>
+          </a:effectRef>
+          <a:fontRef idx="minor">
+            <a:schemeClr val="tx1"/>
+          </a:fontRef>
+        </p:style>
+      </p:cxnSp>
+      <p:cxnSp>
+        <p:nvCxnSpPr>
+          <p:cNvPr id="21" name="直接箭头连接符 20"/>
+          <p:cNvCxnSpPr/>
+          <p:nvPr/>
+        </p:nvCxnSpPr>
+        <p:spPr>
+          <a:xfrm>
+            <a:off x="1517650" y="2006600"/>
+            <a:ext cx="6350" cy="1683385"/>
+          </a:xfrm>
+          <a:prstGeom prst="straightConnector1">
+            <a:avLst/>
+          </a:prstGeom>
+          <a:ln>
+            <a:solidFill>
+              <a:schemeClr val="bg1">
+                <a:lumMod val="50000"/>
+              </a:schemeClr>
+            </a:solidFill>
+            <a:headEnd type="arrow" w="med" len="med"/>
+            <a:tailEnd type="arrow" w="med" len="med"/>
+          </a:ln>
+        </p:spPr>
+        <p:style>
+          <a:lnRef idx="1">
+            <a:schemeClr val="accent1"/>
+          </a:lnRef>
+          <a:fillRef idx="0">
+            <a:schemeClr val="accent1"/>
+          </a:fillRef>
+          <a:effectRef idx="0">
+            <a:schemeClr val="accent1"/>
+          </a:effectRef>
+          <a:fontRef idx="minor">
+            <a:schemeClr val="tx1"/>
+          </a:fontRef>
+        </p:style>
+      </p:cxnSp>
+      <p:sp>
+        <p:nvSpPr>
+          <p:cNvPr id="22" name="文本框 21"/>
+          <p:cNvSpPr txBox="1"/>
+          <p:nvPr/>
+        </p:nvSpPr>
+        <p:spPr>
+          <a:xfrm>
+            <a:off x="556260" y="2754630"/>
+            <a:ext cx="1578610" cy="368300"/>
+          </a:xfrm>
+          <a:prstGeom prst="rect">
+            <a:avLst/>
+          </a:prstGeom>
+          <a:noFill/>
+        </p:spPr>
+        <p:txBody>
+          <a:bodyPr wrap="square" rtlCol="0" anchor="t">
+            <a:spAutoFit/>
+          </a:bodyPr>
+          <a:p>
+            <a:r>
+              <a:rPr>
+                <a:solidFill>
+                  <a:schemeClr val="accent2">
+                    <a:lumMod val="75000"/>
+                  </a:schemeClr>
+                </a:solidFill>
+              </a:rPr>
+              <a:t>mainBarHeight</a:t>
+            </a:r>
+            <a:endParaRPr>
+              <a:solidFill>
+                <a:schemeClr val="accent2">
+                  <a:lumMod val="75000"/>
+                </a:schemeClr>
+              </a:solidFill>
+            </a:endParaRPr>
+          </a:p>
+        </p:txBody>
+      </p:sp>
+      <p:sp>
+        <p:nvSpPr>
+          <p:cNvPr id="23" name="文本框 22"/>
+          <p:cNvSpPr txBox="1"/>
+          <p:nvPr/>
+        </p:nvSpPr>
+        <p:spPr>
+          <a:xfrm>
+            <a:off x="556260" y="3840480"/>
+            <a:ext cx="2006600" cy="645160"/>
+          </a:xfrm>
+          <a:prstGeom prst="rect">
+            <a:avLst/>
+          </a:prstGeom>
+          <a:noFill/>
+        </p:spPr>
+        <p:txBody>
+          <a:bodyPr wrap="square" rtlCol="0">
+            <a:spAutoFit/>
+          </a:bodyPr>
+          <a:p>
+            <a:r>
+              <a:rPr lang="en-US" altLang="zh-CN">
+                <a:latin typeface="微软雅黑" panose="020B0503020204020204" pitchFamily="34" charset="-122"/>
+                <a:ea typeface="微软雅黑" panose="020B0503020204020204" pitchFamily="34" charset="-122"/>
+                <a:cs typeface="微软雅黑" panose="020B0503020204020204" pitchFamily="34" charset="-122"/>
+              </a:rPr>
+              <a:t>1</a:t>
+            </a:r>
+            <a:r>
+              <a:rPr lang="zh-CN" altLang="en-US">
+                <a:latin typeface="微软雅黑" panose="020B0503020204020204" pitchFamily="34" charset="-122"/>
+                <a:ea typeface="微软雅黑" panose="020B0503020204020204" pitchFamily="34" charset="-122"/>
+                <a:cs typeface="微软雅黑" panose="020B0503020204020204" pitchFamily="34" charset="-122"/>
+              </a:rPr>
+              <a:t>、垂直方向通过三个高度确定</a:t>
+            </a:r>
+            <a:endParaRPr lang="zh-CN" altLang="en-US">
+              <a:latin typeface="微软雅黑" panose="020B0503020204020204" pitchFamily="34" charset="-122"/>
+              <a:ea typeface="微软雅黑" panose="020B0503020204020204" pitchFamily="34" charset="-122"/>
+              <a:cs typeface="微软雅黑" panose="020B0503020204020204" pitchFamily="34" charset="-122"/>
+            </a:endParaRPr>
+          </a:p>
+        </p:txBody>
+      </p:sp>
+      <p:sp>
+        <p:nvSpPr>
+          <p:cNvPr id="25" name="文本框 24"/>
+          <p:cNvSpPr txBox="1"/>
+          <p:nvPr/>
+        </p:nvSpPr>
+        <p:spPr>
+          <a:xfrm>
+            <a:off x="4211955" y="1576070"/>
+            <a:ext cx="443865" cy="245110"/>
+          </a:xfrm>
+          <a:prstGeom prst="rect">
+            <a:avLst/>
+          </a:prstGeom>
+          <a:noFill/>
+        </p:spPr>
+        <p:txBody>
+          <a:bodyPr wrap="square" rtlCol="0">
+            <a:spAutoFit/>
+          </a:bodyPr>
+          <a:p>
+            <a:r>
+              <a:rPr lang="en-US" altLang="zh-CN" sz="1000"/>
+              <a:t>5px</a:t>
+            </a:r>
+            <a:endParaRPr lang="en-US" altLang="zh-CN" sz="1000"/>
+          </a:p>
+        </p:txBody>
+      </p:sp>
+      <p:cxnSp>
+        <p:nvCxnSpPr>
+          <p:cNvPr id="27" name="直接箭头连接符 26"/>
+          <p:cNvCxnSpPr>
+            <a:stCxn id="25" idx="2"/>
+          </p:cNvCxnSpPr>
+          <p:nvPr/>
+        </p:nvCxnSpPr>
+        <p:spPr>
+          <a:xfrm flipH="1">
+            <a:off x="4431030" y="1821180"/>
+            <a:ext cx="3175" cy="104775"/>
+          </a:xfrm>
+          <a:prstGeom prst="straightConnector1">
+            <a:avLst/>
+          </a:prstGeom>
+          <a:ln>
+            <a:solidFill>
+              <a:schemeClr val="bg1">
+                <a:lumMod val="50000"/>
+              </a:schemeClr>
+            </a:solidFill>
+            <a:tailEnd type="arrow"/>
+          </a:ln>
+        </p:spPr>
+        <p:style>
+          <a:lnRef idx="1">
+            <a:schemeClr val="accent1"/>
+          </a:lnRef>
+          <a:fillRef idx="0">
+            <a:schemeClr val="accent1"/>
+          </a:fillRef>
+          <a:effectRef idx="0">
+            <a:schemeClr val="accent1"/>
+          </a:effectRef>
+          <a:fontRef idx="minor">
+            <a:schemeClr val="tx1"/>
+          </a:fontRef>
+        </p:style>
+      </p:cxnSp>
+      <p:sp>
+        <p:nvSpPr>
+          <p:cNvPr id="28" name="矩形 27"/>
+          <p:cNvSpPr/>
+          <p:nvPr/>
+        </p:nvSpPr>
+        <p:spPr>
+          <a:xfrm>
+            <a:off x="4450080" y="2007235"/>
+            <a:ext cx="287655" cy="234950"/>
+          </a:xfrm>
+          <a:prstGeom prst="rect">
+            <a:avLst/>
+          </a:prstGeom>
+        </p:spPr>
+        <p:style>
+          <a:lnRef idx="2">
+            <a:schemeClr val="accent6">
+              <a:shade val="50000"/>
+            </a:schemeClr>
+          </a:lnRef>
+          <a:fillRef idx="1">
+            <a:schemeClr val="accent6"/>
+          </a:fillRef>
+          <a:effectRef idx="0">
+            <a:schemeClr val="accent6"/>
+          </a:effectRef>
+          <a:fontRef idx="minor">
+            <a:schemeClr val="lt1"/>
+          </a:fontRef>
+        </p:style>
+        <p:txBody>
+          <a:bodyPr rtlCol="0" anchor="ctr"/>
+          <a:p>
+            <a:pPr algn="ctr"/>
+            <a:endParaRPr lang="zh-CN" altLang="en-US"/>
+          </a:p>
+        </p:txBody>
+      </p:sp>
+      <p:sp>
+        <p:nvSpPr>
+          <p:cNvPr id="31" name="文本框 30"/>
+          <p:cNvSpPr txBox="1"/>
+          <p:nvPr/>
+        </p:nvSpPr>
+        <p:spPr>
+          <a:xfrm>
+            <a:off x="4548505" y="1572260"/>
+            <a:ext cx="443865" cy="245110"/>
+          </a:xfrm>
+          <a:prstGeom prst="rect">
+            <a:avLst/>
+          </a:prstGeom>
+          <a:noFill/>
+        </p:spPr>
+        <p:txBody>
+          <a:bodyPr wrap="square" rtlCol="0">
+            <a:spAutoFit/>
+          </a:bodyPr>
+          <a:p>
+            <a:r>
+              <a:rPr lang="en-US" altLang="zh-CN" sz="1000"/>
+              <a:t>5px</a:t>
+            </a:r>
+            <a:endParaRPr lang="en-US" altLang="zh-CN" sz="1000"/>
+          </a:p>
+        </p:txBody>
+      </p:sp>
+      <p:cxnSp>
+        <p:nvCxnSpPr>
+          <p:cNvPr id="32" name="直接箭头连接符 31"/>
+          <p:cNvCxnSpPr>
+            <a:stCxn id="31" idx="2"/>
+          </p:cNvCxnSpPr>
+          <p:nvPr/>
+        </p:nvCxnSpPr>
+        <p:spPr>
+          <a:xfrm flipH="1">
+            <a:off x="4767580" y="1817370"/>
+            <a:ext cx="3175" cy="104775"/>
+          </a:xfrm>
+          <a:prstGeom prst="straightConnector1">
+            <a:avLst/>
+          </a:prstGeom>
+          <a:ln>
+            <a:solidFill>
+              <a:schemeClr val="bg1">
+                <a:lumMod val="50000"/>
+              </a:schemeClr>
+            </a:solidFill>
+            <a:tailEnd type="arrow"/>
+          </a:ln>
+        </p:spPr>
+        <p:style>
+          <a:lnRef idx="1">
+            <a:schemeClr val="accent1"/>
+          </a:lnRef>
+          <a:fillRef idx="0">
+            <a:schemeClr val="accent1"/>
+          </a:fillRef>
+          <a:effectRef idx="0">
+            <a:schemeClr val="accent1"/>
+          </a:effectRef>
+          <a:fontRef idx="minor">
+            <a:schemeClr val="tx1"/>
+          </a:fontRef>
+        </p:style>
+      </p:cxnSp>
+      <p:cxnSp>
+        <p:nvCxnSpPr>
+          <p:cNvPr id="56" name="直接箭头连接符 55"/>
+          <p:cNvCxnSpPr>
+            <a:stCxn id="57" idx="2"/>
+          </p:cNvCxnSpPr>
+          <p:nvPr/>
+        </p:nvCxnSpPr>
+        <p:spPr>
+          <a:xfrm>
+            <a:off x="3685540" y="1464310"/>
+            <a:ext cx="573405" cy="532765"/>
+          </a:xfrm>
+          <a:prstGeom prst="straightConnector1">
+            <a:avLst/>
+          </a:prstGeom>
+          <a:ln>
+            <a:tailEnd type="arrow"/>
+          </a:ln>
+        </p:spPr>
+        <p:style>
+          <a:lnRef idx="1">
+            <a:schemeClr val="accent1"/>
+          </a:lnRef>
+          <a:fillRef idx="0">
+            <a:schemeClr val="accent1"/>
+          </a:fillRef>
+          <a:effectRef idx="0">
+            <a:schemeClr val="accent1"/>
+          </a:effectRef>
+          <a:fontRef idx="minor">
+            <a:schemeClr val="tx1"/>
+          </a:fontRef>
+        </p:style>
+      </p:cxnSp>
+      <p:sp>
+        <p:nvSpPr>
+          <p:cNvPr id="57" name="矩形 56"/>
+          <p:cNvSpPr/>
+          <p:nvPr/>
+        </p:nvSpPr>
+        <p:spPr>
+          <a:xfrm>
+            <a:off x="3395980" y="1096010"/>
+            <a:ext cx="579120" cy="368300"/>
+          </a:xfrm>
+          <a:prstGeom prst="rect">
+            <a:avLst/>
+          </a:prstGeom>
+        </p:spPr>
+        <p:txBody>
+          <a:bodyPr wrap="none" rtlCol="0" anchor="t">
+            <a:spAutoFit/>
+          </a:bodyPr>
+          <a:p>
+            <a:pPr lvl="0" algn="l">
+              <a:buClrTx/>
+              <a:buSzTx/>
+              <a:buFontTx/>
+            </a:pPr>
+            <a:r>
+              <a:rPr lang="en-US" altLang="zh-CN" b="1" dirty="0" err="1" smtClean="0">
+                <a:solidFill>
+                  <a:schemeClr val="accent1">
+                    <a:lumMod val="75000"/>
+                  </a:schemeClr>
+                </a:solidFill>
+                <a:effectLst/>
+                <a:sym typeface="+mn-ea"/>
+              </a:rPr>
+              <a:t>icon</a:t>
+            </a:r>
+            <a:endParaRPr lang="en-US" altLang="zh-CN" b="1" dirty="0" err="1" smtClean="0">
+              <a:solidFill>
+                <a:schemeClr val="accent1">
+                  <a:lumMod val="75000"/>
+                </a:schemeClr>
+              </a:solidFill>
+              <a:effectLst/>
+              <a:sym typeface="+mn-ea"/>
+            </a:endParaRPr>
+          </a:p>
+        </p:txBody>
+      </p:sp>
+      <p:cxnSp>
+        <p:nvCxnSpPr>
+          <p:cNvPr id="58" name="直接连接符 57"/>
+          <p:cNvCxnSpPr/>
+          <p:nvPr/>
+        </p:nvCxnSpPr>
+        <p:spPr>
+          <a:xfrm flipV="1">
+            <a:off x="4592320" y="1242060"/>
+            <a:ext cx="1128395" cy="222250"/>
+          </a:xfrm>
+          <a:prstGeom prst="line">
+            <a:avLst/>
+          </a:prstGeom>
+        </p:spPr>
+        <p:style>
+          <a:lnRef idx="1">
+            <a:schemeClr val="accent1"/>
+          </a:lnRef>
+          <a:fillRef idx="0">
+            <a:schemeClr val="accent1"/>
+          </a:fillRef>
+          <a:effectRef idx="0">
+            <a:schemeClr val="accent1"/>
+          </a:effectRef>
+          <a:fontRef idx="minor">
+            <a:schemeClr val="tx1"/>
+          </a:fontRef>
+        </p:style>
+      </p:cxnSp>
+      <p:sp>
+        <p:nvSpPr>
+          <p:cNvPr id="59" name="文本框 58"/>
+          <p:cNvSpPr txBox="1"/>
+          <p:nvPr/>
+        </p:nvSpPr>
+        <p:spPr>
+          <a:xfrm>
+            <a:off x="6489065" y="1610360"/>
+            <a:ext cx="443865" cy="245110"/>
+          </a:xfrm>
+          <a:prstGeom prst="rect">
+            <a:avLst/>
+          </a:prstGeom>
+          <a:noFill/>
+        </p:spPr>
+        <p:txBody>
+          <a:bodyPr wrap="square" rtlCol="0">
+            <a:spAutoFit/>
+          </a:bodyPr>
+          <a:p>
+            <a:r>
+              <a:rPr lang="en-US" altLang="zh-CN" sz="1000"/>
+              <a:t>1px</a:t>
+            </a:r>
+            <a:endParaRPr lang="en-US" altLang="zh-CN" sz="1000"/>
+          </a:p>
+        </p:txBody>
+      </p:sp>
+      <p:cxnSp>
+        <p:nvCxnSpPr>
+          <p:cNvPr id="60" name="直接箭头连接符 59"/>
+          <p:cNvCxnSpPr>
+            <a:stCxn id="59" idx="2"/>
+          </p:cNvCxnSpPr>
+          <p:nvPr/>
+        </p:nvCxnSpPr>
+        <p:spPr>
+          <a:xfrm flipH="1">
+            <a:off x="6700520" y="1855470"/>
+            <a:ext cx="3175" cy="104775"/>
+          </a:xfrm>
+          <a:prstGeom prst="straightConnector1">
+            <a:avLst/>
+          </a:prstGeom>
+          <a:ln>
+            <a:solidFill>
+              <a:schemeClr val="bg1">
+                <a:lumMod val="50000"/>
+              </a:schemeClr>
+            </a:solidFill>
+            <a:tailEnd type="arrow"/>
+          </a:ln>
+        </p:spPr>
+        <p:style>
+          <a:lnRef idx="1">
+            <a:schemeClr val="accent1"/>
+          </a:lnRef>
+          <a:fillRef idx="0">
+            <a:schemeClr val="accent1"/>
+          </a:fillRef>
+          <a:effectRef idx="0">
+            <a:schemeClr val="accent1"/>
+          </a:effectRef>
+          <a:fontRef idx="minor">
+            <a:schemeClr val="tx1"/>
+          </a:fontRef>
+        </p:style>
+      </p:cxnSp>
+      <p:sp>
+        <p:nvSpPr>
+          <p:cNvPr id="16" name="矩形 15"/>
+          <p:cNvSpPr/>
+          <p:nvPr/>
+        </p:nvSpPr>
+        <p:spPr>
+          <a:xfrm>
+            <a:off x="11148695" y="2250440"/>
+            <a:ext cx="287655" cy="198755"/>
+          </a:xfrm>
+          <a:prstGeom prst="rect">
+            <a:avLst/>
+          </a:prstGeom>
+        </p:spPr>
+        <p:style>
+          <a:lnRef idx="2">
+            <a:schemeClr val="accent6">
+              <a:shade val="50000"/>
+            </a:schemeClr>
+          </a:lnRef>
+          <a:fillRef idx="1">
+            <a:schemeClr val="accent6"/>
+          </a:fillRef>
+          <a:effectRef idx="0">
+            <a:schemeClr val="accent6"/>
+          </a:effectRef>
+          <a:fontRef idx="minor">
+            <a:schemeClr val="lt1"/>
+          </a:fontRef>
+        </p:style>
+        <p:txBody>
+          <a:bodyPr rtlCol="0" anchor="ctr"/>
+          <a:p>
+            <a:pPr algn="ctr"/>
+            <a:endParaRPr lang="zh-CN" altLang="en-US"/>
+          </a:p>
+        </p:txBody>
+      </p:sp>
+      <p:sp>
+        <p:nvSpPr>
+          <p:cNvPr id="33" name="矩形 32"/>
+          <p:cNvSpPr/>
+          <p:nvPr/>
+        </p:nvSpPr>
+        <p:spPr>
+          <a:xfrm>
+            <a:off x="8164195" y="873760"/>
+            <a:ext cx="3464560" cy="368300"/>
+          </a:xfrm>
+          <a:prstGeom prst="rect">
+            <a:avLst/>
+          </a:prstGeom>
+        </p:spPr>
+        <p:txBody>
+          <a:bodyPr wrap="none" rtlCol="0" anchor="t">
+            <a:spAutoFit/>
+          </a:bodyPr>
+          <a:p>
+            <a:pPr lvl="0" algn="l">
+              <a:buClrTx/>
+              <a:buSzTx/>
+              <a:buFontTx/>
+            </a:pPr>
+            <a:r>
+              <a:rPr lang="en-US" altLang="zh-CN" b="1" dirty="0" err="1" smtClean="0">
+                <a:solidFill>
+                  <a:schemeClr val="accent1">
+                    <a:lumMod val="75000"/>
+                  </a:schemeClr>
+                </a:solidFill>
+                <a:effectLst/>
+                <a:sym typeface="+mn-ea"/>
+              </a:rPr>
+              <a:t>cornerWidget(Qt::Top</a:t>
+            </a:r>
+            <a:r>
+              <a:rPr lang="en-US" altLang="zh-CN" b="1" dirty="0" err="1" smtClean="0">
+                <a:solidFill>
+                  <a:schemeClr val="accent1">
+                    <a:lumMod val="75000"/>
+                  </a:schemeClr>
+                </a:solidFill>
+                <a:effectLst/>
+                <a:sym typeface="+mn-ea"/>
+              </a:rPr>
+              <a:t>RightCorner)</a:t>
+            </a:r>
+            <a:endParaRPr lang="en-US" altLang="zh-CN" b="1" dirty="0" err="1" smtClean="0">
+              <a:solidFill>
+                <a:schemeClr val="accent1">
+                  <a:lumMod val="75000"/>
+                </a:schemeClr>
+              </a:solidFill>
+              <a:effectLst/>
+              <a:sym typeface="+mn-ea"/>
+            </a:endParaRPr>
+          </a:p>
+        </p:txBody>
+      </p:sp>
+      <p:cxnSp>
+        <p:nvCxnSpPr>
+          <p:cNvPr id="34" name="直接连接符 33"/>
+          <p:cNvCxnSpPr>
+            <a:endCxn id="33" idx="2"/>
+          </p:cNvCxnSpPr>
+          <p:nvPr/>
+        </p:nvCxnSpPr>
+        <p:spPr>
+          <a:xfrm flipH="1" flipV="1">
+            <a:off x="9896475" y="1242060"/>
+            <a:ext cx="1262380" cy="294005"/>
+          </a:xfrm>
+          <a:prstGeom prst="line">
+            <a:avLst/>
+          </a:prstGeom>
+        </p:spPr>
+        <p:style>
+          <a:lnRef idx="1">
+            <a:schemeClr val="accent1"/>
+          </a:lnRef>
+          <a:fillRef idx="0">
+            <a:schemeClr val="accent1"/>
+          </a:fillRef>
+          <a:effectRef idx="0">
+            <a:schemeClr val="accent1"/>
+          </a:effectRef>
+          <a:fontRef idx="minor">
+            <a:schemeClr val="tx1"/>
+          </a:fontRef>
+        </p:style>
+      </p:cxnSp>
+      <p:cxnSp>
+        <p:nvCxnSpPr>
+          <p:cNvPr id="35" name="直接箭头连接符 34"/>
+          <p:cNvCxnSpPr/>
+          <p:nvPr/>
+        </p:nvCxnSpPr>
+        <p:spPr>
+          <a:xfrm>
+            <a:off x="11151870" y="1522095"/>
+            <a:ext cx="146685" cy="720090"/>
+          </a:xfrm>
+          <a:prstGeom prst="straightConnector1">
+            <a:avLst/>
+          </a:prstGeom>
+          <a:ln>
+            <a:tailEnd type="arrow"/>
+          </a:ln>
+        </p:spPr>
+        <p:style>
+          <a:lnRef idx="1">
+            <a:schemeClr val="accent1"/>
+          </a:lnRef>
+          <a:fillRef idx="0">
+            <a:schemeClr val="accent1"/>
+          </a:fillRef>
+          <a:effectRef idx="0">
+            <a:schemeClr val="accent1"/>
+          </a:effectRef>
+          <a:fontRef idx="minor">
+            <a:schemeClr val="tx1"/>
+          </a:fontRef>
+        </p:style>
+      </p:cxnSp>
+      <p:sp>
+        <p:nvSpPr>
+          <p:cNvPr id="38" name="矩形 37"/>
+          <p:cNvSpPr/>
+          <p:nvPr/>
+        </p:nvSpPr>
+        <p:spPr>
+          <a:xfrm>
+            <a:off x="10003790" y="2250440"/>
+            <a:ext cx="1103630" cy="198755"/>
+          </a:xfrm>
+          <a:prstGeom prst="rect">
+            <a:avLst/>
+          </a:prstGeom>
+          <a:solidFill>
+            <a:schemeClr val="accent2">
+              <a:lumMod val="20000"/>
+              <a:lumOff val="80000"/>
+            </a:schemeClr>
+          </a:solidFill>
+          <a:ln>
+            <a:solidFill>
+              <a:schemeClr val="accent2"/>
             </a:solidFill>
           </a:ln>
         </p:spPr>
@@ -8962,45 +9239,63 @@
         </p:style>
         <p:txBody>
           <a:bodyPr rtlCol="0" anchor="ctr"/>
-          <a:lstStyle/>
           <a:p>
             <a:pPr algn="ctr"/>
-            <a:endParaRPr lang="zh-CN" altLang="en-US"/>
-          </a:p>
-        </p:txBody>
-      </p:sp>
-      <p:sp>
-        <p:nvSpPr>
-          <p:cNvPr id="94" name="矩形 93"/>
-          <p:cNvSpPr/>
-          <p:nvPr/>
-        </p:nvSpPr>
-        <p:spPr>
-          <a:xfrm>
-            <a:off x="9490391" y="2441172"/>
-            <a:ext cx="2084445" cy="285750"/>
-          </a:xfrm>
-          <a:prstGeom prst="rect">
-            <a:avLst/>
-          </a:prstGeom>
-          <a:noFill/>
-          <a:ln>
-            <a:solidFill>
-              <a:srgbClr val="00B050"/>
-            </a:solidFill>
-          </a:ln>
+            <a:r>
+              <a:rPr lang="en-US" altLang="zh-CN" sz="900" b="1" dirty="0" err="1" smtClean="0">
+                <a:solidFill>
+                  <a:schemeClr val="accent1">
+                    <a:lumMod val="75000"/>
+                  </a:schemeClr>
+                </a:solidFill>
+                <a:effectLst/>
+                <a:sym typeface="+mn-ea"/>
+              </a:rPr>
+              <a:t>RightButtonGroup</a:t>
+            </a:r>
+            <a:endParaRPr lang="en-US" altLang="zh-CN" sz="900" b="1" dirty="0" err="1" smtClean="0">
+              <a:solidFill>
+                <a:schemeClr val="accent1">
+                  <a:lumMod val="75000"/>
+                </a:schemeClr>
+              </a:solidFill>
+              <a:effectLst/>
+              <a:sym typeface="+mn-ea"/>
+            </a:endParaRPr>
+          </a:p>
+        </p:txBody>
+      </p:sp>
+      <p:sp>
+        <p:nvSpPr>
+          <p:cNvPr id="39" name="矩形 38"/>
+          <p:cNvSpPr/>
+          <p:nvPr/>
+        </p:nvSpPr>
+        <p:spPr>
+          <a:xfrm>
+            <a:off x="7082790" y="2606040"/>
+            <a:ext cx="494030" cy="425450"/>
+          </a:xfrm>
+          <a:prstGeom prst="rect">
+            <a:avLst/>
+          </a:prstGeom>
+          <a:solidFill>
+            <a:schemeClr val="accent5">
+              <a:lumMod val="75000"/>
+            </a:schemeClr>
+          </a:solidFill>
         </p:spPr>
         <p:style>
           <a:lnRef idx="2">
-            <a:schemeClr val="accent1">
+            <a:schemeClr val="accent4">
               <a:shade val="50000"/>
             </a:schemeClr>
           </a:lnRef>
           <a:fillRef idx="1">
-            <a:schemeClr val="accent1"/>
-          </a:fillRef>
-          <a:effectRef idx="0">
-            <a:schemeClr val="accent1"/>
+            <a:schemeClr val="accent4"/>
+          </a:fillRef>
+          <a:effectRef idx="0">
+            <a:schemeClr val="accent4"/>
           </a:effectRef>
           <a:fontRef idx="minor">
             <a:schemeClr val="lt1"/>
@@ -9008,7 +9303,51 @@
         </p:style>
         <p:txBody>
           <a:bodyPr rtlCol="0" anchor="ctr"/>
-          <a:lstStyle/>
+          <a:p>
+            <a:pPr algn="ctr"/>
+            <a:endParaRPr lang="zh-CN" altLang="en-US"/>
+          </a:p>
+        </p:txBody>
+      </p:sp>
+      <p:sp>
+        <p:nvSpPr>
+          <p:cNvPr id="61" name="矩形 60"/>
+          <p:cNvSpPr/>
+          <p:nvPr/>
+        </p:nvSpPr>
+        <p:spPr>
+          <a:xfrm>
+            <a:off x="7082790" y="3075940"/>
+            <a:ext cx="494030" cy="295275"/>
+          </a:xfrm>
+          <a:prstGeom prst="rect">
+            <a:avLst/>
+          </a:prstGeom>
+          <a:solidFill>
+            <a:schemeClr val="accent5">
+              <a:lumMod val="60000"/>
+              <a:lumOff val="40000"/>
+            </a:schemeClr>
+          </a:solidFill>
+        </p:spPr>
+        <p:style>
+          <a:lnRef idx="2">
+            <a:schemeClr val="accent4">
+              <a:shade val="50000"/>
+            </a:schemeClr>
+          </a:lnRef>
+          <a:fillRef idx="1">
+            <a:schemeClr val="accent4"/>
+          </a:fillRef>
+          <a:effectRef idx="0">
+            <a:schemeClr val="accent4"/>
+          </a:effectRef>
+          <a:fontRef idx="minor">
+            <a:schemeClr val="lt1"/>
+          </a:fontRef>
+        </p:style>
+        <p:txBody>
+          <a:bodyPr rtlCol="0" anchor="ctr"/>
           <a:p>
             <a:pPr algn="ctr"/>
             <a:endParaRPr lang="zh-CN" altLang="en-US"/>
@@ -9017,187 +9356,26 @@
       </p:sp>
       <p:cxnSp>
         <p:nvCxnSpPr>
-          <p:cNvPr id="95" name="直接箭头连接符 94"/>
+          <p:cNvPr id="62" name="直接箭头连接符 61"/>
           <p:cNvCxnSpPr/>
           <p:nvPr/>
         </p:nvCxnSpPr>
         <p:spPr>
-          <a:xfrm flipH="1" flipV="1">
-            <a:off x="10384317" y="2721134"/>
-            <a:ext cx="9858" cy="283580"/>
+          <a:xfrm flipH="1">
+            <a:off x="8164195" y="3479165"/>
+            <a:ext cx="5715" cy="168910"/>
           </a:xfrm>
           <a:prstGeom prst="straightConnector1">
             <a:avLst/>
           </a:prstGeom>
-          <a:ln>
+          <a:ln w="9525">
             <a:solidFill>
-              <a:srgbClr val="00B050"/>
+              <a:schemeClr val="bg1">
+                <a:lumMod val="50000"/>
+              </a:schemeClr>
             </a:solidFill>
-            <a:tailEnd type="triangle"/>
-          </a:ln>
-        </p:spPr>
-        <p:style>
-          <a:lnRef idx="1">
-            <a:schemeClr val="accent1"/>
-          </a:lnRef>
-          <a:fillRef idx="0">
-            <a:schemeClr val="accent1"/>
-          </a:fillRef>
-          <a:effectRef idx="0">
-            <a:schemeClr val="accent1"/>
-          </a:effectRef>
-          <a:fontRef idx="minor">
-            <a:schemeClr val="tx1"/>
-          </a:fontRef>
-        </p:style>
-      </p:cxnSp>
-      <p:pic>
-        <p:nvPicPr>
-          <p:cNvPr id="96" name="图片 95"/>
-          <p:cNvPicPr>
-            <a:picLocks noChangeAspect="1"/>
-          </p:cNvPicPr>
-          <p:nvPr/>
-        </p:nvPicPr>
-        <p:blipFill>
-          <a:blip r:embed="rId2"/>
-          <a:stretch>
-            <a:fillRect/>
-          </a:stretch>
-        </p:blipFill>
-        <p:spPr>
-          <a:xfrm>
-            <a:off x="7018253" y="4615579"/>
-            <a:ext cx="4590476" cy="980952"/>
-          </a:xfrm>
-          <a:prstGeom prst="rect">
-            <a:avLst/>
-          </a:prstGeom>
-        </p:spPr>
-      </p:pic>
-      <p:sp>
-        <p:nvSpPr>
-          <p:cNvPr id="97" name="矩形 96"/>
-          <p:cNvSpPr/>
-          <p:nvPr/>
-        </p:nvSpPr>
-        <p:spPr>
-          <a:xfrm>
-            <a:off x="7003474" y="5736915"/>
-            <a:ext cx="697242" cy="369332"/>
-          </a:xfrm>
-          <a:prstGeom prst="rect">
-            <a:avLst/>
-          </a:prstGeom>
-        </p:spPr>
-        <p:txBody>
-          <a:bodyPr wrap="none">
-            <a:spAutoFit/>
-          </a:bodyPr>
-          <a:lstStyle/>
-          <a:p>
-            <a:r>
-              <a:rPr lang="en-US" altLang="zh-CN" b="1" dirty="0" smtClean="0">
-                <a:solidFill>
-                  <a:srgbClr val="048138"/>
-                </a:solidFill>
-                <a:effectLst/>
-              </a:rPr>
-              <a:t>Large</a:t>
-            </a:r>
-            <a:endParaRPr lang="zh-CN" altLang="en-US" dirty="0"/>
-          </a:p>
-        </p:txBody>
-      </p:sp>
-      <p:sp>
-        <p:nvSpPr>
-          <p:cNvPr id="98" name="矩形 97"/>
-          <p:cNvSpPr/>
-          <p:nvPr/>
-        </p:nvSpPr>
-        <p:spPr>
-          <a:xfrm>
-            <a:off x="7752508" y="5772805"/>
-            <a:ext cx="707245" cy="369332"/>
-          </a:xfrm>
-          <a:prstGeom prst="rect">
-            <a:avLst/>
-          </a:prstGeom>
-        </p:spPr>
-        <p:txBody>
-          <a:bodyPr wrap="none">
-            <a:spAutoFit/>
-          </a:bodyPr>
-          <a:lstStyle/>
-          <a:p>
-            <a:r>
-              <a:rPr lang="en-US" altLang="zh-CN" b="1" dirty="0" smtClean="0">
-                <a:solidFill>
-                  <a:srgbClr val="048138"/>
-                </a:solidFill>
-                <a:effectLst/>
-              </a:rPr>
-              <a:t>Small</a:t>
-            </a:r>
-            <a:endParaRPr lang="zh-CN" altLang="en-US" dirty="0"/>
-          </a:p>
-        </p:txBody>
-      </p:sp>
-      <p:sp>
-        <p:nvSpPr>
-          <p:cNvPr id="99" name="矩形 98"/>
-          <p:cNvSpPr/>
-          <p:nvPr/>
-        </p:nvSpPr>
-        <p:spPr>
-          <a:xfrm>
-            <a:off x="9840030" y="5772805"/>
-            <a:ext cx="992579" cy="369332"/>
-          </a:xfrm>
-          <a:prstGeom prst="rect">
-            <a:avLst/>
-          </a:prstGeom>
-        </p:spPr>
-        <p:txBody>
-          <a:bodyPr wrap="none">
-            <a:spAutoFit/>
-          </a:bodyPr>
-          <a:lstStyle/>
-          <a:p>
-            <a:r>
-              <a:rPr lang="en-US" altLang="zh-CN" b="1" dirty="0" smtClean="0">
-                <a:solidFill>
-                  <a:srgbClr val="048138"/>
-                </a:solidFill>
-                <a:effectLst/>
-              </a:rPr>
-              <a:t>Medium</a:t>
-            </a:r>
-            <a:endParaRPr lang="zh-CN" altLang="en-US" dirty="0"/>
-          </a:p>
-        </p:txBody>
-      </p:sp>
-      <p:cxnSp>
-        <p:nvCxnSpPr>
-          <p:cNvPr id="100" name="直接箭头连接符 99"/>
-          <p:cNvCxnSpPr>
-            <a:stCxn id="97" idx="0"/>
-          </p:cNvCxnSpPr>
-          <p:nvPr/>
-        </p:nvCxnSpPr>
-        <p:spPr>
-          <a:xfrm flipV="1">
-            <a:off x="7352095" y="5489225"/>
-            <a:ext cx="0" cy="247690"/>
-          </a:xfrm>
-          <a:prstGeom prst="straightConnector1">
-            <a:avLst/>
-          </a:prstGeom>
-          <a:ln>
-            <a:solidFill>
-              <a:srgbClr val="00B050"/>
-            </a:solidFill>
-            <a:tailEnd type="triangle"/>
+            <a:headEnd type="arrow" w="med" len="sm"/>
+            <a:tailEnd type="arrow" w="med" len="sm"/>
           </a:ln>
         </p:spPr>
         <p:style>
@@ -9217,25 +9395,24 @@
       </p:cxnSp>
       <p:cxnSp>
         <p:nvCxnSpPr>
-          <p:cNvPr id="101" name="直接箭头连接符 100"/>
-          <p:cNvCxnSpPr>
-            <a:stCxn id="98" idx="0"/>
-          </p:cNvCxnSpPr>
+          <p:cNvPr id="63" name="直接连接符 62"/>
+          <p:cNvCxnSpPr/>
           <p:nvPr/>
         </p:nvCxnSpPr>
         <p:spPr>
-          <a:xfrm flipH="1" flipV="1">
-            <a:off x="7870097" y="5489225"/>
-            <a:ext cx="236034" cy="283580"/>
-          </a:xfrm>
-          <a:prstGeom prst="straightConnector1">
+          <a:xfrm flipH="1">
+            <a:off x="8001635" y="3483610"/>
+            <a:ext cx="857250" cy="0"/>
+          </a:xfrm>
+          <a:prstGeom prst="line">
             <a:avLst/>
           </a:prstGeom>
           <a:ln>
             <a:solidFill>
-              <a:srgbClr val="00B050"/>
+              <a:schemeClr val="bg1">
+                <a:lumMod val="50000"/>
+              </a:schemeClr>
             </a:solidFill>
-            <a:tailEnd type="triangle"/>
           </a:ln>
         </p:spPr>
         <p:style>
@@ -9255,23 +9432,24 @@
       </p:cxnSp>
       <p:cxnSp>
         <p:nvCxnSpPr>
-          <p:cNvPr id="102" name="直接箭头连接符 101"/>
+          <p:cNvPr id="64" name="直接连接符 63"/>
           <p:cNvCxnSpPr/>
           <p:nvPr/>
         </p:nvCxnSpPr>
         <p:spPr>
-          <a:xfrm flipH="1" flipV="1">
-            <a:off x="10384317" y="5482698"/>
-            <a:ext cx="9858" cy="283580"/>
-          </a:xfrm>
-          <a:prstGeom prst="straightConnector1">
+          <a:xfrm flipH="1">
+            <a:off x="8001635" y="3642995"/>
+            <a:ext cx="857250" cy="0"/>
+          </a:xfrm>
+          <a:prstGeom prst="line">
             <a:avLst/>
           </a:prstGeom>
           <a:ln>
             <a:solidFill>
-              <a:srgbClr val="00B050"/>
+              <a:schemeClr val="bg1">
+                <a:lumMod val="50000"/>
+              </a:schemeClr>
             </a:solidFill>
-            <a:tailEnd type="triangle"/>
           </a:ln>
         </p:spPr>
         <p:style>
@@ -9291,139 +9469,380 @@
       </p:cxnSp>
       <p:sp>
         <p:nvSpPr>
-          <p:cNvPr id="104" name="矩形 103"/>
-          <p:cNvSpPr/>
-          <p:nvPr/>
-        </p:nvSpPr>
-        <p:spPr>
-          <a:xfrm>
-            <a:off x="7468407" y="4925082"/>
-            <a:ext cx="565015" cy="613608"/>
+          <p:cNvPr id="66" name="文本框 65"/>
+          <p:cNvSpPr txBox="1"/>
+          <p:nvPr/>
+        </p:nvSpPr>
+        <p:spPr>
+          <a:xfrm>
+            <a:off x="8398510" y="3383280"/>
+            <a:ext cx="2038985" cy="306705"/>
           </a:xfrm>
           <a:prstGeom prst="rect">
             <a:avLst/>
           </a:prstGeom>
           <a:noFill/>
+        </p:spPr>
+        <p:txBody>
+          <a:bodyPr wrap="square" rtlCol="0" anchor="t">
+            <a:spAutoFit/>
+          </a:bodyPr>
+          <a:p>
+            <a:r>
+              <a:rPr lang="en-US" altLang="zh-CN" sz="1400">
+                <a:solidFill>
+                  <a:schemeClr val="accent2">
+                    <a:lumMod val="75000"/>
+                  </a:schemeClr>
+                </a:solidFill>
+              </a:rPr>
+              <a:t>pannelTitle</a:t>
+            </a:r>
+            <a:r>
+              <a:rPr lang="zh-CN" altLang="en-US" sz="1400">
+                <a:solidFill>
+                  <a:schemeClr val="accent2">
+                    <a:lumMod val="75000"/>
+                  </a:schemeClr>
+                </a:solidFill>
+              </a:rPr>
+              <a:t>Height</a:t>
+            </a:r>
+            <a:endParaRPr lang="zh-CN" altLang="en-US" sz="1400">
+              <a:solidFill>
+                <a:schemeClr val="accent2">
+                  <a:lumMod val="75000"/>
+                </a:schemeClr>
+              </a:solidFill>
+            </a:endParaRPr>
+          </a:p>
+        </p:txBody>
+      </p:sp>
+      <p:cxnSp>
+        <p:nvCxnSpPr>
+          <p:cNvPr id="68" name="直接连接符 67"/>
+          <p:cNvCxnSpPr/>
+          <p:nvPr/>
+        </p:nvCxnSpPr>
+        <p:spPr>
+          <a:xfrm flipH="1">
+            <a:off x="7570470" y="2602230"/>
+            <a:ext cx="593725" cy="0"/>
+          </a:xfrm>
+          <a:prstGeom prst="line">
+            <a:avLst/>
+          </a:prstGeom>
           <a:ln>
             <a:solidFill>
-              <a:srgbClr val="00B050"/>
+              <a:schemeClr val="bg1">
+                <a:lumMod val="50000"/>
+              </a:schemeClr>
             </a:solidFill>
           </a:ln>
         </p:spPr>
         <p:style>
-          <a:lnRef idx="2">
-            <a:schemeClr val="accent1">
-              <a:shade val="50000"/>
-            </a:schemeClr>
-          </a:lnRef>
-          <a:fillRef idx="1">
-            <a:schemeClr val="accent1"/>
-          </a:fillRef>
-          <a:effectRef idx="0">
-            <a:schemeClr val="accent1"/>
-          </a:effectRef>
-          <a:fontRef idx="minor">
-            <a:schemeClr val="lt1"/>
-          </a:fontRef>
-        </p:style>
-        <p:txBody>
-          <a:bodyPr rtlCol="0" anchor="ctr"/>
-          <a:lstStyle/>
-          <a:p>
-            <a:pPr algn="ctr"/>
-            <a:endParaRPr lang="zh-CN" altLang="en-US"/>
-          </a:p>
-        </p:txBody>
-      </p:sp>
-      <p:sp>
-        <p:nvSpPr>
-          <p:cNvPr id="105" name="矩形 104"/>
-          <p:cNvSpPr/>
-          <p:nvPr/>
-        </p:nvSpPr>
-        <p:spPr>
-          <a:xfrm>
-            <a:off x="8518416" y="4941455"/>
-            <a:ext cx="2978259" cy="320455"/>
-          </a:xfrm>
-          <a:prstGeom prst="rect">
-            <a:avLst/>
-          </a:prstGeom>
-          <a:noFill/>
+          <a:lnRef idx="1">
+            <a:schemeClr val="accent1"/>
+          </a:lnRef>
+          <a:fillRef idx="0">
+            <a:schemeClr val="accent1"/>
+          </a:fillRef>
+          <a:effectRef idx="0">
+            <a:schemeClr val="accent1"/>
+          </a:effectRef>
+          <a:fontRef idx="minor">
+            <a:schemeClr val="tx1"/>
+          </a:fontRef>
+        </p:style>
+      </p:cxnSp>
+      <p:cxnSp>
+        <p:nvCxnSpPr>
+          <p:cNvPr id="69" name="直接连接符 68"/>
+          <p:cNvCxnSpPr/>
+          <p:nvPr/>
+        </p:nvCxnSpPr>
+        <p:spPr>
+          <a:xfrm flipH="1" flipV="1">
+            <a:off x="7555865" y="3027045"/>
+            <a:ext cx="611505" cy="635"/>
+          </a:xfrm>
+          <a:prstGeom prst="line">
+            <a:avLst/>
+          </a:prstGeom>
           <a:ln>
             <a:solidFill>
-              <a:srgbClr val="00B050"/>
+              <a:schemeClr val="bg1">
+                <a:lumMod val="50000"/>
+              </a:schemeClr>
             </a:solidFill>
           </a:ln>
         </p:spPr>
         <p:style>
-          <a:lnRef idx="2">
-            <a:schemeClr val="accent1">
-              <a:shade val="50000"/>
-            </a:schemeClr>
-          </a:lnRef>
-          <a:fillRef idx="1">
-            <a:schemeClr val="accent1"/>
-          </a:fillRef>
-          <a:effectRef idx="0">
-            <a:schemeClr val="accent1"/>
-          </a:effectRef>
-          <a:fontRef idx="minor">
-            <a:schemeClr val="lt1"/>
-          </a:fontRef>
-        </p:style>
-        <p:txBody>
-          <a:bodyPr rtlCol="0" anchor="ctr"/>
-          <a:lstStyle/>
-          <a:p>
-            <a:pPr algn="ctr"/>
-            <a:endParaRPr lang="zh-CN" altLang="en-US"/>
-          </a:p>
-        </p:txBody>
-      </p:sp>
-      <p:sp>
-        <p:nvSpPr>
-          <p:cNvPr id="106" name="矩形 105"/>
-          <p:cNvSpPr/>
-          <p:nvPr/>
-        </p:nvSpPr>
-        <p:spPr>
-          <a:xfrm>
-            <a:off x="8518416" y="5256645"/>
-            <a:ext cx="2978259" cy="320455"/>
-          </a:xfrm>
-          <a:prstGeom prst="rect">
-            <a:avLst/>
-          </a:prstGeom>
-          <a:noFill/>
+          <a:lnRef idx="1">
+            <a:schemeClr val="accent1"/>
+          </a:lnRef>
+          <a:fillRef idx="0">
+            <a:schemeClr val="accent1"/>
+          </a:fillRef>
+          <a:effectRef idx="0">
+            <a:schemeClr val="accent1"/>
+          </a:effectRef>
+          <a:fontRef idx="minor">
+            <a:schemeClr val="tx1"/>
+          </a:fontRef>
+        </p:style>
+      </p:cxnSp>
+      <p:cxnSp>
+        <p:nvCxnSpPr>
+          <p:cNvPr id="70" name="直接连接符 69"/>
+          <p:cNvCxnSpPr/>
+          <p:nvPr/>
+        </p:nvCxnSpPr>
+        <p:spPr>
+          <a:xfrm flipH="1" flipV="1">
+            <a:off x="7555865" y="3075940"/>
+            <a:ext cx="621030" cy="1905"/>
+          </a:xfrm>
+          <a:prstGeom prst="line">
+            <a:avLst/>
+          </a:prstGeom>
           <a:ln>
             <a:solidFill>
-              <a:srgbClr val="00B050"/>
+              <a:schemeClr val="bg1">
+                <a:lumMod val="50000"/>
+              </a:schemeClr>
             </a:solidFill>
           </a:ln>
         </p:spPr>
         <p:style>
-          <a:lnRef idx="2">
-            <a:schemeClr val="accent1">
-              <a:shade val="50000"/>
-            </a:schemeClr>
-          </a:lnRef>
-          <a:fillRef idx="1">
-            <a:schemeClr val="accent1"/>
-          </a:fillRef>
-          <a:effectRef idx="0">
-            <a:schemeClr val="accent1"/>
-          </a:effectRef>
-          <a:fontRef idx="minor">
-            <a:schemeClr val="lt1"/>
-          </a:fontRef>
-        </p:style>
-        <p:txBody>
-          <a:bodyPr rtlCol="0" anchor="ctr"/>
-          <a:lstStyle/>
-          <a:p>
-            <a:pPr algn="ctr"/>
-            <a:endParaRPr lang="zh-CN" altLang="en-US"/>
+          <a:lnRef idx="1">
+            <a:schemeClr val="accent1"/>
+          </a:lnRef>
+          <a:fillRef idx="0">
+            <a:schemeClr val="accent1"/>
+          </a:fillRef>
+          <a:effectRef idx="0">
+            <a:schemeClr val="accent1"/>
+          </a:effectRef>
+          <a:fontRef idx="minor">
+            <a:schemeClr val="tx1"/>
+          </a:fontRef>
+        </p:style>
+      </p:cxnSp>
+      <p:cxnSp>
+        <p:nvCxnSpPr>
+          <p:cNvPr id="71" name="直接连接符 70"/>
+          <p:cNvCxnSpPr/>
+          <p:nvPr/>
+        </p:nvCxnSpPr>
+        <p:spPr>
+          <a:xfrm flipH="1" flipV="1">
+            <a:off x="7555865" y="3366770"/>
+            <a:ext cx="617855" cy="1905"/>
+          </a:xfrm>
+          <a:prstGeom prst="line">
+            <a:avLst/>
+          </a:prstGeom>
+          <a:ln>
+            <a:solidFill>
+              <a:schemeClr val="bg1">
+                <a:lumMod val="50000"/>
+              </a:schemeClr>
+            </a:solidFill>
+          </a:ln>
+        </p:spPr>
+        <p:style>
+          <a:lnRef idx="1">
+            <a:schemeClr val="accent1"/>
+          </a:lnRef>
+          <a:fillRef idx="0">
+            <a:schemeClr val="accent1"/>
+          </a:fillRef>
+          <a:effectRef idx="0">
+            <a:schemeClr val="accent1"/>
+          </a:effectRef>
+          <a:fontRef idx="minor">
+            <a:schemeClr val="tx1"/>
+          </a:fontRef>
+        </p:style>
+      </p:cxnSp>
+      <p:cxnSp>
+        <p:nvCxnSpPr>
+          <p:cNvPr id="72" name="直接箭头连接符 71"/>
+          <p:cNvCxnSpPr/>
+          <p:nvPr/>
+        </p:nvCxnSpPr>
+        <p:spPr>
+          <a:xfrm flipH="1">
+            <a:off x="8062595" y="3075940"/>
+            <a:ext cx="2540" cy="288290"/>
+          </a:xfrm>
+          <a:prstGeom prst="straightConnector1">
+            <a:avLst/>
+          </a:prstGeom>
+          <a:ln w="9525">
+            <a:solidFill>
+              <a:schemeClr val="bg1">
+                <a:lumMod val="50000"/>
+              </a:schemeClr>
+            </a:solidFill>
+            <a:headEnd type="arrow" w="med" len="sm"/>
+            <a:tailEnd type="arrow" w="med" len="sm"/>
+          </a:ln>
+        </p:spPr>
+        <p:style>
+          <a:lnRef idx="1">
+            <a:schemeClr val="accent1"/>
+          </a:lnRef>
+          <a:fillRef idx="0">
+            <a:schemeClr val="accent1"/>
+          </a:fillRef>
+          <a:effectRef idx="0">
+            <a:schemeClr val="accent1"/>
+          </a:effectRef>
+          <a:fontRef idx="minor">
+            <a:schemeClr val="tx1"/>
+          </a:fontRef>
+        </p:style>
+      </p:cxnSp>
+      <p:cxnSp>
+        <p:nvCxnSpPr>
+          <p:cNvPr id="73" name="直接箭头连接符 72"/>
+          <p:cNvCxnSpPr/>
+          <p:nvPr/>
+        </p:nvCxnSpPr>
+        <p:spPr>
+          <a:xfrm flipH="1">
+            <a:off x="8062595" y="2602230"/>
+            <a:ext cx="5080" cy="415925"/>
+          </a:xfrm>
+          <a:prstGeom prst="straightConnector1">
+            <a:avLst/>
+          </a:prstGeom>
+          <a:ln w="9525">
+            <a:solidFill>
+              <a:schemeClr val="bg1">
+                <a:lumMod val="50000"/>
+              </a:schemeClr>
+            </a:solidFill>
+            <a:headEnd type="arrow" w="med" len="sm"/>
+            <a:tailEnd type="arrow" w="med" len="sm"/>
+          </a:ln>
+        </p:spPr>
+        <p:style>
+          <a:lnRef idx="1">
+            <a:schemeClr val="accent1"/>
+          </a:lnRef>
+          <a:fillRef idx="0">
+            <a:schemeClr val="accent1"/>
+          </a:fillRef>
+          <a:effectRef idx="0">
+            <a:schemeClr val="accent1"/>
+          </a:effectRef>
+          <a:fontRef idx="minor">
+            <a:schemeClr val="tx1"/>
+          </a:fontRef>
+        </p:style>
+      </p:cxnSp>
+      <p:sp>
+        <p:nvSpPr>
+          <p:cNvPr id="74" name="文本框 73"/>
+          <p:cNvSpPr txBox="1"/>
+          <p:nvPr/>
+        </p:nvSpPr>
+        <p:spPr>
+          <a:xfrm>
+            <a:off x="8090535" y="3061970"/>
+            <a:ext cx="2038985" cy="306705"/>
+          </a:xfrm>
+          <a:prstGeom prst="rect">
+            <a:avLst/>
+          </a:prstGeom>
+          <a:noFill/>
+        </p:spPr>
+        <p:txBody>
+          <a:bodyPr wrap="square" rtlCol="0" anchor="t">
+            <a:spAutoFit/>
+          </a:bodyPr>
+          <a:p>
+            <a:r>
+              <a:rPr lang="en-US" altLang="zh-CN" sz="1400">
+                <a:solidFill>
+                  <a:schemeClr val="accent2">
+                    <a:lumMod val="75000"/>
+                  </a:schemeClr>
+                </a:solidFill>
+              </a:rPr>
+              <a:t>pannelText</a:t>
+            </a:r>
+            <a:r>
+              <a:rPr lang="zh-CN" altLang="en-US" sz="1400">
+                <a:solidFill>
+                  <a:schemeClr val="accent2">
+                    <a:lumMod val="75000"/>
+                  </a:schemeClr>
+                </a:solidFill>
+              </a:rPr>
+              <a:t>Height</a:t>
+            </a:r>
+            <a:endParaRPr lang="zh-CN" altLang="en-US" sz="1400">
+              <a:solidFill>
+                <a:schemeClr val="accent2">
+                  <a:lumMod val="75000"/>
+                </a:schemeClr>
+              </a:solidFill>
+            </a:endParaRPr>
+          </a:p>
+        </p:txBody>
+      </p:sp>
+      <p:sp>
+        <p:nvSpPr>
+          <p:cNvPr id="75" name="文本框 74"/>
+          <p:cNvSpPr txBox="1"/>
+          <p:nvPr/>
+        </p:nvSpPr>
+        <p:spPr>
+          <a:xfrm>
+            <a:off x="8090535" y="2633345"/>
+            <a:ext cx="2038985" cy="306705"/>
+          </a:xfrm>
+          <a:prstGeom prst="rect">
+            <a:avLst/>
+          </a:prstGeom>
+          <a:noFill/>
+        </p:spPr>
+        <p:txBody>
+          <a:bodyPr wrap="square" rtlCol="0" anchor="t">
+            <a:spAutoFit/>
+          </a:bodyPr>
+          <a:p>
+            <a:r>
+              <a:rPr lang="en-US" altLang="zh-CN" sz="1400">
+                <a:solidFill>
+                  <a:schemeClr val="accent2">
+                    <a:lumMod val="75000"/>
+                  </a:schemeClr>
+                </a:solidFill>
+              </a:rPr>
+              <a:t>pannelLargeIcon</a:t>
+            </a:r>
+            <a:r>
+              <a:rPr lang="zh-CN" altLang="en-US" sz="1400">
+                <a:solidFill>
+                  <a:schemeClr val="accent2">
+                    <a:lumMod val="75000"/>
+                  </a:schemeClr>
+                </a:solidFill>
+              </a:rPr>
+              <a:t>Height</a:t>
+            </a:r>
+            <a:endParaRPr lang="zh-CN" altLang="en-US" sz="1400">
+              <a:solidFill>
+                <a:schemeClr val="accent2">
+                  <a:lumMod val="75000"/>
+                </a:schemeClr>
+              </a:solidFill>
+            </a:endParaRPr>
           </a:p>
         </p:txBody>
       </p:sp>
@@ -9460,8 +9879,8 @@
         </p:nvSpPr>
         <p:spPr>
           <a:xfrm>
-            <a:off x="1210310" y="1519555"/>
-            <a:ext cx="10530840" cy="1493520"/>
+            <a:off x="1210611" y="1309512"/>
+            <a:ext cx="4828347" cy="1703750"/>
           </a:xfrm>
           <a:prstGeom prst="rect">
             <a:avLst/>
@@ -9505,6 +9924,2637 @@
       </p:sp>
       <p:sp>
         <p:nvSpPr>
+          <p:cNvPr id="5" name="文本框 4"/>
+          <p:cNvSpPr txBox="1"/>
+          <p:nvPr/>
+        </p:nvSpPr>
+        <p:spPr>
+          <a:xfrm>
+            <a:off x="2450761" y="450436"/>
+            <a:ext cx="2468368" cy="369332"/>
+          </a:xfrm>
+          <a:prstGeom prst="rect">
+            <a:avLst/>
+          </a:prstGeom>
+        </p:spPr>
+        <p:txBody>
+          <a:bodyPr wrap="none">
+            <a:spAutoFit/>
+          </a:bodyPr>
+          <a:lstStyle>
+            <a:defPPr>
+              <a:defRPr lang="zh-CN"/>
+            </a:defPPr>
+            <a:lvl1pPr>
+              <a:defRPr b="1">
+                <a:solidFill>
+                  <a:srgbClr val="D5412A"/>
+                </a:solidFill>
+                <a:effectLst/>
+              </a:defRPr>
+            </a:lvl1pPr>
+          </a:lstStyle>
+          <a:p>
+            <a:r>
+              <a:rPr lang="en-US" altLang="zh-CN" dirty="0" err="1" smtClean="0">
+                <a:solidFill>
+                  <a:srgbClr val="C00000"/>
+                </a:solidFill>
+              </a:rPr>
+              <a:t>SARibbonPannel</a:t>
+            </a:r>
+            <a:r>
+              <a:rPr lang="en-US" altLang="zh-CN" dirty="0" smtClean="0">
+                <a:solidFill>
+                  <a:srgbClr val="C00000"/>
+                </a:solidFill>
+              </a:rPr>
+              <a:t> : </a:t>
+            </a:r>
+            <a:r>
+              <a:rPr lang="en-US" altLang="zh-CN" dirty="0" err="1" smtClean="0">
+                <a:solidFill>
+                  <a:srgbClr val="C00000"/>
+                </a:solidFill>
+              </a:rPr>
+              <a:t>3Row</a:t>
+            </a:r>
+            <a:endParaRPr lang="zh-CN" altLang="en-US" dirty="0">
+              <a:solidFill>
+                <a:srgbClr val="C00000"/>
+              </a:solidFill>
+            </a:endParaRPr>
+          </a:p>
+        </p:txBody>
+      </p:sp>
+      <p:sp>
+        <p:nvSpPr>
+          <p:cNvPr id="6" name="矩形 5"/>
+          <p:cNvSpPr/>
+          <p:nvPr/>
+        </p:nvSpPr>
+        <p:spPr>
+          <a:xfrm>
+            <a:off x="1316047" y="1383331"/>
+            <a:ext cx="4638675" cy="1333500"/>
+          </a:xfrm>
+          <a:prstGeom prst="rect">
+            <a:avLst/>
+          </a:prstGeom>
+          <a:solidFill>
+            <a:schemeClr val="bg1"/>
+          </a:solidFill>
+        </p:spPr>
+        <p:style>
+          <a:lnRef idx="2">
+            <a:schemeClr val="accent1">
+              <a:shade val="50000"/>
+            </a:schemeClr>
+          </a:lnRef>
+          <a:fillRef idx="1">
+            <a:schemeClr val="accent1"/>
+          </a:fillRef>
+          <a:effectRef idx="0">
+            <a:schemeClr val="accent1"/>
+          </a:effectRef>
+          <a:fontRef idx="minor">
+            <a:schemeClr val="lt1"/>
+          </a:fontRef>
+        </p:style>
+        <p:txBody>
+          <a:bodyPr rtlCol="0" anchor="ctr"/>
+          <a:lstStyle/>
+          <a:p>
+            <a:pPr algn="ctr"/>
+            <a:endParaRPr lang="zh-CN" altLang="en-US"/>
+          </a:p>
+        </p:txBody>
+      </p:sp>
+      <p:cxnSp>
+        <p:nvCxnSpPr>
+          <p:cNvPr id="8" name="直接箭头连接符 7"/>
+          <p:cNvCxnSpPr/>
+          <p:nvPr/>
+        </p:nvCxnSpPr>
+        <p:spPr>
+          <a:xfrm flipH="1">
+            <a:off x="4211648" y="1145206"/>
+            <a:ext cx="171450" cy="164306"/>
+          </a:xfrm>
+          <a:prstGeom prst="straightConnector1">
+            <a:avLst/>
+          </a:prstGeom>
+          <a:ln>
+            <a:solidFill>
+              <a:srgbClr val="C00000"/>
+            </a:solidFill>
+            <a:tailEnd type="triangle"/>
+          </a:ln>
+        </p:spPr>
+        <p:style>
+          <a:lnRef idx="1">
+            <a:schemeClr val="accent1"/>
+          </a:lnRef>
+          <a:fillRef idx="0">
+            <a:schemeClr val="accent1"/>
+          </a:fillRef>
+          <a:effectRef idx="0">
+            <a:schemeClr val="accent1"/>
+          </a:effectRef>
+          <a:fontRef idx="minor">
+            <a:schemeClr val="tx1"/>
+          </a:fontRef>
+        </p:style>
+      </p:cxnSp>
+      <p:sp>
+        <p:nvSpPr>
+          <p:cNvPr id="9" name="矩形 8"/>
+          <p:cNvSpPr/>
+          <p:nvPr/>
+        </p:nvSpPr>
+        <p:spPr>
+          <a:xfrm>
+            <a:off x="3666711" y="852590"/>
+            <a:ext cx="1784784" cy="369332"/>
+          </a:xfrm>
+          <a:prstGeom prst="rect">
+            <a:avLst/>
+          </a:prstGeom>
+        </p:spPr>
+        <p:txBody>
+          <a:bodyPr wrap="none">
+            <a:spAutoFit/>
+          </a:bodyPr>
+          <a:lstStyle/>
+          <a:p>
+            <a:r>
+              <a:rPr lang="en-US" altLang="zh-CN" b="1" dirty="0" err="1" smtClean="0">
+                <a:solidFill>
+                  <a:schemeClr val="accent1">
+                    <a:lumMod val="75000"/>
+                  </a:schemeClr>
+                </a:solidFill>
+                <a:effectLst/>
+              </a:rPr>
+              <a:t>contentsMargins</a:t>
+            </a:r>
+            <a:endParaRPr lang="zh-CN" altLang="en-US" dirty="0">
+              <a:solidFill>
+                <a:schemeClr val="accent1">
+                  <a:lumMod val="75000"/>
+                </a:schemeClr>
+              </a:solidFill>
+            </a:endParaRPr>
+          </a:p>
+        </p:txBody>
+      </p:sp>
+      <p:sp>
+        <p:nvSpPr>
+          <p:cNvPr id="11" name="矩形 10"/>
+          <p:cNvSpPr/>
+          <p:nvPr/>
+        </p:nvSpPr>
+        <p:spPr>
+          <a:xfrm>
+            <a:off x="5786537" y="2774397"/>
+            <a:ext cx="168185" cy="164756"/>
+          </a:xfrm>
+          <a:prstGeom prst="rect">
+            <a:avLst/>
+          </a:prstGeom>
+          <a:solidFill>
+            <a:schemeClr val="accent2"/>
+          </a:solidFill>
+        </p:spPr>
+        <p:style>
+          <a:lnRef idx="2">
+            <a:schemeClr val="accent1">
+              <a:shade val="50000"/>
+            </a:schemeClr>
+          </a:lnRef>
+          <a:fillRef idx="1">
+            <a:schemeClr val="accent1"/>
+          </a:fillRef>
+          <a:effectRef idx="0">
+            <a:schemeClr val="accent1"/>
+          </a:effectRef>
+          <a:fontRef idx="minor">
+            <a:schemeClr val="lt1"/>
+          </a:fontRef>
+        </p:style>
+        <p:txBody>
+          <a:bodyPr rtlCol="0" anchor="ctr"/>
+          <a:lstStyle/>
+          <a:p>
+            <a:pPr algn="ctr"/>
+            <a:endParaRPr lang="zh-CN" altLang="en-US"/>
+          </a:p>
+        </p:txBody>
+      </p:sp>
+      <p:sp>
+        <p:nvSpPr>
+          <p:cNvPr id="12" name="矩形 11"/>
+          <p:cNvSpPr/>
+          <p:nvPr/>
+        </p:nvSpPr>
+        <p:spPr>
+          <a:xfrm>
+            <a:off x="4936689" y="3215412"/>
+            <a:ext cx="1464568" cy="369332"/>
+          </a:xfrm>
+          <a:prstGeom prst="rect">
+            <a:avLst/>
+          </a:prstGeom>
+        </p:spPr>
+        <p:txBody>
+          <a:bodyPr wrap="none">
+            <a:spAutoFit/>
+          </a:bodyPr>
+          <a:lstStyle/>
+          <a:p>
+            <a:r>
+              <a:rPr lang="en-US" altLang="zh-CN" b="1" dirty="0" err="1" smtClean="0">
+                <a:solidFill>
+                  <a:srgbClr val="D5412A"/>
+                </a:solidFill>
+                <a:effectLst/>
+              </a:rPr>
+              <a:t>OptionAction</a:t>
+            </a:r>
+            <a:endParaRPr lang="zh-CN" altLang="en-US" dirty="0"/>
+          </a:p>
+        </p:txBody>
+      </p:sp>
+      <p:cxnSp>
+        <p:nvCxnSpPr>
+          <p:cNvPr id="14" name="直接箭头连接符 13"/>
+          <p:cNvCxnSpPr/>
+          <p:nvPr/>
+        </p:nvCxnSpPr>
+        <p:spPr>
+          <a:xfrm flipV="1">
+            <a:off x="5668973" y="3079401"/>
+            <a:ext cx="75407" cy="123825"/>
+          </a:xfrm>
+          <a:prstGeom prst="straightConnector1">
+            <a:avLst/>
+          </a:prstGeom>
+          <a:ln>
+            <a:solidFill>
+              <a:schemeClr val="accent2"/>
+            </a:solidFill>
+            <a:tailEnd type="triangle"/>
+          </a:ln>
+        </p:spPr>
+        <p:style>
+          <a:lnRef idx="1">
+            <a:schemeClr val="accent1"/>
+          </a:lnRef>
+          <a:fillRef idx="0">
+            <a:schemeClr val="accent1"/>
+          </a:fillRef>
+          <a:effectRef idx="0">
+            <a:schemeClr val="accent1"/>
+          </a:effectRef>
+          <a:fontRef idx="minor">
+            <a:schemeClr val="tx1"/>
+          </a:fontRef>
+        </p:style>
+      </p:cxnSp>
+      <p:sp>
+        <p:nvSpPr>
+          <p:cNvPr id="15" name="矩形 14"/>
+          <p:cNvSpPr/>
+          <p:nvPr/>
+        </p:nvSpPr>
+        <p:spPr>
+          <a:xfrm>
+            <a:off x="1316047" y="1383331"/>
+            <a:ext cx="857251" cy="1333500"/>
+          </a:xfrm>
+          <a:prstGeom prst="rect">
+            <a:avLst/>
+          </a:prstGeom>
+        </p:spPr>
+        <p:style>
+          <a:lnRef idx="2">
+            <a:schemeClr val="accent1">
+              <a:shade val="50000"/>
+            </a:schemeClr>
+          </a:lnRef>
+          <a:fillRef idx="1">
+            <a:schemeClr val="accent1"/>
+          </a:fillRef>
+          <a:effectRef idx="0">
+            <a:schemeClr val="accent1"/>
+          </a:effectRef>
+          <a:fontRef idx="minor">
+            <a:schemeClr val="lt1"/>
+          </a:fontRef>
+        </p:style>
+        <p:txBody>
+          <a:bodyPr rtlCol="0" anchor="ctr"/>
+          <a:lstStyle/>
+          <a:p>
+            <a:pPr algn="ctr"/>
+            <a:endParaRPr lang="zh-CN" altLang="en-US"/>
+          </a:p>
+        </p:txBody>
+      </p:sp>
+      <p:sp>
+        <p:nvSpPr>
+          <p:cNvPr id="16" name="矩形 15"/>
+          <p:cNvSpPr/>
+          <p:nvPr/>
+        </p:nvSpPr>
+        <p:spPr>
+          <a:xfrm>
+            <a:off x="1404119" y="3035528"/>
+            <a:ext cx="697242" cy="369332"/>
+          </a:xfrm>
+          <a:prstGeom prst="rect">
+            <a:avLst/>
+          </a:prstGeom>
+        </p:spPr>
+        <p:txBody>
+          <a:bodyPr wrap="none">
+            <a:spAutoFit/>
+          </a:bodyPr>
+          <a:lstStyle/>
+          <a:p>
+            <a:r>
+              <a:rPr lang="en-US" altLang="zh-CN" b="1" dirty="0" smtClean="0">
+                <a:solidFill>
+                  <a:srgbClr val="048138"/>
+                </a:solidFill>
+                <a:effectLst/>
+              </a:rPr>
+              <a:t>Large</a:t>
+            </a:r>
+            <a:endParaRPr lang="zh-CN" altLang="en-US" dirty="0"/>
+          </a:p>
+        </p:txBody>
+      </p:sp>
+      <p:sp>
+        <p:nvSpPr>
+          <p:cNvPr id="17" name="矩形 16"/>
+          <p:cNvSpPr/>
+          <p:nvPr/>
+        </p:nvSpPr>
+        <p:spPr>
+          <a:xfrm>
+            <a:off x="2268548" y="1383331"/>
+            <a:ext cx="1143000" cy="381000"/>
+          </a:xfrm>
+          <a:prstGeom prst="rect">
+            <a:avLst/>
+          </a:prstGeom>
+        </p:spPr>
+        <p:style>
+          <a:lnRef idx="2">
+            <a:schemeClr val="accent1">
+              <a:shade val="50000"/>
+            </a:schemeClr>
+          </a:lnRef>
+          <a:fillRef idx="1">
+            <a:schemeClr val="accent1"/>
+          </a:fillRef>
+          <a:effectRef idx="0">
+            <a:schemeClr val="accent1"/>
+          </a:effectRef>
+          <a:fontRef idx="minor">
+            <a:schemeClr val="lt1"/>
+          </a:fontRef>
+        </p:style>
+        <p:txBody>
+          <a:bodyPr rtlCol="0" anchor="ctr"/>
+          <a:lstStyle/>
+          <a:p>
+            <a:pPr algn="ctr"/>
+            <a:endParaRPr lang="zh-CN" altLang="en-US"/>
+          </a:p>
+        </p:txBody>
+      </p:sp>
+      <p:sp>
+        <p:nvSpPr>
+          <p:cNvPr id="18" name="矩形 17"/>
+          <p:cNvSpPr/>
+          <p:nvPr/>
+        </p:nvSpPr>
+        <p:spPr>
+          <a:xfrm>
+            <a:off x="2268548" y="1859581"/>
+            <a:ext cx="1143000" cy="381000"/>
+          </a:xfrm>
+          <a:prstGeom prst="rect">
+            <a:avLst/>
+          </a:prstGeom>
+        </p:spPr>
+        <p:style>
+          <a:lnRef idx="2">
+            <a:schemeClr val="accent1">
+              <a:shade val="50000"/>
+            </a:schemeClr>
+          </a:lnRef>
+          <a:fillRef idx="1">
+            <a:schemeClr val="accent1"/>
+          </a:fillRef>
+          <a:effectRef idx="0">
+            <a:schemeClr val="accent1"/>
+          </a:effectRef>
+          <a:fontRef idx="minor">
+            <a:schemeClr val="lt1"/>
+          </a:fontRef>
+        </p:style>
+        <p:txBody>
+          <a:bodyPr rtlCol="0" anchor="ctr"/>
+          <a:lstStyle/>
+          <a:p>
+            <a:pPr algn="ctr"/>
+            <a:endParaRPr lang="zh-CN" altLang="en-US"/>
+          </a:p>
+        </p:txBody>
+      </p:sp>
+      <p:sp>
+        <p:nvSpPr>
+          <p:cNvPr id="19" name="矩形 18"/>
+          <p:cNvSpPr/>
+          <p:nvPr/>
+        </p:nvSpPr>
+        <p:spPr>
+          <a:xfrm>
+            <a:off x="2268548" y="2327134"/>
+            <a:ext cx="1143000" cy="381000"/>
+          </a:xfrm>
+          <a:prstGeom prst="rect">
+            <a:avLst/>
+          </a:prstGeom>
+        </p:spPr>
+        <p:style>
+          <a:lnRef idx="2">
+            <a:schemeClr val="accent1">
+              <a:shade val="50000"/>
+            </a:schemeClr>
+          </a:lnRef>
+          <a:fillRef idx="1">
+            <a:schemeClr val="accent1"/>
+          </a:fillRef>
+          <a:effectRef idx="0">
+            <a:schemeClr val="accent1"/>
+          </a:effectRef>
+          <a:fontRef idx="minor">
+            <a:schemeClr val="lt1"/>
+          </a:fontRef>
+        </p:style>
+        <p:txBody>
+          <a:bodyPr rtlCol="0" anchor="ctr"/>
+          <a:lstStyle/>
+          <a:p>
+            <a:pPr algn="ctr"/>
+            <a:endParaRPr lang="zh-CN" altLang="en-US"/>
+          </a:p>
+        </p:txBody>
+      </p:sp>
+      <p:sp>
+        <p:nvSpPr>
+          <p:cNvPr id="20" name="矩形 19"/>
+          <p:cNvSpPr/>
+          <p:nvPr/>
+        </p:nvSpPr>
+        <p:spPr>
+          <a:xfrm>
+            <a:off x="2395495" y="3035528"/>
+            <a:ext cx="707245" cy="369332"/>
+          </a:xfrm>
+          <a:prstGeom prst="rect">
+            <a:avLst/>
+          </a:prstGeom>
+        </p:spPr>
+        <p:txBody>
+          <a:bodyPr wrap="none">
+            <a:spAutoFit/>
+          </a:bodyPr>
+          <a:lstStyle/>
+          <a:p>
+            <a:r>
+              <a:rPr lang="en-US" altLang="zh-CN" b="1" dirty="0" smtClean="0">
+                <a:solidFill>
+                  <a:srgbClr val="048138"/>
+                </a:solidFill>
+                <a:effectLst/>
+              </a:rPr>
+              <a:t>Small</a:t>
+            </a:r>
+            <a:endParaRPr lang="zh-CN" altLang="en-US" dirty="0"/>
+          </a:p>
+        </p:txBody>
+      </p:sp>
+      <p:sp>
+        <p:nvSpPr>
+          <p:cNvPr id="21" name="矩形 20"/>
+          <p:cNvSpPr/>
+          <p:nvPr/>
+        </p:nvSpPr>
+        <p:spPr>
+          <a:xfrm>
+            <a:off x="3492510" y="1566171"/>
+            <a:ext cx="1143000" cy="381000"/>
+          </a:xfrm>
+          <a:prstGeom prst="rect">
+            <a:avLst/>
+          </a:prstGeom>
+        </p:spPr>
+        <p:style>
+          <a:lnRef idx="2">
+            <a:schemeClr val="accent1">
+              <a:shade val="50000"/>
+            </a:schemeClr>
+          </a:lnRef>
+          <a:fillRef idx="1">
+            <a:schemeClr val="accent1"/>
+          </a:fillRef>
+          <a:effectRef idx="0">
+            <a:schemeClr val="accent1"/>
+          </a:effectRef>
+          <a:fontRef idx="minor">
+            <a:schemeClr val="lt1"/>
+          </a:fontRef>
+        </p:style>
+        <p:txBody>
+          <a:bodyPr rtlCol="0" anchor="ctr"/>
+          <a:lstStyle/>
+          <a:p>
+            <a:pPr algn="ctr"/>
+            <a:endParaRPr lang="zh-CN" altLang="en-US"/>
+          </a:p>
+        </p:txBody>
+      </p:sp>
+      <p:sp>
+        <p:nvSpPr>
+          <p:cNvPr id="22" name="矩形 21"/>
+          <p:cNvSpPr/>
+          <p:nvPr/>
+        </p:nvSpPr>
+        <p:spPr>
+          <a:xfrm>
+            <a:off x="3492510" y="2126003"/>
+            <a:ext cx="1143000" cy="381000"/>
+          </a:xfrm>
+          <a:prstGeom prst="rect">
+            <a:avLst/>
+          </a:prstGeom>
+        </p:spPr>
+        <p:style>
+          <a:lnRef idx="2">
+            <a:schemeClr val="accent1">
+              <a:shade val="50000"/>
+            </a:schemeClr>
+          </a:lnRef>
+          <a:fillRef idx="1">
+            <a:schemeClr val="accent1"/>
+          </a:fillRef>
+          <a:effectRef idx="0">
+            <a:schemeClr val="accent1"/>
+          </a:effectRef>
+          <a:fontRef idx="minor">
+            <a:schemeClr val="lt1"/>
+          </a:fontRef>
+        </p:style>
+        <p:txBody>
+          <a:bodyPr rtlCol="0" anchor="ctr"/>
+          <a:lstStyle/>
+          <a:p>
+            <a:pPr algn="ctr"/>
+            <a:endParaRPr lang="zh-CN" altLang="en-US"/>
+          </a:p>
+        </p:txBody>
+      </p:sp>
+      <p:sp>
+        <p:nvSpPr>
+          <p:cNvPr id="23" name="矩形 22"/>
+          <p:cNvSpPr/>
+          <p:nvPr/>
+        </p:nvSpPr>
+        <p:spPr>
+          <a:xfrm>
+            <a:off x="3674779" y="3035528"/>
+            <a:ext cx="992579" cy="369332"/>
+          </a:xfrm>
+          <a:prstGeom prst="rect">
+            <a:avLst/>
+          </a:prstGeom>
+        </p:spPr>
+        <p:txBody>
+          <a:bodyPr wrap="none">
+            <a:spAutoFit/>
+          </a:bodyPr>
+          <a:lstStyle/>
+          <a:p>
+            <a:r>
+              <a:rPr lang="en-US" altLang="zh-CN" b="1" dirty="0" smtClean="0">
+                <a:solidFill>
+                  <a:srgbClr val="048138"/>
+                </a:solidFill>
+                <a:effectLst/>
+              </a:rPr>
+              <a:t>Medium</a:t>
+            </a:r>
+            <a:endParaRPr lang="zh-CN" altLang="en-US" dirty="0"/>
+          </a:p>
+        </p:txBody>
+      </p:sp>
+      <p:cxnSp>
+        <p:nvCxnSpPr>
+          <p:cNvPr id="25" name="直接箭头连接符 24"/>
+          <p:cNvCxnSpPr>
+            <a:stCxn id="27" idx="2"/>
+          </p:cNvCxnSpPr>
+          <p:nvPr/>
+        </p:nvCxnSpPr>
+        <p:spPr>
+          <a:xfrm flipH="1">
+            <a:off x="2211398" y="1097581"/>
+            <a:ext cx="478727" cy="476250"/>
+          </a:xfrm>
+          <a:prstGeom prst="straightConnector1">
+            <a:avLst/>
+          </a:prstGeom>
+          <a:ln>
+            <a:solidFill>
+              <a:schemeClr val="tx1"/>
+            </a:solidFill>
+            <a:tailEnd type="triangle"/>
+          </a:ln>
+        </p:spPr>
+        <p:style>
+          <a:lnRef idx="1">
+            <a:schemeClr val="accent1"/>
+          </a:lnRef>
+          <a:fillRef idx="0">
+            <a:schemeClr val="accent1"/>
+          </a:fillRef>
+          <a:effectRef idx="0">
+            <a:schemeClr val="accent1"/>
+          </a:effectRef>
+          <a:fontRef idx="minor">
+            <a:schemeClr val="tx1"/>
+          </a:fontRef>
+        </p:style>
+      </p:cxnSp>
+      <p:sp>
+        <p:nvSpPr>
+          <p:cNvPr id="27" name="矩形 26"/>
+          <p:cNvSpPr/>
+          <p:nvPr/>
+        </p:nvSpPr>
+        <p:spPr>
+          <a:xfrm>
+            <a:off x="2245932" y="728249"/>
+            <a:ext cx="888385" cy="369332"/>
+          </a:xfrm>
+          <a:prstGeom prst="rect">
+            <a:avLst/>
+          </a:prstGeom>
+        </p:spPr>
+        <p:txBody>
+          <a:bodyPr wrap="none">
+            <a:spAutoFit/>
+          </a:bodyPr>
+          <a:lstStyle/>
+          <a:p>
+            <a:r>
+              <a:rPr lang="en-US" altLang="zh-CN" dirty="0" smtClean="0">
+                <a:solidFill>
+                  <a:srgbClr val="000000"/>
+                </a:solidFill>
+                <a:effectLst/>
+              </a:rPr>
+              <a:t>spacing</a:t>
+            </a:r>
+            <a:endParaRPr lang="zh-CN" altLang="en-US" dirty="0"/>
+          </a:p>
+        </p:txBody>
+      </p:sp>
+      <p:cxnSp>
+        <p:nvCxnSpPr>
+          <p:cNvPr id="28" name="直接箭头连接符 27"/>
+          <p:cNvCxnSpPr>
+            <a:stCxn id="27" idx="2"/>
+          </p:cNvCxnSpPr>
+          <p:nvPr/>
+        </p:nvCxnSpPr>
+        <p:spPr>
+          <a:xfrm>
+            <a:off x="2690125" y="1097581"/>
+            <a:ext cx="13400" cy="729178"/>
+          </a:xfrm>
+          <a:prstGeom prst="straightConnector1">
+            <a:avLst/>
+          </a:prstGeom>
+          <a:ln>
+            <a:solidFill>
+              <a:schemeClr val="tx1"/>
+            </a:solidFill>
+            <a:tailEnd type="triangle"/>
+          </a:ln>
+        </p:spPr>
+        <p:style>
+          <a:lnRef idx="1">
+            <a:schemeClr val="accent1"/>
+          </a:lnRef>
+          <a:fillRef idx="0">
+            <a:schemeClr val="accent1"/>
+          </a:fillRef>
+          <a:effectRef idx="0">
+            <a:schemeClr val="accent1"/>
+          </a:effectRef>
+          <a:fontRef idx="minor">
+            <a:schemeClr val="tx1"/>
+          </a:fontRef>
+        </p:style>
+      </p:cxnSp>
+      <p:cxnSp>
+        <p:nvCxnSpPr>
+          <p:cNvPr id="32" name="直接箭头连接符 31"/>
+          <p:cNvCxnSpPr>
+            <a:stCxn id="27" idx="2"/>
+          </p:cNvCxnSpPr>
+          <p:nvPr/>
+        </p:nvCxnSpPr>
+        <p:spPr>
+          <a:xfrm>
+            <a:off x="2690125" y="1097581"/>
+            <a:ext cx="766490" cy="542389"/>
+          </a:xfrm>
+          <a:prstGeom prst="straightConnector1">
+            <a:avLst/>
+          </a:prstGeom>
+          <a:ln>
+            <a:solidFill>
+              <a:schemeClr val="tx1"/>
+            </a:solidFill>
+            <a:tailEnd type="triangle"/>
+          </a:ln>
+        </p:spPr>
+        <p:style>
+          <a:lnRef idx="1">
+            <a:schemeClr val="accent1"/>
+          </a:lnRef>
+          <a:fillRef idx="0">
+            <a:schemeClr val="accent1"/>
+          </a:fillRef>
+          <a:effectRef idx="0">
+            <a:schemeClr val="accent1"/>
+          </a:effectRef>
+          <a:fontRef idx="minor">
+            <a:schemeClr val="tx1"/>
+          </a:fontRef>
+        </p:style>
+      </p:cxnSp>
+      <p:sp>
+        <p:nvSpPr>
+          <p:cNvPr id="56" name="矩形 55"/>
+          <p:cNvSpPr/>
+          <p:nvPr/>
+        </p:nvSpPr>
+        <p:spPr>
+          <a:xfrm>
+            <a:off x="1210611" y="4783863"/>
+            <a:ext cx="4895022" cy="1063040"/>
+          </a:xfrm>
+          <a:prstGeom prst="rect">
+            <a:avLst/>
+          </a:prstGeom>
+          <a:solidFill>
+            <a:schemeClr val="accent1">
+              <a:lumMod val="20000"/>
+              <a:lumOff val="80000"/>
+            </a:schemeClr>
+          </a:solidFill>
+          <a:ln>
+            <a:solidFill>
+              <a:schemeClr val="tx1"/>
+            </a:solidFill>
+          </a:ln>
+        </p:spPr>
+        <p:style>
+          <a:lnRef idx="2">
+            <a:schemeClr val="accent1">
+              <a:shade val="50000"/>
+            </a:schemeClr>
+          </a:lnRef>
+          <a:fillRef idx="1">
+            <a:schemeClr val="accent1"/>
+          </a:fillRef>
+          <a:effectRef idx="0">
+            <a:schemeClr val="accent1"/>
+          </a:effectRef>
+          <a:fontRef idx="minor">
+            <a:schemeClr val="lt1"/>
+          </a:fontRef>
+        </p:style>
+        <p:txBody>
+          <a:bodyPr rtlCol="0" anchor="ctr"/>
+          <a:lstStyle/>
+          <a:p>
+            <a:pPr algn="ctr"/>
+            <a:endParaRPr lang="zh-CN" altLang="en-US"/>
+          </a:p>
+        </p:txBody>
+      </p:sp>
+      <p:sp>
+        <p:nvSpPr>
+          <p:cNvPr id="58" name="矩形 57"/>
+          <p:cNvSpPr/>
+          <p:nvPr/>
+        </p:nvSpPr>
+        <p:spPr>
+          <a:xfrm>
+            <a:off x="1333607" y="4915555"/>
+            <a:ext cx="4638675" cy="857250"/>
+          </a:xfrm>
+          <a:prstGeom prst="rect">
+            <a:avLst/>
+          </a:prstGeom>
+          <a:solidFill>
+            <a:schemeClr val="bg1"/>
+          </a:solidFill>
+        </p:spPr>
+        <p:style>
+          <a:lnRef idx="2">
+            <a:schemeClr val="accent1">
+              <a:shade val="50000"/>
+            </a:schemeClr>
+          </a:lnRef>
+          <a:fillRef idx="1">
+            <a:schemeClr val="accent1"/>
+          </a:fillRef>
+          <a:effectRef idx="0">
+            <a:schemeClr val="accent1"/>
+          </a:effectRef>
+          <a:fontRef idx="minor">
+            <a:schemeClr val="lt1"/>
+          </a:fontRef>
+        </p:style>
+        <p:txBody>
+          <a:bodyPr rtlCol="0" anchor="ctr"/>
+          <a:lstStyle/>
+          <a:p>
+            <a:pPr algn="ctr"/>
+            <a:endParaRPr lang="zh-CN" altLang="en-US"/>
+          </a:p>
+        </p:txBody>
+      </p:sp>
+      <p:cxnSp>
+        <p:nvCxnSpPr>
+          <p:cNvPr id="59" name="直接箭头连接符 58"/>
+          <p:cNvCxnSpPr/>
+          <p:nvPr/>
+        </p:nvCxnSpPr>
+        <p:spPr>
+          <a:xfrm flipH="1">
+            <a:off x="4229208" y="4677430"/>
+            <a:ext cx="171450" cy="164306"/>
+          </a:xfrm>
+          <a:prstGeom prst="straightConnector1">
+            <a:avLst/>
+          </a:prstGeom>
+          <a:ln>
+            <a:solidFill>
+              <a:srgbClr val="C00000"/>
+            </a:solidFill>
+            <a:tailEnd type="triangle"/>
+          </a:ln>
+        </p:spPr>
+        <p:style>
+          <a:lnRef idx="1">
+            <a:schemeClr val="accent1"/>
+          </a:lnRef>
+          <a:fillRef idx="0">
+            <a:schemeClr val="accent1"/>
+          </a:fillRef>
+          <a:effectRef idx="0">
+            <a:schemeClr val="accent1"/>
+          </a:effectRef>
+          <a:fontRef idx="minor">
+            <a:schemeClr val="tx1"/>
+          </a:fontRef>
+        </p:style>
+      </p:cxnSp>
+      <p:sp>
+        <p:nvSpPr>
+          <p:cNvPr id="60" name="矩形 59"/>
+          <p:cNvSpPr/>
+          <p:nvPr/>
+        </p:nvSpPr>
+        <p:spPr>
+          <a:xfrm>
+            <a:off x="3684271" y="4384814"/>
+            <a:ext cx="1784784" cy="369332"/>
+          </a:xfrm>
+          <a:prstGeom prst="rect">
+            <a:avLst/>
+          </a:prstGeom>
+        </p:spPr>
+        <p:txBody>
+          <a:bodyPr wrap="none">
+            <a:spAutoFit/>
+          </a:bodyPr>
+          <a:lstStyle/>
+          <a:p>
+            <a:r>
+              <a:rPr lang="en-US" altLang="zh-CN" b="1" dirty="0" err="1" smtClean="0">
+                <a:solidFill>
+                  <a:schemeClr val="accent1">
+                    <a:lumMod val="75000"/>
+                  </a:schemeClr>
+                </a:solidFill>
+                <a:effectLst/>
+              </a:rPr>
+              <a:t>contentsMargins</a:t>
+            </a:r>
+            <a:endParaRPr lang="zh-CN" altLang="en-US" dirty="0">
+              <a:solidFill>
+                <a:schemeClr val="accent1">
+                  <a:lumMod val="75000"/>
+                </a:schemeClr>
+              </a:solidFill>
+            </a:endParaRPr>
+          </a:p>
+        </p:txBody>
+      </p:sp>
+      <p:sp>
+        <p:nvSpPr>
+          <p:cNvPr id="61" name="矩形 60"/>
+          <p:cNvSpPr/>
+          <p:nvPr/>
+        </p:nvSpPr>
+        <p:spPr>
+          <a:xfrm>
+            <a:off x="5972283" y="5713296"/>
+            <a:ext cx="133350" cy="123825"/>
+          </a:xfrm>
+          <a:prstGeom prst="rect">
+            <a:avLst/>
+          </a:prstGeom>
+          <a:solidFill>
+            <a:schemeClr val="accent2"/>
+          </a:solidFill>
+        </p:spPr>
+        <p:style>
+          <a:lnRef idx="2">
+            <a:schemeClr val="accent1">
+              <a:shade val="50000"/>
+            </a:schemeClr>
+          </a:lnRef>
+          <a:fillRef idx="1">
+            <a:schemeClr val="accent1"/>
+          </a:fillRef>
+          <a:effectRef idx="0">
+            <a:schemeClr val="accent1"/>
+          </a:effectRef>
+          <a:fontRef idx="minor">
+            <a:schemeClr val="lt1"/>
+          </a:fontRef>
+        </p:style>
+        <p:txBody>
+          <a:bodyPr rtlCol="0" anchor="ctr"/>
+          <a:lstStyle/>
+          <a:p>
+            <a:pPr algn="ctr"/>
+            <a:endParaRPr lang="zh-CN" altLang="en-US"/>
+          </a:p>
+        </p:txBody>
+      </p:sp>
+      <p:sp>
+        <p:nvSpPr>
+          <p:cNvPr id="62" name="矩形 61"/>
+          <p:cNvSpPr/>
+          <p:nvPr/>
+        </p:nvSpPr>
+        <p:spPr>
+          <a:xfrm>
+            <a:off x="4936689" y="5877126"/>
+            <a:ext cx="1464568" cy="369332"/>
+          </a:xfrm>
+          <a:prstGeom prst="rect">
+            <a:avLst/>
+          </a:prstGeom>
+        </p:spPr>
+        <p:txBody>
+          <a:bodyPr wrap="none">
+            <a:spAutoFit/>
+          </a:bodyPr>
+          <a:lstStyle/>
+          <a:p>
+            <a:r>
+              <a:rPr lang="en-US" altLang="zh-CN" b="1" dirty="0" err="1" smtClean="0">
+                <a:solidFill>
+                  <a:srgbClr val="D5412A"/>
+                </a:solidFill>
+                <a:effectLst/>
+              </a:rPr>
+              <a:t>OptionAction</a:t>
+            </a:r>
+            <a:endParaRPr lang="zh-CN" altLang="en-US" dirty="0"/>
+          </a:p>
+        </p:txBody>
+      </p:sp>
+      <p:cxnSp>
+        <p:nvCxnSpPr>
+          <p:cNvPr id="63" name="直接箭头连接符 62"/>
+          <p:cNvCxnSpPr>
+            <a:endCxn id="61" idx="2"/>
+          </p:cNvCxnSpPr>
+          <p:nvPr/>
+        </p:nvCxnSpPr>
+        <p:spPr>
+          <a:xfrm flipV="1">
+            <a:off x="5888145" y="5837121"/>
+            <a:ext cx="150813" cy="114043"/>
+          </a:xfrm>
+          <a:prstGeom prst="straightConnector1">
+            <a:avLst/>
+          </a:prstGeom>
+          <a:ln>
+            <a:solidFill>
+              <a:schemeClr val="accent2"/>
+            </a:solidFill>
+            <a:tailEnd type="triangle"/>
+          </a:ln>
+        </p:spPr>
+        <p:style>
+          <a:lnRef idx="1">
+            <a:schemeClr val="accent1"/>
+          </a:lnRef>
+          <a:fillRef idx="0">
+            <a:schemeClr val="accent1"/>
+          </a:fillRef>
+          <a:effectRef idx="0">
+            <a:schemeClr val="accent1"/>
+          </a:effectRef>
+          <a:fontRef idx="minor">
+            <a:schemeClr val="tx1"/>
+          </a:fontRef>
+        </p:style>
+      </p:cxnSp>
+      <p:sp>
+        <p:nvSpPr>
+          <p:cNvPr id="64" name="矩形 63"/>
+          <p:cNvSpPr/>
+          <p:nvPr/>
+        </p:nvSpPr>
+        <p:spPr>
+          <a:xfrm>
+            <a:off x="1333607" y="4915555"/>
+            <a:ext cx="857251" cy="857250"/>
+          </a:xfrm>
+          <a:prstGeom prst="rect">
+            <a:avLst/>
+          </a:prstGeom>
+        </p:spPr>
+        <p:style>
+          <a:lnRef idx="2">
+            <a:schemeClr val="accent1">
+              <a:shade val="50000"/>
+            </a:schemeClr>
+          </a:lnRef>
+          <a:fillRef idx="1">
+            <a:schemeClr val="accent1"/>
+          </a:fillRef>
+          <a:effectRef idx="0">
+            <a:schemeClr val="accent1"/>
+          </a:effectRef>
+          <a:fontRef idx="minor">
+            <a:schemeClr val="lt1"/>
+          </a:fontRef>
+        </p:style>
+        <p:txBody>
+          <a:bodyPr rtlCol="0" anchor="ctr"/>
+          <a:lstStyle/>
+          <a:p>
+            <a:pPr algn="ctr"/>
+            <a:endParaRPr lang="zh-CN" altLang="en-US"/>
+          </a:p>
+        </p:txBody>
+      </p:sp>
+      <p:sp>
+        <p:nvSpPr>
+          <p:cNvPr id="65" name="矩形 64"/>
+          <p:cNvSpPr/>
+          <p:nvPr/>
+        </p:nvSpPr>
+        <p:spPr>
+          <a:xfrm>
+            <a:off x="1389831" y="5848151"/>
+            <a:ext cx="697242" cy="369332"/>
+          </a:xfrm>
+          <a:prstGeom prst="rect">
+            <a:avLst/>
+          </a:prstGeom>
+        </p:spPr>
+        <p:txBody>
+          <a:bodyPr wrap="none">
+            <a:spAutoFit/>
+          </a:bodyPr>
+          <a:lstStyle/>
+          <a:p>
+            <a:r>
+              <a:rPr lang="en-US" altLang="zh-CN" b="1" dirty="0" smtClean="0">
+                <a:solidFill>
+                  <a:srgbClr val="048138"/>
+                </a:solidFill>
+                <a:effectLst/>
+              </a:rPr>
+              <a:t>Large</a:t>
+            </a:r>
+            <a:endParaRPr lang="zh-CN" altLang="en-US" dirty="0"/>
+          </a:p>
+        </p:txBody>
+      </p:sp>
+      <p:sp>
+        <p:nvSpPr>
+          <p:cNvPr id="66" name="矩形 65"/>
+          <p:cNvSpPr/>
+          <p:nvPr/>
+        </p:nvSpPr>
+        <p:spPr>
+          <a:xfrm>
+            <a:off x="2286108" y="4915555"/>
+            <a:ext cx="1143000" cy="381000"/>
+          </a:xfrm>
+          <a:prstGeom prst="rect">
+            <a:avLst/>
+          </a:prstGeom>
+        </p:spPr>
+        <p:style>
+          <a:lnRef idx="2">
+            <a:schemeClr val="accent1">
+              <a:shade val="50000"/>
+            </a:schemeClr>
+          </a:lnRef>
+          <a:fillRef idx="1">
+            <a:schemeClr val="accent1"/>
+          </a:fillRef>
+          <a:effectRef idx="0">
+            <a:schemeClr val="accent1"/>
+          </a:effectRef>
+          <a:fontRef idx="minor">
+            <a:schemeClr val="lt1"/>
+          </a:fontRef>
+        </p:style>
+        <p:txBody>
+          <a:bodyPr rtlCol="0" anchor="ctr"/>
+          <a:lstStyle/>
+          <a:p>
+            <a:pPr algn="ctr"/>
+            <a:endParaRPr lang="zh-CN" altLang="en-US"/>
+          </a:p>
+        </p:txBody>
+      </p:sp>
+      <p:sp>
+        <p:nvSpPr>
+          <p:cNvPr id="67" name="矩形 66"/>
+          <p:cNvSpPr/>
+          <p:nvPr/>
+        </p:nvSpPr>
+        <p:spPr>
+          <a:xfrm>
+            <a:off x="2286108" y="5391805"/>
+            <a:ext cx="1143000" cy="381000"/>
+          </a:xfrm>
+          <a:prstGeom prst="rect">
+            <a:avLst/>
+          </a:prstGeom>
+        </p:spPr>
+        <p:style>
+          <a:lnRef idx="2">
+            <a:schemeClr val="accent1">
+              <a:shade val="50000"/>
+            </a:schemeClr>
+          </a:lnRef>
+          <a:fillRef idx="1">
+            <a:schemeClr val="accent1"/>
+          </a:fillRef>
+          <a:effectRef idx="0">
+            <a:schemeClr val="accent1"/>
+          </a:effectRef>
+          <a:fontRef idx="minor">
+            <a:schemeClr val="lt1"/>
+          </a:fontRef>
+        </p:style>
+        <p:txBody>
+          <a:bodyPr rtlCol="0" anchor="ctr"/>
+          <a:lstStyle/>
+          <a:p>
+            <a:pPr algn="ctr"/>
+            <a:endParaRPr lang="zh-CN" altLang="en-US"/>
+          </a:p>
+        </p:txBody>
+      </p:sp>
+      <p:sp>
+        <p:nvSpPr>
+          <p:cNvPr id="69" name="矩形 68"/>
+          <p:cNvSpPr/>
+          <p:nvPr/>
+        </p:nvSpPr>
+        <p:spPr>
+          <a:xfrm>
+            <a:off x="2520159" y="5848151"/>
+            <a:ext cx="707245" cy="369332"/>
+          </a:xfrm>
+          <a:prstGeom prst="rect">
+            <a:avLst/>
+          </a:prstGeom>
+        </p:spPr>
+        <p:txBody>
+          <a:bodyPr wrap="none">
+            <a:spAutoFit/>
+          </a:bodyPr>
+          <a:lstStyle/>
+          <a:p>
+            <a:r>
+              <a:rPr lang="en-US" altLang="zh-CN" b="1" dirty="0" smtClean="0">
+                <a:solidFill>
+                  <a:srgbClr val="048138"/>
+                </a:solidFill>
+                <a:effectLst/>
+              </a:rPr>
+              <a:t>Small</a:t>
+            </a:r>
+            <a:endParaRPr lang="zh-CN" altLang="en-US" dirty="0"/>
+          </a:p>
+        </p:txBody>
+      </p:sp>
+      <p:sp>
+        <p:nvSpPr>
+          <p:cNvPr id="70" name="矩形 69"/>
+          <p:cNvSpPr/>
+          <p:nvPr/>
+        </p:nvSpPr>
+        <p:spPr>
+          <a:xfrm>
+            <a:off x="3510070" y="4925082"/>
+            <a:ext cx="1143000" cy="381000"/>
+          </a:xfrm>
+          <a:prstGeom prst="rect">
+            <a:avLst/>
+          </a:prstGeom>
+        </p:spPr>
+        <p:style>
+          <a:lnRef idx="2">
+            <a:schemeClr val="accent1">
+              <a:shade val="50000"/>
+            </a:schemeClr>
+          </a:lnRef>
+          <a:fillRef idx="1">
+            <a:schemeClr val="accent1"/>
+          </a:fillRef>
+          <a:effectRef idx="0">
+            <a:schemeClr val="accent1"/>
+          </a:effectRef>
+          <a:fontRef idx="minor">
+            <a:schemeClr val="lt1"/>
+          </a:fontRef>
+        </p:style>
+        <p:txBody>
+          <a:bodyPr rtlCol="0" anchor="ctr"/>
+          <a:lstStyle/>
+          <a:p>
+            <a:pPr algn="ctr"/>
+            <a:endParaRPr lang="zh-CN" altLang="en-US"/>
+          </a:p>
+        </p:txBody>
+      </p:sp>
+      <p:sp>
+        <p:nvSpPr>
+          <p:cNvPr id="71" name="矩形 70"/>
+          <p:cNvSpPr/>
+          <p:nvPr/>
+        </p:nvSpPr>
+        <p:spPr>
+          <a:xfrm>
+            <a:off x="3524358" y="5379933"/>
+            <a:ext cx="1143000" cy="381000"/>
+          </a:xfrm>
+          <a:prstGeom prst="rect">
+            <a:avLst/>
+          </a:prstGeom>
+        </p:spPr>
+        <p:style>
+          <a:lnRef idx="2">
+            <a:schemeClr val="accent1">
+              <a:shade val="50000"/>
+            </a:schemeClr>
+          </a:lnRef>
+          <a:fillRef idx="1">
+            <a:schemeClr val="accent1"/>
+          </a:fillRef>
+          <a:effectRef idx="0">
+            <a:schemeClr val="accent1"/>
+          </a:effectRef>
+          <a:fontRef idx="minor">
+            <a:schemeClr val="lt1"/>
+          </a:fontRef>
+        </p:style>
+        <p:txBody>
+          <a:bodyPr rtlCol="0" anchor="ctr"/>
+          <a:lstStyle/>
+          <a:p>
+            <a:pPr algn="ctr"/>
+            <a:endParaRPr lang="zh-CN" altLang="en-US"/>
+          </a:p>
+        </p:txBody>
+      </p:sp>
+      <p:sp>
+        <p:nvSpPr>
+          <p:cNvPr id="72" name="矩形 71"/>
+          <p:cNvSpPr/>
+          <p:nvPr/>
+        </p:nvSpPr>
+        <p:spPr>
+          <a:xfrm>
+            <a:off x="3660491" y="5848151"/>
+            <a:ext cx="992579" cy="369332"/>
+          </a:xfrm>
+          <a:prstGeom prst="rect">
+            <a:avLst/>
+          </a:prstGeom>
+        </p:spPr>
+        <p:txBody>
+          <a:bodyPr wrap="none">
+            <a:spAutoFit/>
+          </a:bodyPr>
+          <a:lstStyle/>
+          <a:p>
+            <a:r>
+              <a:rPr lang="en-US" altLang="zh-CN" b="1" dirty="0" smtClean="0">
+                <a:solidFill>
+                  <a:srgbClr val="048138"/>
+                </a:solidFill>
+                <a:effectLst/>
+              </a:rPr>
+              <a:t>Medium</a:t>
+            </a:r>
+            <a:endParaRPr lang="zh-CN" altLang="en-US" dirty="0"/>
+          </a:p>
+        </p:txBody>
+      </p:sp>
+      <p:cxnSp>
+        <p:nvCxnSpPr>
+          <p:cNvPr id="73" name="直接箭头连接符 72"/>
+          <p:cNvCxnSpPr>
+            <a:stCxn id="74" idx="2"/>
+          </p:cNvCxnSpPr>
+          <p:nvPr/>
+        </p:nvCxnSpPr>
+        <p:spPr>
+          <a:xfrm flipH="1">
+            <a:off x="2228958" y="4629805"/>
+            <a:ext cx="478727" cy="476250"/>
+          </a:xfrm>
+          <a:prstGeom prst="straightConnector1">
+            <a:avLst/>
+          </a:prstGeom>
+          <a:ln>
+            <a:solidFill>
+              <a:schemeClr val="tx1"/>
+            </a:solidFill>
+            <a:tailEnd type="triangle"/>
+          </a:ln>
+        </p:spPr>
+        <p:style>
+          <a:lnRef idx="1">
+            <a:schemeClr val="accent1"/>
+          </a:lnRef>
+          <a:fillRef idx="0">
+            <a:schemeClr val="accent1"/>
+          </a:fillRef>
+          <a:effectRef idx="0">
+            <a:schemeClr val="accent1"/>
+          </a:effectRef>
+          <a:fontRef idx="minor">
+            <a:schemeClr val="tx1"/>
+          </a:fontRef>
+        </p:style>
+      </p:cxnSp>
+      <p:sp>
+        <p:nvSpPr>
+          <p:cNvPr id="74" name="矩形 73"/>
+          <p:cNvSpPr/>
+          <p:nvPr/>
+        </p:nvSpPr>
+        <p:spPr>
+          <a:xfrm>
+            <a:off x="2263492" y="4260473"/>
+            <a:ext cx="888385" cy="369332"/>
+          </a:xfrm>
+          <a:prstGeom prst="rect">
+            <a:avLst/>
+          </a:prstGeom>
+        </p:spPr>
+        <p:txBody>
+          <a:bodyPr wrap="none">
+            <a:spAutoFit/>
+          </a:bodyPr>
+          <a:lstStyle/>
+          <a:p>
+            <a:r>
+              <a:rPr lang="en-US" altLang="zh-CN" dirty="0" smtClean="0">
+                <a:solidFill>
+                  <a:srgbClr val="000000"/>
+                </a:solidFill>
+                <a:effectLst/>
+              </a:rPr>
+              <a:t>spacing</a:t>
+            </a:r>
+            <a:endParaRPr lang="zh-CN" altLang="en-US" dirty="0"/>
+          </a:p>
+        </p:txBody>
+      </p:sp>
+      <p:cxnSp>
+        <p:nvCxnSpPr>
+          <p:cNvPr id="75" name="直接箭头连接符 74"/>
+          <p:cNvCxnSpPr>
+            <a:stCxn id="74" idx="2"/>
+          </p:cNvCxnSpPr>
+          <p:nvPr/>
+        </p:nvCxnSpPr>
+        <p:spPr>
+          <a:xfrm>
+            <a:off x="2707685" y="4629805"/>
+            <a:ext cx="13400" cy="729178"/>
+          </a:xfrm>
+          <a:prstGeom prst="straightConnector1">
+            <a:avLst/>
+          </a:prstGeom>
+          <a:ln>
+            <a:solidFill>
+              <a:schemeClr val="tx1"/>
+            </a:solidFill>
+            <a:tailEnd type="triangle"/>
+          </a:ln>
+        </p:spPr>
+        <p:style>
+          <a:lnRef idx="1">
+            <a:schemeClr val="accent1"/>
+          </a:lnRef>
+          <a:fillRef idx="0">
+            <a:schemeClr val="accent1"/>
+          </a:fillRef>
+          <a:effectRef idx="0">
+            <a:schemeClr val="accent1"/>
+          </a:effectRef>
+          <a:fontRef idx="minor">
+            <a:schemeClr val="tx1"/>
+          </a:fontRef>
+        </p:style>
+      </p:cxnSp>
+      <p:cxnSp>
+        <p:nvCxnSpPr>
+          <p:cNvPr id="76" name="直接箭头连接符 75"/>
+          <p:cNvCxnSpPr>
+            <a:stCxn id="74" idx="2"/>
+          </p:cNvCxnSpPr>
+          <p:nvPr/>
+        </p:nvCxnSpPr>
+        <p:spPr>
+          <a:xfrm>
+            <a:off x="2707685" y="4629805"/>
+            <a:ext cx="766490" cy="542389"/>
+          </a:xfrm>
+          <a:prstGeom prst="straightConnector1">
+            <a:avLst/>
+          </a:prstGeom>
+          <a:ln>
+            <a:solidFill>
+              <a:schemeClr val="tx1"/>
+            </a:solidFill>
+            <a:tailEnd type="triangle"/>
+          </a:ln>
+        </p:spPr>
+        <p:style>
+          <a:lnRef idx="1">
+            <a:schemeClr val="accent1"/>
+          </a:lnRef>
+          <a:fillRef idx="0">
+            <a:schemeClr val="accent1"/>
+          </a:fillRef>
+          <a:effectRef idx="0">
+            <a:schemeClr val="accent1"/>
+          </a:effectRef>
+          <a:fontRef idx="minor">
+            <a:schemeClr val="tx1"/>
+          </a:fontRef>
+        </p:style>
+      </p:cxnSp>
+      <p:sp>
+        <p:nvSpPr>
+          <p:cNvPr id="77" name="文本框 76"/>
+          <p:cNvSpPr txBox="1"/>
+          <p:nvPr/>
+        </p:nvSpPr>
+        <p:spPr>
+          <a:xfrm>
+            <a:off x="2485881" y="4025759"/>
+            <a:ext cx="2468368" cy="369332"/>
+          </a:xfrm>
+          <a:prstGeom prst="rect">
+            <a:avLst/>
+          </a:prstGeom>
+        </p:spPr>
+        <p:txBody>
+          <a:bodyPr wrap="none">
+            <a:spAutoFit/>
+          </a:bodyPr>
+          <a:lstStyle>
+            <a:defPPr>
+              <a:defRPr lang="zh-CN"/>
+            </a:defPPr>
+            <a:lvl1pPr>
+              <a:defRPr b="1">
+                <a:solidFill>
+                  <a:srgbClr val="D5412A"/>
+                </a:solidFill>
+                <a:effectLst/>
+              </a:defRPr>
+            </a:lvl1pPr>
+          </a:lstStyle>
+          <a:p>
+            <a:r>
+              <a:rPr lang="en-US" altLang="zh-CN" dirty="0" err="1" smtClean="0">
+                <a:solidFill>
+                  <a:srgbClr val="C00000"/>
+                </a:solidFill>
+              </a:rPr>
+              <a:t>SARibbonPannel</a:t>
+            </a:r>
+            <a:r>
+              <a:rPr lang="en-US" altLang="zh-CN" dirty="0" smtClean="0">
+                <a:solidFill>
+                  <a:srgbClr val="C00000"/>
+                </a:solidFill>
+              </a:rPr>
+              <a:t> : </a:t>
+            </a:r>
+            <a:r>
+              <a:rPr lang="en-US" altLang="zh-CN" dirty="0" err="1" smtClean="0">
+                <a:solidFill>
+                  <a:srgbClr val="C00000"/>
+                </a:solidFill>
+              </a:rPr>
+              <a:t>2Row</a:t>
+            </a:r>
+            <a:endParaRPr lang="zh-CN" altLang="en-US" dirty="0">
+              <a:solidFill>
+                <a:srgbClr val="C00000"/>
+              </a:solidFill>
+            </a:endParaRPr>
+          </a:p>
+        </p:txBody>
+      </p:sp>
+      <p:sp>
+        <p:nvSpPr>
+          <p:cNvPr id="80" name="文本框 79"/>
+          <p:cNvSpPr txBox="1"/>
+          <p:nvPr/>
+        </p:nvSpPr>
+        <p:spPr>
+          <a:xfrm>
+            <a:off x="7184581" y="1321113"/>
+            <a:ext cx="4729980" cy="369332"/>
+          </a:xfrm>
+          <a:prstGeom prst="rect">
+            <a:avLst/>
+          </a:prstGeom>
+          <a:noFill/>
+        </p:spPr>
+        <p:txBody>
+          <a:bodyPr wrap="square" rtlCol="0">
+            <a:spAutoFit/>
+          </a:bodyPr>
+          <a:lstStyle/>
+          <a:p>
+            <a:r>
+              <a:rPr lang="en-US" altLang="zh-CN" dirty="0" smtClean="0">
+                <a:latin typeface="微软雅黑" panose="020B0503020204020204" pitchFamily="34" charset="-122"/>
+                <a:ea typeface="微软雅黑" panose="020B0503020204020204" pitchFamily="34" charset="-122"/>
+              </a:rPr>
+              <a:t>3</a:t>
+            </a:r>
+            <a:r>
+              <a:rPr lang="zh-CN" altLang="en-US" dirty="0" smtClean="0">
+                <a:latin typeface="微软雅黑" panose="020B0503020204020204" pitchFamily="34" charset="-122"/>
+                <a:ea typeface="微软雅黑" panose="020B0503020204020204" pitchFamily="34" charset="-122"/>
+              </a:rPr>
+              <a:t>行模式下，</a:t>
+            </a:r>
+            <a:r>
+              <a:rPr lang="en-US" altLang="zh-CN" dirty="0" smtClean="0">
+                <a:latin typeface="微软雅黑" panose="020B0503020204020204" pitchFamily="34" charset="-122"/>
+                <a:ea typeface="微软雅黑" panose="020B0503020204020204" pitchFamily="34" charset="-122"/>
+              </a:rPr>
+              <a:t>Medium</a:t>
+            </a:r>
+            <a:r>
+              <a:rPr lang="zh-CN" altLang="en-US" dirty="0" smtClean="0">
+                <a:latin typeface="微软雅黑" panose="020B0503020204020204" pitchFamily="34" charset="-122"/>
+                <a:ea typeface="微软雅黑" panose="020B0503020204020204" pitchFamily="34" charset="-122"/>
+              </a:rPr>
+              <a:t>占两行</a:t>
+            </a:r>
+            <a:r>
+              <a:rPr lang="zh-CN" altLang="en-US" dirty="0">
+                <a:latin typeface="微软雅黑" panose="020B0503020204020204" pitchFamily="34" charset="-122"/>
+                <a:ea typeface="微软雅黑" panose="020B0503020204020204" pitchFamily="34" charset="-122"/>
+              </a:rPr>
+              <a:t>，</a:t>
+            </a:r>
+            <a:r>
+              <a:rPr lang="en-US" altLang="zh-CN" dirty="0" smtClean="0">
+                <a:latin typeface="微软雅黑" panose="020B0503020204020204" pitchFamily="34" charset="-122"/>
+                <a:ea typeface="微软雅黑" panose="020B0503020204020204" pitchFamily="34" charset="-122"/>
+              </a:rPr>
+              <a:t>Office</a:t>
+            </a:r>
+            <a:r>
+              <a:rPr lang="zh-CN" altLang="en-US" dirty="0" smtClean="0">
+                <a:latin typeface="微软雅黑" panose="020B0503020204020204" pitchFamily="34" charset="-122"/>
+                <a:ea typeface="微软雅黑" panose="020B0503020204020204" pitchFamily="34" charset="-122"/>
+              </a:rPr>
+              <a:t>示例</a:t>
+            </a:r>
+            <a:endParaRPr lang="zh-CN" altLang="en-US" dirty="0">
+              <a:latin typeface="微软雅黑" panose="020B0503020204020204" pitchFamily="34" charset="-122"/>
+              <a:ea typeface="微软雅黑" panose="020B0503020204020204" pitchFamily="34" charset="-122"/>
+            </a:endParaRPr>
+          </a:p>
+        </p:txBody>
+      </p:sp>
+      <p:sp>
+        <p:nvSpPr>
+          <p:cNvPr id="81" name="文本框 80"/>
+          <p:cNvSpPr txBox="1"/>
+          <p:nvPr/>
+        </p:nvSpPr>
+        <p:spPr>
+          <a:xfrm>
+            <a:off x="6945079" y="4019725"/>
+            <a:ext cx="4975733" cy="646331"/>
+          </a:xfrm>
+          <a:prstGeom prst="rect">
+            <a:avLst/>
+          </a:prstGeom>
+          <a:noFill/>
+        </p:spPr>
+        <p:txBody>
+          <a:bodyPr wrap="square" rtlCol="0">
+            <a:spAutoFit/>
+          </a:bodyPr>
+          <a:lstStyle/>
+          <a:p>
+            <a:r>
+              <a:rPr lang="en-US" altLang="zh-CN" dirty="0" smtClean="0">
+                <a:latin typeface="微软雅黑" panose="020B0503020204020204" pitchFamily="34" charset="-122"/>
+                <a:ea typeface="微软雅黑" panose="020B0503020204020204" pitchFamily="34" charset="-122"/>
+              </a:rPr>
+              <a:t>2</a:t>
+            </a:r>
+            <a:r>
+              <a:rPr lang="zh-CN" altLang="en-US" dirty="0" smtClean="0">
+                <a:latin typeface="微软雅黑" panose="020B0503020204020204" pitchFamily="34" charset="-122"/>
+                <a:ea typeface="微软雅黑" panose="020B0503020204020204" pitchFamily="34" charset="-122"/>
+              </a:rPr>
+              <a:t>行模式下，</a:t>
+            </a:r>
+            <a:r>
+              <a:rPr lang="en-US" altLang="zh-CN" dirty="0" smtClean="0">
+                <a:latin typeface="微软雅黑" panose="020B0503020204020204" pitchFamily="34" charset="-122"/>
+                <a:ea typeface="微软雅黑" panose="020B0503020204020204" pitchFamily="34" charset="-122"/>
+              </a:rPr>
+              <a:t>Medium</a:t>
+            </a:r>
+            <a:r>
+              <a:rPr lang="zh-CN" altLang="en-US" dirty="0" smtClean="0">
+                <a:latin typeface="微软雅黑" panose="020B0503020204020204" pitchFamily="34" charset="-122"/>
+                <a:ea typeface="微软雅黑" panose="020B0503020204020204" pitchFamily="34" charset="-122"/>
+              </a:rPr>
+              <a:t>和</a:t>
+            </a:r>
+            <a:r>
+              <a:rPr lang="en-US" altLang="zh-CN" dirty="0" smtClean="0">
+                <a:latin typeface="微软雅黑" panose="020B0503020204020204" pitchFamily="34" charset="-122"/>
+                <a:ea typeface="微软雅黑" panose="020B0503020204020204" pitchFamily="34" charset="-122"/>
+              </a:rPr>
+              <a:t>Small</a:t>
+            </a:r>
+            <a:r>
+              <a:rPr lang="zh-CN" altLang="en-US" dirty="0" smtClean="0">
+                <a:latin typeface="微软雅黑" panose="020B0503020204020204" pitchFamily="34" charset="-122"/>
+                <a:ea typeface="微软雅黑" panose="020B0503020204020204" pitchFamily="34" charset="-122"/>
+              </a:rPr>
+              <a:t>一样，不做区分</a:t>
+            </a:r>
+            <a:endParaRPr lang="en-US" altLang="zh-CN" dirty="0" smtClean="0">
+              <a:latin typeface="微软雅黑" panose="020B0503020204020204" pitchFamily="34" charset="-122"/>
+              <a:ea typeface="微软雅黑" panose="020B0503020204020204" pitchFamily="34" charset="-122"/>
+            </a:endParaRPr>
+          </a:p>
+          <a:p>
+            <a:r>
+              <a:rPr lang="en-US" altLang="zh-CN" dirty="0" smtClean="0">
+                <a:latin typeface="微软雅黑" panose="020B0503020204020204" pitchFamily="34" charset="-122"/>
+                <a:ea typeface="微软雅黑" panose="020B0503020204020204" pitchFamily="34" charset="-122"/>
+              </a:rPr>
+              <a:t>WPS</a:t>
+            </a:r>
+            <a:r>
+              <a:rPr lang="zh-CN" altLang="en-US" dirty="0" smtClean="0">
+                <a:latin typeface="微软雅黑" panose="020B0503020204020204" pitchFamily="34" charset="-122"/>
+                <a:ea typeface="微软雅黑" panose="020B0503020204020204" pitchFamily="34" charset="-122"/>
+              </a:rPr>
+              <a:t>示例</a:t>
+            </a:r>
+            <a:endParaRPr lang="zh-CN" altLang="en-US" dirty="0">
+              <a:latin typeface="微软雅黑" panose="020B0503020204020204" pitchFamily="34" charset="-122"/>
+              <a:ea typeface="微软雅黑" panose="020B0503020204020204" pitchFamily="34" charset="-122"/>
+            </a:endParaRPr>
+          </a:p>
+        </p:txBody>
+      </p:sp>
+      <p:pic>
+        <p:nvPicPr>
+          <p:cNvPr id="82" name="图片 81"/>
+          <p:cNvPicPr>
+            <a:picLocks noChangeAspect="1"/>
+          </p:cNvPicPr>
+          <p:nvPr/>
+        </p:nvPicPr>
+        <p:blipFill>
+          <a:blip r:embed="rId1"/>
+          <a:stretch>
+            <a:fillRect/>
+          </a:stretch>
+        </p:blipFill>
+        <p:spPr>
+          <a:xfrm>
+            <a:off x="7184581" y="1811380"/>
+            <a:ext cx="4457143" cy="1142857"/>
+          </a:xfrm>
+          <a:prstGeom prst="rect">
+            <a:avLst/>
+          </a:prstGeom>
+        </p:spPr>
+      </p:pic>
+      <p:sp>
+        <p:nvSpPr>
+          <p:cNvPr id="83" name="矩形 82"/>
+          <p:cNvSpPr/>
+          <p:nvPr/>
+        </p:nvSpPr>
+        <p:spPr>
+          <a:xfrm>
+            <a:off x="7003474" y="2975351"/>
+            <a:ext cx="697242" cy="369332"/>
+          </a:xfrm>
+          <a:prstGeom prst="rect">
+            <a:avLst/>
+          </a:prstGeom>
+        </p:spPr>
+        <p:txBody>
+          <a:bodyPr wrap="none">
+            <a:spAutoFit/>
+          </a:bodyPr>
+          <a:lstStyle/>
+          <a:p>
+            <a:r>
+              <a:rPr lang="en-US" altLang="zh-CN" b="1" dirty="0" smtClean="0">
+                <a:solidFill>
+                  <a:srgbClr val="048138"/>
+                </a:solidFill>
+                <a:effectLst/>
+              </a:rPr>
+              <a:t>Large</a:t>
+            </a:r>
+            <a:endParaRPr lang="zh-CN" altLang="en-US" dirty="0"/>
+          </a:p>
+        </p:txBody>
+      </p:sp>
+      <p:sp>
+        <p:nvSpPr>
+          <p:cNvPr id="84" name="矩形 83"/>
+          <p:cNvSpPr/>
+          <p:nvPr/>
+        </p:nvSpPr>
+        <p:spPr>
+          <a:xfrm>
+            <a:off x="8783146" y="3011241"/>
+            <a:ext cx="707245" cy="369332"/>
+          </a:xfrm>
+          <a:prstGeom prst="rect">
+            <a:avLst/>
+          </a:prstGeom>
+        </p:spPr>
+        <p:txBody>
+          <a:bodyPr wrap="none">
+            <a:spAutoFit/>
+          </a:bodyPr>
+          <a:lstStyle/>
+          <a:p>
+            <a:r>
+              <a:rPr lang="en-US" altLang="zh-CN" b="1" dirty="0" smtClean="0">
+                <a:solidFill>
+                  <a:srgbClr val="048138"/>
+                </a:solidFill>
+                <a:effectLst/>
+              </a:rPr>
+              <a:t>Small</a:t>
+            </a:r>
+            <a:endParaRPr lang="zh-CN" altLang="en-US" dirty="0"/>
+          </a:p>
+        </p:txBody>
+      </p:sp>
+      <p:sp>
+        <p:nvSpPr>
+          <p:cNvPr id="85" name="矩形 84"/>
+          <p:cNvSpPr/>
+          <p:nvPr/>
+        </p:nvSpPr>
+        <p:spPr>
+          <a:xfrm>
+            <a:off x="9840030" y="3011241"/>
+            <a:ext cx="992579" cy="369332"/>
+          </a:xfrm>
+          <a:prstGeom prst="rect">
+            <a:avLst/>
+          </a:prstGeom>
+        </p:spPr>
+        <p:txBody>
+          <a:bodyPr wrap="none">
+            <a:spAutoFit/>
+          </a:bodyPr>
+          <a:lstStyle/>
+          <a:p>
+            <a:r>
+              <a:rPr lang="en-US" altLang="zh-CN" b="1" dirty="0" smtClean="0">
+                <a:solidFill>
+                  <a:srgbClr val="048138"/>
+                </a:solidFill>
+                <a:effectLst/>
+              </a:rPr>
+              <a:t>Medium</a:t>
+            </a:r>
+            <a:endParaRPr lang="zh-CN" altLang="en-US" dirty="0"/>
+          </a:p>
+        </p:txBody>
+      </p:sp>
+      <p:sp>
+        <p:nvSpPr>
+          <p:cNvPr id="86" name="文本框 85"/>
+          <p:cNvSpPr txBox="1"/>
+          <p:nvPr/>
+        </p:nvSpPr>
+        <p:spPr>
+          <a:xfrm>
+            <a:off x="1316047" y="2753189"/>
+            <a:ext cx="4428333" cy="236652"/>
+          </a:xfrm>
+          <a:prstGeom prst="rect">
+            <a:avLst/>
+          </a:prstGeom>
+          <a:noFill/>
+          <a:ln>
+            <a:solidFill>
+              <a:schemeClr val="bg1">
+                <a:lumMod val="50000"/>
+              </a:schemeClr>
+            </a:solidFill>
+            <a:prstDash val="dash"/>
+          </a:ln>
+        </p:spPr>
+        <p:txBody>
+          <a:bodyPr wrap="square" lIns="0" tIns="0" rIns="0" bIns="0" rtlCol="0">
+            <a:noAutofit/>
+          </a:bodyPr>
+          <a:lstStyle/>
+          <a:p>
+            <a:pPr algn="ctr"/>
+            <a:r>
+              <a:rPr lang="en-US" altLang="zh-CN" sz="1400" dirty="0" err="1" smtClean="0"/>
+              <a:t>Pannel</a:t>
+            </a:r>
+            <a:r>
+              <a:rPr lang="en-US" altLang="zh-CN" sz="1400" dirty="0" smtClean="0"/>
+              <a:t> Title</a:t>
+            </a:r>
+            <a:endParaRPr lang="zh-CN" altLang="en-US" sz="1400" dirty="0"/>
+          </a:p>
+        </p:txBody>
+      </p:sp>
+      <p:cxnSp>
+        <p:nvCxnSpPr>
+          <p:cNvPr id="88" name="直接箭头连接符 87"/>
+          <p:cNvCxnSpPr>
+            <a:stCxn id="83" idx="0"/>
+          </p:cNvCxnSpPr>
+          <p:nvPr/>
+        </p:nvCxnSpPr>
+        <p:spPr>
+          <a:xfrm flipV="1">
+            <a:off x="7352095" y="2727661"/>
+            <a:ext cx="0" cy="247690"/>
+          </a:xfrm>
+          <a:prstGeom prst="straightConnector1">
+            <a:avLst/>
+          </a:prstGeom>
+          <a:ln>
+            <a:solidFill>
+              <a:srgbClr val="00B050"/>
+            </a:solidFill>
+            <a:tailEnd type="triangle"/>
+          </a:ln>
+        </p:spPr>
+        <p:style>
+          <a:lnRef idx="1">
+            <a:schemeClr val="accent1"/>
+          </a:lnRef>
+          <a:fillRef idx="0">
+            <a:schemeClr val="accent1"/>
+          </a:fillRef>
+          <a:effectRef idx="0">
+            <a:schemeClr val="accent1"/>
+          </a:effectRef>
+          <a:fontRef idx="minor">
+            <a:schemeClr val="tx1"/>
+          </a:fontRef>
+        </p:style>
+      </p:cxnSp>
+      <p:sp>
+        <p:nvSpPr>
+          <p:cNvPr id="90" name="矩形 89"/>
+          <p:cNvSpPr/>
+          <p:nvPr/>
+        </p:nvSpPr>
+        <p:spPr>
+          <a:xfrm>
+            <a:off x="8783146" y="2053251"/>
+            <a:ext cx="648565" cy="674410"/>
+          </a:xfrm>
+          <a:prstGeom prst="rect">
+            <a:avLst/>
+          </a:prstGeom>
+          <a:noFill/>
+          <a:ln>
+            <a:solidFill>
+              <a:srgbClr val="00B050"/>
+            </a:solidFill>
+          </a:ln>
+        </p:spPr>
+        <p:style>
+          <a:lnRef idx="2">
+            <a:schemeClr val="accent1">
+              <a:shade val="50000"/>
+            </a:schemeClr>
+          </a:lnRef>
+          <a:fillRef idx="1">
+            <a:schemeClr val="accent1"/>
+          </a:fillRef>
+          <a:effectRef idx="0">
+            <a:schemeClr val="accent1"/>
+          </a:effectRef>
+          <a:fontRef idx="minor">
+            <a:schemeClr val="lt1"/>
+          </a:fontRef>
+        </p:style>
+        <p:txBody>
+          <a:bodyPr rtlCol="0" anchor="ctr"/>
+          <a:lstStyle/>
+          <a:p>
+            <a:pPr algn="ctr"/>
+            <a:endParaRPr lang="zh-CN" altLang="en-US"/>
+          </a:p>
+        </p:txBody>
+      </p:sp>
+      <p:cxnSp>
+        <p:nvCxnSpPr>
+          <p:cNvPr id="92" name="直接箭头连接符 91"/>
+          <p:cNvCxnSpPr>
+            <a:stCxn id="84" idx="0"/>
+          </p:cNvCxnSpPr>
+          <p:nvPr/>
+        </p:nvCxnSpPr>
+        <p:spPr>
+          <a:xfrm flipH="1" flipV="1">
+            <a:off x="9126911" y="2727661"/>
+            <a:ext cx="9858" cy="283580"/>
+          </a:xfrm>
+          <a:prstGeom prst="straightConnector1">
+            <a:avLst/>
+          </a:prstGeom>
+          <a:ln>
+            <a:solidFill>
+              <a:srgbClr val="00B050"/>
+            </a:solidFill>
+            <a:tailEnd type="triangle"/>
+          </a:ln>
+        </p:spPr>
+        <p:style>
+          <a:lnRef idx="1">
+            <a:schemeClr val="accent1"/>
+          </a:lnRef>
+          <a:fillRef idx="0">
+            <a:schemeClr val="accent1"/>
+          </a:fillRef>
+          <a:effectRef idx="0">
+            <a:schemeClr val="accent1"/>
+          </a:effectRef>
+          <a:fontRef idx="minor">
+            <a:schemeClr val="tx1"/>
+          </a:fontRef>
+        </p:style>
+      </p:cxnSp>
+      <p:sp>
+        <p:nvSpPr>
+          <p:cNvPr id="93" name="矩形 92"/>
+          <p:cNvSpPr/>
+          <p:nvPr/>
+        </p:nvSpPr>
+        <p:spPr>
+          <a:xfrm>
+            <a:off x="9490391" y="2116751"/>
+            <a:ext cx="2084445" cy="285750"/>
+          </a:xfrm>
+          <a:prstGeom prst="rect">
+            <a:avLst/>
+          </a:prstGeom>
+          <a:noFill/>
+          <a:ln>
+            <a:solidFill>
+              <a:srgbClr val="00B050"/>
+            </a:solidFill>
+          </a:ln>
+        </p:spPr>
+        <p:style>
+          <a:lnRef idx="2">
+            <a:schemeClr val="accent1">
+              <a:shade val="50000"/>
+            </a:schemeClr>
+          </a:lnRef>
+          <a:fillRef idx="1">
+            <a:schemeClr val="accent1"/>
+          </a:fillRef>
+          <a:effectRef idx="0">
+            <a:schemeClr val="accent1"/>
+          </a:effectRef>
+          <a:fontRef idx="minor">
+            <a:schemeClr val="lt1"/>
+          </a:fontRef>
+        </p:style>
+        <p:txBody>
+          <a:bodyPr rtlCol="0" anchor="ctr"/>
+          <a:lstStyle/>
+          <a:p>
+            <a:pPr algn="ctr"/>
+            <a:endParaRPr lang="zh-CN" altLang="en-US"/>
+          </a:p>
+        </p:txBody>
+      </p:sp>
+      <p:sp>
+        <p:nvSpPr>
+          <p:cNvPr id="94" name="矩形 93"/>
+          <p:cNvSpPr/>
+          <p:nvPr/>
+        </p:nvSpPr>
+        <p:spPr>
+          <a:xfrm>
+            <a:off x="9490391" y="2441172"/>
+            <a:ext cx="2084445" cy="285750"/>
+          </a:xfrm>
+          <a:prstGeom prst="rect">
+            <a:avLst/>
+          </a:prstGeom>
+          <a:noFill/>
+          <a:ln>
+            <a:solidFill>
+              <a:srgbClr val="00B050"/>
+            </a:solidFill>
+          </a:ln>
+        </p:spPr>
+        <p:style>
+          <a:lnRef idx="2">
+            <a:schemeClr val="accent1">
+              <a:shade val="50000"/>
+            </a:schemeClr>
+          </a:lnRef>
+          <a:fillRef idx="1">
+            <a:schemeClr val="accent1"/>
+          </a:fillRef>
+          <a:effectRef idx="0">
+            <a:schemeClr val="accent1"/>
+          </a:effectRef>
+          <a:fontRef idx="minor">
+            <a:schemeClr val="lt1"/>
+          </a:fontRef>
+        </p:style>
+        <p:txBody>
+          <a:bodyPr rtlCol="0" anchor="ctr"/>
+          <a:lstStyle/>
+          <a:p>
+            <a:pPr algn="ctr"/>
+            <a:endParaRPr lang="zh-CN" altLang="en-US"/>
+          </a:p>
+        </p:txBody>
+      </p:sp>
+      <p:cxnSp>
+        <p:nvCxnSpPr>
+          <p:cNvPr id="95" name="直接箭头连接符 94"/>
+          <p:cNvCxnSpPr/>
+          <p:nvPr/>
+        </p:nvCxnSpPr>
+        <p:spPr>
+          <a:xfrm flipH="1" flipV="1">
+            <a:off x="10384317" y="2721134"/>
+            <a:ext cx="9858" cy="283580"/>
+          </a:xfrm>
+          <a:prstGeom prst="straightConnector1">
+            <a:avLst/>
+          </a:prstGeom>
+          <a:ln>
+            <a:solidFill>
+              <a:srgbClr val="00B050"/>
+            </a:solidFill>
+            <a:tailEnd type="triangle"/>
+          </a:ln>
+        </p:spPr>
+        <p:style>
+          <a:lnRef idx="1">
+            <a:schemeClr val="accent1"/>
+          </a:lnRef>
+          <a:fillRef idx="0">
+            <a:schemeClr val="accent1"/>
+          </a:fillRef>
+          <a:effectRef idx="0">
+            <a:schemeClr val="accent1"/>
+          </a:effectRef>
+          <a:fontRef idx="minor">
+            <a:schemeClr val="tx1"/>
+          </a:fontRef>
+        </p:style>
+      </p:cxnSp>
+      <p:pic>
+        <p:nvPicPr>
+          <p:cNvPr id="96" name="图片 95"/>
+          <p:cNvPicPr>
+            <a:picLocks noChangeAspect="1"/>
+          </p:cNvPicPr>
+          <p:nvPr/>
+        </p:nvPicPr>
+        <p:blipFill>
+          <a:blip r:embed="rId2"/>
+          <a:stretch>
+            <a:fillRect/>
+          </a:stretch>
+        </p:blipFill>
+        <p:spPr>
+          <a:xfrm>
+            <a:off x="7018253" y="4615579"/>
+            <a:ext cx="4590476" cy="980952"/>
+          </a:xfrm>
+          <a:prstGeom prst="rect">
+            <a:avLst/>
+          </a:prstGeom>
+        </p:spPr>
+      </p:pic>
+      <p:sp>
+        <p:nvSpPr>
+          <p:cNvPr id="97" name="矩形 96"/>
+          <p:cNvSpPr/>
+          <p:nvPr/>
+        </p:nvSpPr>
+        <p:spPr>
+          <a:xfrm>
+            <a:off x="7003474" y="5736915"/>
+            <a:ext cx="697242" cy="369332"/>
+          </a:xfrm>
+          <a:prstGeom prst="rect">
+            <a:avLst/>
+          </a:prstGeom>
+        </p:spPr>
+        <p:txBody>
+          <a:bodyPr wrap="none">
+            <a:spAutoFit/>
+          </a:bodyPr>
+          <a:lstStyle/>
+          <a:p>
+            <a:r>
+              <a:rPr lang="en-US" altLang="zh-CN" b="1" dirty="0" smtClean="0">
+                <a:solidFill>
+                  <a:srgbClr val="048138"/>
+                </a:solidFill>
+                <a:effectLst/>
+              </a:rPr>
+              <a:t>Large</a:t>
+            </a:r>
+            <a:endParaRPr lang="zh-CN" altLang="en-US" dirty="0"/>
+          </a:p>
+        </p:txBody>
+      </p:sp>
+      <p:sp>
+        <p:nvSpPr>
+          <p:cNvPr id="98" name="矩形 97"/>
+          <p:cNvSpPr/>
+          <p:nvPr/>
+        </p:nvSpPr>
+        <p:spPr>
+          <a:xfrm>
+            <a:off x="7752508" y="5772805"/>
+            <a:ext cx="707245" cy="369332"/>
+          </a:xfrm>
+          <a:prstGeom prst="rect">
+            <a:avLst/>
+          </a:prstGeom>
+        </p:spPr>
+        <p:txBody>
+          <a:bodyPr wrap="none">
+            <a:spAutoFit/>
+          </a:bodyPr>
+          <a:lstStyle/>
+          <a:p>
+            <a:r>
+              <a:rPr lang="en-US" altLang="zh-CN" b="1" dirty="0" smtClean="0">
+                <a:solidFill>
+                  <a:srgbClr val="048138"/>
+                </a:solidFill>
+                <a:effectLst/>
+              </a:rPr>
+              <a:t>Small</a:t>
+            </a:r>
+            <a:endParaRPr lang="zh-CN" altLang="en-US" dirty="0"/>
+          </a:p>
+        </p:txBody>
+      </p:sp>
+      <p:sp>
+        <p:nvSpPr>
+          <p:cNvPr id="99" name="矩形 98"/>
+          <p:cNvSpPr/>
+          <p:nvPr/>
+        </p:nvSpPr>
+        <p:spPr>
+          <a:xfrm>
+            <a:off x="9840030" y="5772805"/>
+            <a:ext cx="992579" cy="369332"/>
+          </a:xfrm>
+          <a:prstGeom prst="rect">
+            <a:avLst/>
+          </a:prstGeom>
+        </p:spPr>
+        <p:txBody>
+          <a:bodyPr wrap="none">
+            <a:spAutoFit/>
+          </a:bodyPr>
+          <a:lstStyle/>
+          <a:p>
+            <a:r>
+              <a:rPr lang="en-US" altLang="zh-CN" b="1" dirty="0" smtClean="0">
+                <a:solidFill>
+                  <a:srgbClr val="048138"/>
+                </a:solidFill>
+                <a:effectLst/>
+              </a:rPr>
+              <a:t>Medium</a:t>
+            </a:r>
+            <a:endParaRPr lang="zh-CN" altLang="en-US" dirty="0"/>
+          </a:p>
+        </p:txBody>
+      </p:sp>
+      <p:cxnSp>
+        <p:nvCxnSpPr>
+          <p:cNvPr id="100" name="直接箭头连接符 99"/>
+          <p:cNvCxnSpPr>
+            <a:stCxn id="97" idx="0"/>
+          </p:cNvCxnSpPr>
+          <p:nvPr/>
+        </p:nvCxnSpPr>
+        <p:spPr>
+          <a:xfrm flipV="1">
+            <a:off x="7352095" y="5489225"/>
+            <a:ext cx="0" cy="247690"/>
+          </a:xfrm>
+          <a:prstGeom prst="straightConnector1">
+            <a:avLst/>
+          </a:prstGeom>
+          <a:ln>
+            <a:solidFill>
+              <a:srgbClr val="00B050"/>
+            </a:solidFill>
+            <a:tailEnd type="triangle"/>
+          </a:ln>
+        </p:spPr>
+        <p:style>
+          <a:lnRef idx="1">
+            <a:schemeClr val="accent1"/>
+          </a:lnRef>
+          <a:fillRef idx="0">
+            <a:schemeClr val="accent1"/>
+          </a:fillRef>
+          <a:effectRef idx="0">
+            <a:schemeClr val="accent1"/>
+          </a:effectRef>
+          <a:fontRef idx="minor">
+            <a:schemeClr val="tx1"/>
+          </a:fontRef>
+        </p:style>
+      </p:cxnSp>
+      <p:cxnSp>
+        <p:nvCxnSpPr>
+          <p:cNvPr id="101" name="直接箭头连接符 100"/>
+          <p:cNvCxnSpPr>
+            <a:stCxn id="98" idx="0"/>
+          </p:cNvCxnSpPr>
+          <p:nvPr/>
+        </p:nvCxnSpPr>
+        <p:spPr>
+          <a:xfrm flipH="1" flipV="1">
+            <a:off x="7870097" y="5489225"/>
+            <a:ext cx="236034" cy="283580"/>
+          </a:xfrm>
+          <a:prstGeom prst="straightConnector1">
+            <a:avLst/>
+          </a:prstGeom>
+          <a:ln>
+            <a:solidFill>
+              <a:srgbClr val="00B050"/>
+            </a:solidFill>
+            <a:tailEnd type="triangle"/>
+          </a:ln>
+        </p:spPr>
+        <p:style>
+          <a:lnRef idx="1">
+            <a:schemeClr val="accent1"/>
+          </a:lnRef>
+          <a:fillRef idx="0">
+            <a:schemeClr val="accent1"/>
+          </a:fillRef>
+          <a:effectRef idx="0">
+            <a:schemeClr val="accent1"/>
+          </a:effectRef>
+          <a:fontRef idx="minor">
+            <a:schemeClr val="tx1"/>
+          </a:fontRef>
+        </p:style>
+      </p:cxnSp>
+      <p:cxnSp>
+        <p:nvCxnSpPr>
+          <p:cNvPr id="102" name="直接箭头连接符 101"/>
+          <p:cNvCxnSpPr/>
+          <p:nvPr/>
+        </p:nvCxnSpPr>
+        <p:spPr>
+          <a:xfrm flipH="1" flipV="1">
+            <a:off x="10384317" y="5482698"/>
+            <a:ext cx="9858" cy="283580"/>
+          </a:xfrm>
+          <a:prstGeom prst="straightConnector1">
+            <a:avLst/>
+          </a:prstGeom>
+          <a:ln>
+            <a:solidFill>
+              <a:srgbClr val="00B050"/>
+            </a:solidFill>
+            <a:tailEnd type="triangle"/>
+          </a:ln>
+        </p:spPr>
+        <p:style>
+          <a:lnRef idx="1">
+            <a:schemeClr val="accent1"/>
+          </a:lnRef>
+          <a:fillRef idx="0">
+            <a:schemeClr val="accent1"/>
+          </a:fillRef>
+          <a:effectRef idx="0">
+            <a:schemeClr val="accent1"/>
+          </a:effectRef>
+          <a:fontRef idx="minor">
+            <a:schemeClr val="tx1"/>
+          </a:fontRef>
+        </p:style>
+      </p:cxnSp>
+      <p:sp>
+        <p:nvSpPr>
+          <p:cNvPr id="104" name="矩形 103"/>
+          <p:cNvSpPr/>
+          <p:nvPr/>
+        </p:nvSpPr>
+        <p:spPr>
+          <a:xfrm>
+            <a:off x="7468407" y="4925082"/>
+            <a:ext cx="565015" cy="613608"/>
+          </a:xfrm>
+          <a:prstGeom prst="rect">
+            <a:avLst/>
+          </a:prstGeom>
+          <a:noFill/>
+          <a:ln>
+            <a:solidFill>
+              <a:srgbClr val="00B050"/>
+            </a:solidFill>
+          </a:ln>
+        </p:spPr>
+        <p:style>
+          <a:lnRef idx="2">
+            <a:schemeClr val="accent1">
+              <a:shade val="50000"/>
+            </a:schemeClr>
+          </a:lnRef>
+          <a:fillRef idx="1">
+            <a:schemeClr val="accent1"/>
+          </a:fillRef>
+          <a:effectRef idx="0">
+            <a:schemeClr val="accent1"/>
+          </a:effectRef>
+          <a:fontRef idx="minor">
+            <a:schemeClr val="lt1"/>
+          </a:fontRef>
+        </p:style>
+        <p:txBody>
+          <a:bodyPr rtlCol="0" anchor="ctr"/>
+          <a:lstStyle/>
+          <a:p>
+            <a:pPr algn="ctr"/>
+            <a:endParaRPr lang="zh-CN" altLang="en-US"/>
+          </a:p>
+        </p:txBody>
+      </p:sp>
+      <p:sp>
+        <p:nvSpPr>
+          <p:cNvPr id="105" name="矩形 104"/>
+          <p:cNvSpPr/>
+          <p:nvPr/>
+        </p:nvSpPr>
+        <p:spPr>
+          <a:xfrm>
+            <a:off x="8518416" y="4941455"/>
+            <a:ext cx="2978259" cy="320455"/>
+          </a:xfrm>
+          <a:prstGeom prst="rect">
+            <a:avLst/>
+          </a:prstGeom>
+          <a:noFill/>
+          <a:ln>
+            <a:solidFill>
+              <a:srgbClr val="00B050"/>
+            </a:solidFill>
+          </a:ln>
+        </p:spPr>
+        <p:style>
+          <a:lnRef idx="2">
+            <a:schemeClr val="accent1">
+              <a:shade val="50000"/>
+            </a:schemeClr>
+          </a:lnRef>
+          <a:fillRef idx="1">
+            <a:schemeClr val="accent1"/>
+          </a:fillRef>
+          <a:effectRef idx="0">
+            <a:schemeClr val="accent1"/>
+          </a:effectRef>
+          <a:fontRef idx="minor">
+            <a:schemeClr val="lt1"/>
+          </a:fontRef>
+        </p:style>
+        <p:txBody>
+          <a:bodyPr rtlCol="0" anchor="ctr"/>
+          <a:lstStyle/>
+          <a:p>
+            <a:pPr algn="ctr"/>
+            <a:endParaRPr lang="zh-CN" altLang="en-US"/>
+          </a:p>
+        </p:txBody>
+      </p:sp>
+      <p:sp>
+        <p:nvSpPr>
+          <p:cNvPr id="106" name="矩形 105"/>
+          <p:cNvSpPr/>
+          <p:nvPr/>
+        </p:nvSpPr>
+        <p:spPr>
+          <a:xfrm>
+            <a:off x="8518416" y="5256645"/>
+            <a:ext cx="2978259" cy="320455"/>
+          </a:xfrm>
+          <a:prstGeom prst="rect">
+            <a:avLst/>
+          </a:prstGeom>
+          <a:noFill/>
+          <a:ln>
+            <a:solidFill>
+              <a:srgbClr val="00B050"/>
+            </a:solidFill>
+          </a:ln>
+        </p:spPr>
+        <p:style>
+          <a:lnRef idx="2">
+            <a:schemeClr val="accent1">
+              <a:shade val="50000"/>
+            </a:schemeClr>
+          </a:lnRef>
+          <a:fillRef idx="1">
+            <a:schemeClr val="accent1"/>
+          </a:fillRef>
+          <a:effectRef idx="0">
+            <a:schemeClr val="accent1"/>
+          </a:effectRef>
+          <a:fontRef idx="minor">
+            <a:schemeClr val="lt1"/>
+          </a:fontRef>
+        </p:style>
+        <p:txBody>
+          <a:bodyPr rtlCol="0" anchor="ctr"/>
+          <a:lstStyle/>
+          <a:p>
+            <a:pPr algn="ctr"/>
+            <a:endParaRPr lang="zh-CN" altLang="en-US"/>
+          </a:p>
+        </p:txBody>
+      </p:sp>
+    </p:spTree>
+  </p:cSld>
+  <p:clrMapOvr>
+    <a:masterClrMapping/>
+  </p:clrMapOvr>
+</p:sld>
+</file>
+
+<file path=ppt/slides/slide5.xml><?xml version="1.0" encoding="utf-8"?>
+<p:sld xmlns:a="http://schemas.openxmlformats.org/drawingml/2006/main" xmlns:r="http://schemas.openxmlformats.org/officeDocument/2006/relationships" xmlns:p="http://schemas.openxmlformats.org/presentationml/2006/main">
+  <p:cSld>
+    <p:spTree>
+      <p:nvGrpSpPr>
+        <p:cNvPr id="1" name=""/>
+        <p:cNvGrpSpPr/>
+        <p:nvPr/>
+      </p:nvGrpSpPr>
+      <p:grpSpPr>
+        <a:xfrm>
+          <a:off x="0" y="0"/>
+          <a:ext cx="0" cy="0"/>
+          <a:chOff x="0" y="0"/>
+          <a:chExt cx="0" cy="0"/>
+        </a:xfrm>
+      </p:grpSpPr>
+      <p:sp>
+        <p:nvSpPr>
+          <p:cNvPr id="4" name="矩形 3"/>
+          <p:cNvSpPr/>
+          <p:nvPr/>
+        </p:nvSpPr>
+        <p:spPr>
+          <a:xfrm>
+            <a:off x="1210310" y="1519555"/>
+            <a:ext cx="10530840" cy="1493520"/>
+          </a:xfrm>
+          <a:prstGeom prst="rect">
+            <a:avLst/>
+          </a:prstGeom>
+          <a:solidFill>
+            <a:schemeClr val="accent1">
+              <a:lumMod val="20000"/>
+              <a:lumOff val="80000"/>
+            </a:schemeClr>
+          </a:solidFill>
+          <a:ln>
+            <a:solidFill>
+              <a:schemeClr val="tx1"/>
+            </a:solidFill>
+          </a:ln>
+        </p:spPr>
+        <p:style>
+          <a:lnRef idx="2">
+            <a:schemeClr val="accent1">
+              <a:shade val="50000"/>
+            </a:schemeClr>
+          </a:lnRef>
+          <a:fillRef idx="1">
+            <a:schemeClr val="accent1"/>
+          </a:fillRef>
+          <a:effectRef idx="0">
+            <a:schemeClr val="accent1"/>
+          </a:effectRef>
+          <a:fontRef idx="minor">
+            <a:schemeClr val="lt1"/>
+          </a:fontRef>
+        </p:style>
+        <p:txBody>
+          <a:bodyPr rtlCol="0" anchor="ctr"/>
+          <a:lstStyle/>
+          <a:p>
+            <a:pPr algn="ctr"/>
+            <a:endParaRPr lang="zh-CN" altLang="en-US"/>
+          </a:p>
+        </p:txBody>
+      </p:sp>
+      <p:sp>
+        <p:nvSpPr>
           <p:cNvPr id="2" name="矩形 1"/>
           <p:cNvSpPr/>
           <p:nvPr/>
@@ -10932,6 +13982,12 @@
     <a:masterClrMapping/>
   </p:clrMapOvr>
 </p:sld>
+</file>
+
+<file path=ppt/tags/tag1.xml><?xml version="1.0" encoding="utf-8"?>
+<p:tagLst xmlns:p="http://schemas.openxmlformats.org/presentationml/2006/main">
+  <p:tag name="commondata" val="eyJoZGlkIjoiODMxYjY1MDM5ZWFiOTgzMDQ4OTI0NWZjZTIyZjI4MDYifQ=="/>
+</p:tagLst>
 </file>
 
 <file path=ppt/theme/theme1.xml><?xml version="1.0" encoding="utf-8"?>

--- a/doc/SARibbonBar-layout.pptx
+++ b/doc/SARibbonBar-layout.pptx
@@ -9,12 +9,13 @@
     <p:sldId id="259" r:id="rId4"/>
     <p:sldId id="262" r:id="rId5"/>
     <p:sldId id="256" r:id="rId6"/>
-    <p:sldId id="261" r:id="rId7"/>
+    <p:sldId id="265" r:id="rId7"/>
+    <p:sldId id="261" r:id="rId8"/>
   </p:sldIdLst>
   <p:sldSz cx="12192000" cy="6858000"/>
   <p:notesSz cx="6858000" cy="9144000"/>
   <p:custDataLst>
-    <p:tags r:id="rId11"/>
+    <p:tags r:id="rId12"/>
   </p:custDataLst>
   <p:defaultTextStyle>
     <a:defPPr>
@@ -8592,7 +8593,7 @@
         </p:nvSpPr>
         <p:spPr>
           <a:xfrm>
-            <a:off x="556260" y="2754630"/>
+            <a:off x="117475" y="2693670"/>
             <a:ext cx="1578610" cy="368300"/>
           </a:xfrm>
           <a:prstGeom prst="rect">
@@ -8633,8 +8634,8 @@
         </p:nvSpPr>
         <p:spPr>
           <a:xfrm>
-            <a:off x="556260" y="3840480"/>
-            <a:ext cx="2006600" cy="645160"/>
+            <a:off x="318770" y="4336415"/>
+            <a:ext cx="4763135" cy="368300"/>
           </a:xfrm>
           <a:prstGeom prst="rect">
             <a:avLst/>
@@ -8660,7 +8661,15 @@
                 <a:ea typeface="微软雅黑" panose="020B0503020204020204" pitchFamily="34" charset="-122"/>
                 <a:cs typeface="微软雅黑" panose="020B0503020204020204" pitchFamily="34" charset="-122"/>
               </a:rPr>
-              <a:t>、垂直方向通过三个高度确定</a:t>
+              <a:t>、垂直方向通过三个高度确定，默认高度</a:t>
+            </a:r>
+            <a:r>
+              <a:rPr lang="zh-CN" altLang="en-US">
+                <a:latin typeface="微软雅黑" panose="020B0503020204020204" pitchFamily="34" charset="-122"/>
+                <a:ea typeface="微软雅黑" panose="020B0503020204020204" pitchFamily="34" charset="-122"/>
+                <a:cs typeface="微软雅黑" panose="020B0503020204020204" pitchFamily="34" charset="-122"/>
+              </a:rPr>
+              <a:t>为</a:t>
             </a:r>
             <a:endParaRPr lang="zh-CN" altLang="en-US">
               <a:latin typeface="微软雅黑" panose="020B0503020204020204" pitchFamily="34" charset="-122"/>
@@ -9842,6 +9851,400 @@
                   <a:lumMod val="75000"/>
                 </a:schemeClr>
               </a:solidFill>
+            </a:endParaRPr>
+          </a:p>
+        </p:txBody>
+      </p:sp>
+      <p:sp>
+        <p:nvSpPr>
+          <p:cNvPr id="37" name="文本框 36"/>
+          <p:cNvSpPr txBox="1"/>
+          <p:nvPr>
+            <p:custDataLst>
+              <p:tags r:id="rId1"/>
+            </p:custDataLst>
+          </p:nvPr>
+        </p:nvSpPr>
+        <p:spPr>
+          <a:xfrm>
+            <a:off x="1118870" y="4853940"/>
+            <a:ext cx="3674110" cy="368300"/>
+          </a:xfrm>
+          <a:prstGeom prst="rect">
+            <a:avLst/>
+          </a:prstGeom>
+          <a:noFill/>
+        </p:spPr>
+        <p:txBody>
+          <a:bodyPr wrap="square" rtlCol="0" anchor="t">
+            <a:spAutoFit/>
+          </a:bodyPr>
+          <a:p>
+            <a:r>
+              <a:rPr lang="zh-CN" altLang="en-US">
+                <a:solidFill>
+                  <a:schemeClr val="accent2">
+                    <a:lumMod val="75000"/>
+                  </a:schemeClr>
+                </a:solidFill>
+              </a:rPr>
+              <a:t>titleBarHeight</a:t>
+            </a:r>
+            <a:r>
+              <a:rPr lang="en-US" altLang="zh-CN">
+                <a:solidFill>
+                  <a:schemeClr val="accent2">
+                    <a:lumMod val="75000"/>
+                  </a:schemeClr>
+                </a:solidFill>
+              </a:rPr>
+              <a:t>=1.5*</a:t>
+            </a:r>
+            <a:r>
+              <a:rPr lang="en-US" altLang="zh-CN">
+                <a:solidFill>
+                  <a:schemeClr val="accent2">
+                    <a:lumMod val="75000"/>
+                  </a:schemeClr>
+                </a:solidFill>
+              </a:rPr>
+              <a:t>font.Height</a:t>
+            </a:r>
+            <a:endParaRPr lang="en-US" altLang="zh-CN">
+              <a:solidFill>
+                <a:schemeClr val="accent2">
+                  <a:lumMod val="75000"/>
+                </a:schemeClr>
+              </a:solidFill>
+            </a:endParaRPr>
+          </a:p>
+        </p:txBody>
+      </p:sp>
+      <p:sp>
+        <p:nvSpPr>
+          <p:cNvPr id="65" name="文本框 64"/>
+          <p:cNvSpPr txBox="1"/>
+          <p:nvPr/>
+        </p:nvSpPr>
+        <p:spPr>
+          <a:xfrm>
+            <a:off x="1118870" y="5222240"/>
+            <a:ext cx="4032250" cy="368300"/>
+          </a:xfrm>
+          <a:prstGeom prst="rect">
+            <a:avLst/>
+          </a:prstGeom>
+          <a:noFill/>
+        </p:spPr>
+        <p:txBody>
+          <a:bodyPr wrap="square" rtlCol="0" anchor="t">
+            <a:spAutoFit/>
+          </a:bodyPr>
+          <a:p>
+            <a:r>
+              <a:rPr lang="zh-CN" altLang="en-US">
+                <a:solidFill>
+                  <a:schemeClr val="accent2">
+                    <a:lumMod val="75000"/>
+                  </a:schemeClr>
+                </a:solidFill>
+              </a:rPr>
+              <a:t>t</a:t>
+            </a:r>
+            <a:r>
+              <a:rPr lang="en-US" altLang="zh-CN">
+                <a:solidFill>
+                  <a:schemeClr val="accent2">
+                    <a:lumMod val="75000"/>
+                  </a:schemeClr>
+                </a:solidFill>
+              </a:rPr>
+              <a:t>ab</a:t>
+            </a:r>
+            <a:r>
+              <a:rPr lang="zh-CN" altLang="en-US">
+                <a:solidFill>
+                  <a:schemeClr val="accent2">
+                    <a:lumMod val="75000"/>
+                  </a:schemeClr>
+                </a:solidFill>
+              </a:rPr>
+              <a:t>BarHeight</a:t>
+            </a:r>
+            <a:r>
+              <a:rPr lang="en-US" altLang="zh-CN">
+                <a:solidFill>
+                  <a:schemeClr val="accent2">
+                    <a:lumMod val="75000"/>
+                  </a:schemeClr>
+                </a:solidFill>
+              </a:rPr>
+              <a:t>=1.5*font.height</a:t>
+            </a:r>
+            <a:endParaRPr lang="en-US" altLang="zh-CN">
+              <a:solidFill>
+                <a:schemeClr val="accent2">
+                  <a:lumMod val="75000"/>
+                </a:schemeClr>
+              </a:solidFill>
+            </a:endParaRPr>
+          </a:p>
+        </p:txBody>
+      </p:sp>
+      <p:cxnSp>
+        <p:nvCxnSpPr>
+          <p:cNvPr id="67" name="直接箭头连接符 66"/>
+          <p:cNvCxnSpPr/>
+          <p:nvPr/>
+        </p:nvCxnSpPr>
+        <p:spPr>
+          <a:xfrm>
+            <a:off x="3265805" y="2455545"/>
+            <a:ext cx="0" cy="1245870"/>
+          </a:xfrm>
+          <a:prstGeom prst="straightConnector1">
+            <a:avLst/>
+          </a:prstGeom>
+          <a:ln>
+            <a:solidFill>
+              <a:schemeClr val="bg1">
+                <a:lumMod val="50000"/>
+              </a:schemeClr>
+            </a:solidFill>
+            <a:headEnd type="arrow" w="med" len="med"/>
+            <a:tailEnd type="arrow" w="med" len="med"/>
+          </a:ln>
+        </p:spPr>
+        <p:style>
+          <a:lnRef idx="1">
+            <a:schemeClr val="accent1"/>
+          </a:lnRef>
+          <a:fillRef idx="0">
+            <a:schemeClr val="accent1"/>
+          </a:fillRef>
+          <a:effectRef idx="0">
+            <a:schemeClr val="accent1"/>
+          </a:effectRef>
+          <a:fontRef idx="minor">
+            <a:schemeClr val="tx1"/>
+          </a:fontRef>
+        </p:style>
+      </p:cxnSp>
+      <p:sp>
+        <p:nvSpPr>
+          <p:cNvPr id="76" name="文本框 75"/>
+          <p:cNvSpPr txBox="1"/>
+          <p:nvPr/>
+        </p:nvSpPr>
+        <p:spPr>
+          <a:xfrm>
+            <a:off x="1598930" y="2804160"/>
+            <a:ext cx="1670685" cy="368300"/>
+          </a:xfrm>
+          <a:prstGeom prst="rect">
+            <a:avLst/>
+          </a:prstGeom>
+          <a:noFill/>
+        </p:spPr>
+        <p:txBody>
+          <a:bodyPr wrap="square" rtlCol="0" anchor="t">
+            <a:spAutoFit/>
+          </a:bodyPr>
+          <a:p>
+            <a:r>
+              <a:rPr lang="en-US" altLang="zh-CN">
+                <a:solidFill>
+                  <a:schemeClr val="accent2">
+                    <a:lumMod val="75000"/>
+                  </a:schemeClr>
+                </a:solidFill>
+              </a:rPr>
+              <a:t>category</a:t>
+            </a:r>
+            <a:r>
+              <a:rPr lang="zh-CN" altLang="en-US">
+                <a:solidFill>
+                  <a:schemeClr val="accent2">
+                    <a:lumMod val="75000"/>
+                  </a:schemeClr>
+                </a:solidFill>
+              </a:rPr>
+              <a:t>Height</a:t>
+            </a:r>
+            <a:endParaRPr lang="zh-CN" altLang="en-US">
+              <a:solidFill>
+                <a:schemeClr val="accent2">
+                  <a:lumMod val="75000"/>
+                </a:schemeClr>
+              </a:solidFill>
+            </a:endParaRPr>
+          </a:p>
+        </p:txBody>
+      </p:sp>
+      <p:sp>
+        <p:nvSpPr>
+          <p:cNvPr id="77" name="文本框 76"/>
+          <p:cNvSpPr txBox="1"/>
+          <p:nvPr/>
+        </p:nvSpPr>
+        <p:spPr>
+          <a:xfrm>
+            <a:off x="1118870" y="5590540"/>
+            <a:ext cx="7146290" cy="368300"/>
+          </a:xfrm>
+          <a:prstGeom prst="rect">
+            <a:avLst/>
+          </a:prstGeom>
+          <a:noFill/>
+        </p:spPr>
+        <p:txBody>
+          <a:bodyPr wrap="square" rtlCol="0" anchor="t">
+            <a:spAutoFit/>
+          </a:bodyPr>
+          <a:p>
+            <a:r>
+              <a:rPr lang="en-US" altLang="zh-CN">
+                <a:solidFill>
+                  <a:schemeClr val="accent2">
+                    <a:lumMod val="75000"/>
+                  </a:schemeClr>
+                </a:solidFill>
+              </a:rPr>
+              <a:t>category</a:t>
+            </a:r>
+            <a:r>
+              <a:rPr lang="zh-CN" altLang="en-US">
+                <a:solidFill>
+                  <a:schemeClr val="accent2">
+                    <a:lumMod val="75000"/>
+                  </a:schemeClr>
+                </a:solidFill>
+              </a:rPr>
+              <a:t>Height</a:t>
+            </a:r>
+            <a:r>
+              <a:rPr lang="en-US" altLang="zh-CN">
+                <a:solidFill>
+                  <a:schemeClr val="accent2">
+                    <a:lumMod val="75000"/>
+                  </a:schemeClr>
+                </a:solidFill>
+              </a:rPr>
+              <a:t>=</a:t>
+            </a:r>
+            <a:r>
+              <a:rPr lang="zh-CN" altLang="en-US">
+                <a:solidFill>
+                  <a:schemeClr val="accent2">
+                    <a:lumMod val="75000"/>
+                  </a:schemeClr>
+                </a:solidFill>
+              </a:rPr>
+              <a:t>（</a:t>
+            </a:r>
+            <a:r>
+              <a:rPr lang="en-US" altLang="zh-CN">
+                <a:solidFill>
+                  <a:schemeClr val="accent2">
+                    <a:lumMod val="75000"/>
+                  </a:schemeClr>
+                </a:solidFill>
+              </a:rPr>
+              <a:t>4.5+1</a:t>
+            </a:r>
+            <a:r>
+              <a:rPr lang="zh-CN" altLang="en-US">
+                <a:solidFill>
+                  <a:schemeClr val="accent2">
+                    <a:lumMod val="75000"/>
+                  </a:schemeClr>
+                </a:solidFill>
+              </a:rPr>
+              <a:t>）</a:t>
+            </a:r>
+            <a:r>
+              <a:rPr lang="en-US" altLang="zh-CN">
+                <a:solidFill>
+                  <a:schemeClr val="accent2">
+                    <a:lumMod val="75000"/>
+                  </a:schemeClr>
+                </a:solidFill>
+              </a:rPr>
+              <a:t>*</a:t>
+            </a:r>
+            <a:r>
+              <a:rPr lang="en-US" altLang="zh-CN">
+                <a:solidFill>
+                  <a:schemeClr val="accent2">
+                    <a:lumMod val="75000"/>
+                  </a:schemeClr>
+                </a:solidFill>
+                <a:sym typeface="+mn-ea"/>
+              </a:rPr>
+              <a:t>font.height</a:t>
+            </a:r>
+            <a:r>
+              <a:rPr lang="zh-CN" altLang="en-US">
+                <a:solidFill>
+                  <a:schemeClr val="accent2">
+                    <a:lumMod val="75000"/>
+                  </a:schemeClr>
+                </a:solidFill>
+                <a:sym typeface="+mn-ea"/>
+              </a:rPr>
+              <a:t>（三行）</a:t>
+            </a:r>
+            <a:r>
+              <a:rPr lang="en-US" altLang="zh-CN">
+                <a:solidFill>
+                  <a:schemeClr val="accent2">
+                    <a:lumMod val="75000"/>
+                  </a:schemeClr>
+                </a:solidFill>
+                <a:sym typeface="+mn-ea"/>
+              </a:rPr>
+              <a:t>/3*</a:t>
+            </a:r>
+            <a:r>
+              <a:rPr lang="en-US" altLang="zh-CN">
+                <a:solidFill>
+                  <a:schemeClr val="accent2">
+                    <a:lumMod val="75000"/>
+                  </a:schemeClr>
+                </a:solidFill>
+                <a:sym typeface="+mn-ea"/>
+              </a:rPr>
+              <a:t>font.height</a:t>
+            </a:r>
+            <a:r>
+              <a:rPr lang="zh-CN" altLang="en-US">
+                <a:solidFill>
+                  <a:schemeClr val="accent2">
+                    <a:lumMod val="75000"/>
+                  </a:schemeClr>
+                </a:solidFill>
+                <a:sym typeface="+mn-ea"/>
+              </a:rPr>
+              <a:t>（</a:t>
+            </a:r>
+            <a:r>
+              <a:rPr lang="zh-CN" altLang="en-US">
+                <a:solidFill>
+                  <a:schemeClr val="accent2">
+                    <a:lumMod val="75000"/>
+                  </a:schemeClr>
+                </a:solidFill>
+                <a:sym typeface="+mn-ea"/>
+              </a:rPr>
+              <a:t>两行）</a:t>
+            </a:r>
+            <a:endParaRPr lang="zh-CN" altLang="en-US">
+              <a:solidFill>
+                <a:schemeClr val="accent2">
+                  <a:lumMod val="75000"/>
+                </a:schemeClr>
+              </a:solidFill>
+              <a:sym typeface="+mn-ea"/>
             </a:endParaRPr>
           </a:p>
         </p:txBody>
@@ -12510,8 +12913,8 @@
         </p:nvSpPr>
         <p:spPr>
           <a:xfrm>
-            <a:off x="1210310" y="1519555"/>
-            <a:ext cx="10530840" cy="1493520"/>
+            <a:off x="1210310" y="1309370"/>
+            <a:ext cx="4828540" cy="1753235"/>
           </a:xfrm>
           <a:prstGeom prst="rect">
             <a:avLst/>
@@ -12555,6 +12958,1440 @@
       </p:sp>
       <p:sp>
         <p:nvSpPr>
+          <p:cNvPr id="5" name="文本框 4"/>
+          <p:cNvSpPr txBox="1"/>
+          <p:nvPr/>
+        </p:nvSpPr>
+        <p:spPr>
+          <a:xfrm>
+            <a:off x="2450761" y="450436"/>
+            <a:ext cx="2468368" cy="369332"/>
+          </a:xfrm>
+          <a:prstGeom prst="rect">
+            <a:avLst/>
+          </a:prstGeom>
+        </p:spPr>
+        <p:txBody>
+          <a:bodyPr wrap="none">
+            <a:spAutoFit/>
+          </a:bodyPr>
+          <a:lstStyle>
+            <a:defPPr>
+              <a:defRPr lang="zh-CN"/>
+            </a:defPPr>
+            <a:lvl1pPr>
+              <a:defRPr b="1">
+                <a:solidFill>
+                  <a:srgbClr val="D5412A"/>
+                </a:solidFill>
+                <a:effectLst/>
+              </a:defRPr>
+            </a:lvl1pPr>
+          </a:lstStyle>
+          <a:p>
+            <a:r>
+              <a:rPr lang="en-US" altLang="zh-CN" dirty="0" err="1" smtClean="0">
+                <a:solidFill>
+                  <a:srgbClr val="C00000"/>
+                </a:solidFill>
+              </a:rPr>
+              <a:t>SARibbonPannel</a:t>
+            </a:r>
+            <a:r>
+              <a:rPr lang="en-US" altLang="zh-CN" dirty="0" smtClean="0">
+                <a:solidFill>
+                  <a:srgbClr val="C00000"/>
+                </a:solidFill>
+              </a:rPr>
+              <a:t> : </a:t>
+            </a:r>
+            <a:r>
+              <a:rPr lang="en-US" altLang="zh-CN" dirty="0" err="1" smtClean="0">
+                <a:solidFill>
+                  <a:srgbClr val="C00000"/>
+                </a:solidFill>
+              </a:rPr>
+              <a:t>3Row</a:t>
+            </a:r>
+            <a:endParaRPr lang="zh-CN" altLang="en-US" dirty="0">
+              <a:solidFill>
+                <a:srgbClr val="C00000"/>
+              </a:solidFill>
+            </a:endParaRPr>
+          </a:p>
+        </p:txBody>
+      </p:sp>
+      <p:sp>
+        <p:nvSpPr>
+          <p:cNvPr id="6" name="矩形 5"/>
+          <p:cNvSpPr/>
+          <p:nvPr/>
+        </p:nvSpPr>
+        <p:spPr>
+          <a:xfrm>
+            <a:off x="1316047" y="1383331"/>
+            <a:ext cx="4638675" cy="1333500"/>
+          </a:xfrm>
+          <a:prstGeom prst="rect">
+            <a:avLst/>
+          </a:prstGeom>
+          <a:solidFill>
+            <a:schemeClr val="bg1"/>
+          </a:solidFill>
+        </p:spPr>
+        <p:style>
+          <a:lnRef idx="2">
+            <a:schemeClr val="accent1">
+              <a:shade val="50000"/>
+            </a:schemeClr>
+          </a:lnRef>
+          <a:fillRef idx="1">
+            <a:schemeClr val="accent1"/>
+          </a:fillRef>
+          <a:effectRef idx="0">
+            <a:schemeClr val="accent1"/>
+          </a:effectRef>
+          <a:fontRef idx="minor">
+            <a:schemeClr val="lt1"/>
+          </a:fontRef>
+        </p:style>
+        <p:txBody>
+          <a:bodyPr rtlCol="0" anchor="ctr"/>
+          <a:lstStyle/>
+          <a:p>
+            <a:pPr algn="ctr"/>
+            <a:endParaRPr lang="zh-CN" altLang="en-US"/>
+          </a:p>
+        </p:txBody>
+      </p:sp>
+      <p:cxnSp>
+        <p:nvCxnSpPr>
+          <p:cNvPr id="8" name="直接箭头连接符 7"/>
+          <p:cNvCxnSpPr/>
+          <p:nvPr/>
+        </p:nvCxnSpPr>
+        <p:spPr>
+          <a:xfrm flipH="1">
+            <a:off x="4211648" y="1145206"/>
+            <a:ext cx="171450" cy="164306"/>
+          </a:xfrm>
+          <a:prstGeom prst="straightConnector1">
+            <a:avLst/>
+          </a:prstGeom>
+          <a:ln>
+            <a:solidFill>
+              <a:srgbClr val="C00000"/>
+            </a:solidFill>
+            <a:tailEnd type="triangle"/>
+          </a:ln>
+        </p:spPr>
+        <p:style>
+          <a:lnRef idx="1">
+            <a:schemeClr val="accent1"/>
+          </a:lnRef>
+          <a:fillRef idx="0">
+            <a:schemeClr val="accent1"/>
+          </a:fillRef>
+          <a:effectRef idx="0">
+            <a:schemeClr val="accent1"/>
+          </a:effectRef>
+          <a:fontRef idx="minor">
+            <a:schemeClr val="tx1"/>
+          </a:fontRef>
+        </p:style>
+      </p:cxnSp>
+      <p:sp>
+        <p:nvSpPr>
+          <p:cNvPr id="9" name="矩形 8"/>
+          <p:cNvSpPr/>
+          <p:nvPr/>
+        </p:nvSpPr>
+        <p:spPr>
+          <a:xfrm>
+            <a:off x="3666711" y="852590"/>
+            <a:ext cx="1784784" cy="369332"/>
+          </a:xfrm>
+          <a:prstGeom prst="rect">
+            <a:avLst/>
+          </a:prstGeom>
+        </p:spPr>
+        <p:txBody>
+          <a:bodyPr wrap="none">
+            <a:spAutoFit/>
+          </a:bodyPr>
+          <a:lstStyle/>
+          <a:p>
+            <a:r>
+              <a:rPr lang="en-US" altLang="zh-CN" b="1" dirty="0" err="1" smtClean="0">
+                <a:solidFill>
+                  <a:schemeClr val="accent1">
+                    <a:lumMod val="75000"/>
+                  </a:schemeClr>
+                </a:solidFill>
+                <a:effectLst/>
+              </a:rPr>
+              <a:t>contentsMargins</a:t>
+            </a:r>
+            <a:endParaRPr lang="zh-CN" altLang="en-US" dirty="0">
+              <a:solidFill>
+                <a:schemeClr val="accent1">
+                  <a:lumMod val="75000"/>
+                </a:schemeClr>
+              </a:solidFill>
+            </a:endParaRPr>
+          </a:p>
+        </p:txBody>
+      </p:sp>
+      <p:sp>
+        <p:nvSpPr>
+          <p:cNvPr id="12" name="矩形 11"/>
+          <p:cNvSpPr/>
+          <p:nvPr/>
+        </p:nvSpPr>
+        <p:spPr>
+          <a:xfrm>
+            <a:off x="4936689" y="3215412"/>
+            <a:ext cx="1464568" cy="369332"/>
+          </a:xfrm>
+          <a:prstGeom prst="rect">
+            <a:avLst/>
+          </a:prstGeom>
+        </p:spPr>
+        <p:txBody>
+          <a:bodyPr wrap="none">
+            <a:spAutoFit/>
+          </a:bodyPr>
+          <a:lstStyle/>
+          <a:p>
+            <a:r>
+              <a:rPr lang="en-US" altLang="zh-CN" b="1" dirty="0" err="1" smtClean="0">
+                <a:solidFill>
+                  <a:srgbClr val="D5412A"/>
+                </a:solidFill>
+                <a:effectLst/>
+              </a:rPr>
+              <a:t>OptionAction</a:t>
+            </a:r>
+            <a:endParaRPr lang="zh-CN" altLang="en-US" dirty="0"/>
+          </a:p>
+        </p:txBody>
+      </p:sp>
+      <p:cxnSp>
+        <p:nvCxnSpPr>
+          <p:cNvPr id="14" name="直接箭头连接符 13"/>
+          <p:cNvCxnSpPr/>
+          <p:nvPr/>
+        </p:nvCxnSpPr>
+        <p:spPr>
+          <a:xfrm flipV="1">
+            <a:off x="5668973" y="3079401"/>
+            <a:ext cx="75407" cy="123825"/>
+          </a:xfrm>
+          <a:prstGeom prst="straightConnector1">
+            <a:avLst/>
+          </a:prstGeom>
+          <a:ln>
+            <a:solidFill>
+              <a:schemeClr val="accent2"/>
+            </a:solidFill>
+            <a:tailEnd type="triangle"/>
+          </a:ln>
+        </p:spPr>
+        <p:style>
+          <a:lnRef idx="1">
+            <a:schemeClr val="accent1"/>
+          </a:lnRef>
+          <a:fillRef idx="0">
+            <a:schemeClr val="accent1"/>
+          </a:fillRef>
+          <a:effectRef idx="0">
+            <a:schemeClr val="accent1"/>
+          </a:effectRef>
+          <a:fontRef idx="minor">
+            <a:schemeClr val="tx1"/>
+          </a:fontRef>
+        </p:style>
+      </p:cxnSp>
+      <p:sp>
+        <p:nvSpPr>
+          <p:cNvPr id="15" name="矩形 14"/>
+          <p:cNvSpPr/>
+          <p:nvPr/>
+        </p:nvSpPr>
+        <p:spPr>
+          <a:xfrm>
+            <a:off x="1316047" y="1383331"/>
+            <a:ext cx="857251" cy="1333500"/>
+          </a:xfrm>
+          <a:prstGeom prst="rect">
+            <a:avLst/>
+          </a:prstGeom>
+        </p:spPr>
+        <p:style>
+          <a:lnRef idx="2">
+            <a:schemeClr val="accent1">
+              <a:shade val="50000"/>
+            </a:schemeClr>
+          </a:lnRef>
+          <a:fillRef idx="1">
+            <a:schemeClr val="accent1"/>
+          </a:fillRef>
+          <a:effectRef idx="0">
+            <a:schemeClr val="accent1"/>
+          </a:effectRef>
+          <a:fontRef idx="minor">
+            <a:schemeClr val="lt1"/>
+          </a:fontRef>
+        </p:style>
+        <p:txBody>
+          <a:bodyPr rtlCol="0" anchor="ctr"/>
+          <a:lstStyle/>
+          <a:p>
+            <a:pPr algn="ctr"/>
+            <a:endParaRPr lang="zh-CN" altLang="en-US"/>
+          </a:p>
+        </p:txBody>
+      </p:sp>
+      <p:sp>
+        <p:nvSpPr>
+          <p:cNvPr id="16" name="矩形 15"/>
+          <p:cNvSpPr/>
+          <p:nvPr/>
+        </p:nvSpPr>
+        <p:spPr>
+          <a:xfrm>
+            <a:off x="1404119" y="3408908"/>
+            <a:ext cx="697242" cy="369332"/>
+          </a:xfrm>
+          <a:prstGeom prst="rect">
+            <a:avLst/>
+          </a:prstGeom>
+        </p:spPr>
+        <p:txBody>
+          <a:bodyPr wrap="none">
+            <a:spAutoFit/>
+          </a:bodyPr>
+          <a:lstStyle/>
+          <a:p>
+            <a:r>
+              <a:rPr lang="en-US" altLang="zh-CN" b="1" dirty="0" smtClean="0">
+                <a:solidFill>
+                  <a:srgbClr val="048138"/>
+                </a:solidFill>
+                <a:effectLst/>
+              </a:rPr>
+              <a:t>Large</a:t>
+            </a:r>
+            <a:endParaRPr lang="zh-CN" altLang="en-US" dirty="0"/>
+          </a:p>
+        </p:txBody>
+      </p:sp>
+      <p:sp>
+        <p:nvSpPr>
+          <p:cNvPr id="17" name="矩形 16"/>
+          <p:cNvSpPr/>
+          <p:nvPr/>
+        </p:nvSpPr>
+        <p:spPr>
+          <a:xfrm>
+            <a:off x="2268548" y="1383331"/>
+            <a:ext cx="1143000" cy="381000"/>
+          </a:xfrm>
+          <a:prstGeom prst="rect">
+            <a:avLst/>
+          </a:prstGeom>
+        </p:spPr>
+        <p:style>
+          <a:lnRef idx="2">
+            <a:schemeClr val="accent1">
+              <a:shade val="50000"/>
+            </a:schemeClr>
+          </a:lnRef>
+          <a:fillRef idx="1">
+            <a:schemeClr val="accent1"/>
+          </a:fillRef>
+          <a:effectRef idx="0">
+            <a:schemeClr val="accent1"/>
+          </a:effectRef>
+          <a:fontRef idx="minor">
+            <a:schemeClr val="lt1"/>
+          </a:fontRef>
+        </p:style>
+        <p:txBody>
+          <a:bodyPr rtlCol="0" anchor="ctr"/>
+          <a:lstStyle/>
+          <a:p>
+            <a:pPr algn="ctr"/>
+            <a:endParaRPr lang="zh-CN" altLang="en-US"/>
+          </a:p>
+        </p:txBody>
+      </p:sp>
+      <p:sp>
+        <p:nvSpPr>
+          <p:cNvPr id="18" name="矩形 17"/>
+          <p:cNvSpPr/>
+          <p:nvPr/>
+        </p:nvSpPr>
+        <p:spPr>
+          <a:xfrm>
+            <a:off x="2268548" y="1859581"/>
+            <a:ext cx="1143000" cy="381000"/>
+          </a:xfrm>
+          <a:prstGeom prst="rect">
+            <a:avLst/>
+          </a:prstGeom>
+        </p:spPr>
+        <p:style>
+          <a:lnRef idx="2">
+            <a:schemeClr val="accent1">
+              <a:shade val="50000"/>
+            </a:schemeClr>
+          </a:lnRef>
+          <a:fillRef idx="1">
+            <a:schemeClr val="accent1"/>
+          </a:fillRef>
+          <a:effectRef idx="0">
+            <a:schemeClr val="accent1"/>
+          </a:effectRef>
+          <a:fontRef idx="minor">
+            <a:schemeClr val="lt1"/>
+          </a:fontRef>
+        </p:style>
+        <p:txBody>
+          <a:bodyPr rtlCol="0" anchor="ctr"/>
+          <a:lstStyle/>
+          <a:p>
+            <a:pPr algn="ctr"/>
+            <a:endParaRPr lang="zh-CN" altLang="en-US"/>
+          </a:p>
+        </p:txBody>
+      </p:sp>
+      <p:sp>
+        <p:nvSpPr>
+          <p:cNvPr id="19" name="矩形 18"/>
+          <p:cNvSpPr/>
+          <p:nvPr/>
+        </p:nvSpPr>
+        <p:spPr>
+          <a:xfrm>
+            <a:off x="2268548" y="2327134"/>
+            <a:ext cx="1143000" cy="381000"/>
+          </a:xfrm>
+          <a:prstGeom prst="rect">
+            <a:avLst/>
+          </a:prstGeom>
+        </p:spPr>
+        <p:style>
+          <a:lnRef idx="2">
+            <a:schemeClr val="accent1">
+              <a:shade val="50000"/>
+            </a:schemeClr>
+          </a:lnRef>
+          <a:fillRef idx="1">
+            <a:schemeClr val="accent1"/>
+          </a:fillRef>
+          <a:effectRef idx="0">
+            <a:schemeClr val="accent1"/>
+          </a:effectRef>
+          <a:fontRef idx="minor">
+            <a:schemeClr val="lt1"/>
+          </a:fontRef>
+        </p:style>
+        <p:txBody>
+          <a:bodyPr rtlCol="0" anchor="ctr"/>
+          <a:lstStyle/>
+          <a:p>
+            <a:pPr algn="ctr"/>
+            <a:endParaRPr lang="zh-CN" altLang="en-US"/>
+          </a:p>
+        </p:txBody>
+      </p:sp>
+      <p:sp>
+        <p:nvSpPr>
+          <p:cNvPr id="20" name="矩形 19"/>
+          <p:cNvSpPr/>
+          <p:nvPr/>
+        </p:nvSpPr>
+        <p:spPr>
+          <a:xfrm>
+            <a:off x="2450740" y="3395573"/>
+            <a:ext cx="707245" cy="369332"/>
+          </a:xfrm>
+          <a:prstGeom prst="rect">
+            <a:avLst/>
+          </a:prstGeom>
+        </p:spPr>
+        <p:txBody>
+          <a:bodyPr wrap="none">
+            <a:spAutoFit/>
+          </a:bodyPr>
+          <a:lstStyle/>
+          <a:p>
+            <a:r>
+              <a:rPr lang="en-US" altLang="zh-CN" b="1" dirty="0" smtClean="0">
+                <a:solidFill>
+                  <a:srgbClr val="048138"/>
+                </a:solidFill>
+                <a:effectLst/>
+              </a:rPr>
+              <a:t>Small</a:t>
+            </a:r>
+            <a:endParaRPr lang="zh-CN" altLang="en-US" dirty="0"/>
+          </a:p>
+        </p:txBody>
+      </p:sp>
+      <p:sp>
+        <p:nvSpPr>
+          <p:cNvPr id="21" name="矩形 20"/>
+          <p:cNvSpPr/>
+          <p:nvPr/>
+        </p:nvSpPr>
+        <p:spPr>
+          <a:xfrm>
+            <a:off x="3492510" y="1566171"/>
+            <a:ext cx="1143000" cy="381000"/>
+          </a:xfrm>
+          <a:prstGeom prst="rect">
+            <a:avLst/>
+          </a:prstGeom>
+        </p:spPr>
+        <p:style>
+          <a:lnRef idx="2">
+            <a:schemeClr val="accent1">
+              <a:shade val="50000"/>
+            </a:schemeClr>
+          </a:lnRef>
+          <a:fillRef idx="1">
+            <a:schemeClr val="accent1"/>
+          </a:fillRef>
+          <a:effectRef idx="0">
+            <a:schemeClr val="accent1"/>
+          </a:effectRef>
+          <a:fontRef idx="minor">
+            <a:schemeClr val="lt1"/>
+          </a:fontRef>
+        </p:style>
+        <p:txBody>
+          <a:bodyPr rtlCol="0" anchor="ctr"/>
+          <a:lstStyle/>
+          <a:p>
+            <a:pPr algn="ctr"/>
+            <a:endParaRPr lang="zh-CN" altLang="en-US"/>
+          </a:p>
+        </p:txBody>
+      </p:sp>
+      <p:sp>
+        <p:nvSpPr>
+          <p:cNvPr id="22" name="矩形 21"/>
+          <p:cNvSpPr/>
+          <p:nvPr/>
+        </p:nvSpPr>
+        <p:spPr>
+          <a:xfrm>
+            <a:off x="3492510" y="2126003"/>
+            <a:ext cx="1143000" cy="381000"/>
+          </a:xfrm>
+          <a:prstGeom prst="rect">
+            <a:avLst/>
+          </a:prstGeom>
+        </p:spPr>
+        <p:style>
+          <a:lnRef idx="2">
+            <a:schemeClr val="accent1">
+              <a:shade val="50000"/>
+            </a:schemeClr>
+          </a:lnRef>
+          <a:fillRef idx="1">
+            <a:schemeClr val="accent1"/>
+          </a:fillRef>
+          <a:effectRef idx="0">
+            <a:schemeClr val="accent1"/>
+          </a:effectRef>
+          <a:fontRef idx="minor">
+            <a:schemeClr val="lt1"/>
+          </a:fontRef>
+        </p:style>
+        <p:txBody>
+          <a:bodyPr rtlCol="0" anchor="ctr"/>
+          <a:lstStyle/>
+          <a:p>
+            <a:pPr algn="ctr"/>
+            <a:endParaRPr lang="zh-CN" altLang="en-US"/>
+          </a:p>
+        </p:txBody>
+      </p:sp>
+      <p:sp>
+        <p:nvSpPr>
+          <p:cNvPr id="23" name="矩形 22"/>
+          <p:cNvSpPr/>
+          <p:nvPr/>
+        </p:nvSpPr>
+        <p:spPr>
+          <a:xfrm>
+            <a:off x="3643029" y="3411448"/>
+            <a:ext cx="992579" cy="369332"/>
+          </a:xfrm>
+          <a:prstGeom prst="rect">
+            <a:avLst/>
+          </a:prstGeom>
+        </p:spPr>
+        <p:txBody>
+          <a:bodyPr wrap="none">
+            <a:spAutoFit/>
+          </a:bodyPr>
+          <a:lstStyle/>
+          <a:p>
+            <a:r>
+              <a:rPr lang="en-US" altLang="zh-CN" b="1" dirty="0" smtClean="0">
+                <a:solidFill>
+                  <a:srgbClr val="048138"/>
+                </a:solidFill>
+                <a:effectLst/>
+              </a:rPr>
+              <a:t>Medium</a:t>
+            </a:r>
+            <a:endParaRPr lang="zh-CN" altLang="en-US" dirty="0"/>
+          </a:p>
+        </p:txBody>
+      </p:sp>
+      <p:cxnSp>
+        <p:nvCxnSpPr>
+          <p:cNvPr id="25" name="直接箭头连接符 24"/>
+          <p:cNvCxnSpPr/>
+          <p:nvPr/>
+        </p:nvCxnSpPr>
+        <p:spPr>
+          <a:xfrm flipH="1">
+            <a:off x="2211398" y="1097581"/>
+            <a:ext cx="478727" cy="476250"/>
+          </a:xfrm>
+          <a:prstGeom prst="straightConnector1">
+            <a:avLst/>
+          </a:prstGeom>
+          <a:ln>
+            <a:solidFill>
+              <a:schemeClr val="tx1"/>
+            </a:solidFill>
+            <a:tailEnd type="triangle"/>
+          </a:ln>
+        </p:spPr>
+        <p:style>
+          <a:lnRef idx="1">
+            <a:schemeClr val="accent1"/>
+          </a:lnRef>
+          <a:fillRef idx="0">
+            <a:schemeClr val="accent1"/>
+          </a:fillRef>
+          <a:effectRef idx="0">
+            <a:schemeClr val="accent1"/>
+          </a:effectRef>
+          <a:fontRef idx="minor">
+            <a:schemeClr val="tx1"/>
+          </a:fontRef>
+        </p:style>
+      </p:cxnSp>
+      <p:sp>
+        <p:nvSpPr>
+          <p:cNvPr id="27" name="矩形 26"/>
+          <p:cNvSpPr/>
+          <p:nvPr/>
+        </p:nvSpPr>
+        <p:spPr>
+          <a:xfrm>
+            <a:off x="2245932" y="728249"/>
+            <a:ext cx="888385" cy="369332"/>
+          </a:xfrm>
+          <a:prstGeom prst="rect">
+            <a:avLst/>
+          </a:prstGeom>
+        </p:spPr>
+        <p:txBody>
+          <a:bodyPr wrap="none">
+            <a:spAutoFit/>
+          </a:bodyPr>
+          <a:lstStyle/>
+          <a:p>
+            <a:r>
+              <a:rPr lang="en-US" altLang="zh-CN" dirty="0" smtClean="0">
+                <a:solidFill>
+                  <a:srgbClr val="000000"/>
+                </a:solidFill>
+                <a:effectLst/>
+              </a:rPr>
+              <a:t>spacing</a:t>
+            </a:r>
+            <a:endParaRPr lang="zh-CN" altLang="en-US" dirty="0"/>
+          </a:p>
+        </p:txBody>
+      </p:sp>
+      <p:cxnSp>
+        <p:nvCxnSpPr>
+          <p:cNvPr id="28" name="直接箭头连接符 27"/>
+          <p:cNvCxnSpPr>
+            <a:stCxn id="27" idx="2"/>
+          </p:cNvCxnSpPr>
+          <p:nvPr/>
+        </p:nvCxnSpPr>
+        <p:spPr>
+          <a:xfrm>
+            <a:off x="2690125" y="1097581"/>
+            <a:ext cx="13400" cy="729178"/>
+          </a:xfrm>
+          <a:prstGeom prst="straightConnector1">
+            <a:avLst/>
+          </a:prstGeom>
+          <a:ln>
+            <a:solidFill>
+              <a:schemeClr val="tx1"/>
+            </a:solidFill>
+            <a:tailEnd type="triangle"/>
+          </a:ln>
+        </p:spPr>
+        <p:style>
+          <a:lnRef idx="1">
+            <a:schemeClr val="accent1"/>
+          </a:lnRef>
+          <a:fillRef idx="0">
+            <a:schemeClr val="accent1"/>
+          </a:fillRef>
+          <a:effectRef idx="0">
+            <a:schemeClr val="accent1"/>
+          </a:effectRef>
+          <a:fontRef idx="minor">
+            <a:schemeClr val="tx1"/>
+          </a:fontRef>
+        </p:style>
+      </p:cxnSp>
+      <p:cxnSp>
+        <p:nvCxnSpPr>
+          <p:cNvPr id="32" name="直接箭头连接符 31"/>
+          <p:cNvCxnSpPr>
+            <a:stCxn id="27" idx="2"/>
+          </p:cNvCxnSpPr>
+          <p:nvPr/>
+        </p:nvCxnSpPr>
+        <p:spPr>
+          <a:xfrm>
+            <a:off x="2690125" y="1097581"/>
+            <a:ext cx="766490" cy="542389"/>
+          </a:xfrm>
+          <a:prstGeom prst="straightConnector1">
+            <a:avLst/>
+          </a:prstGeom>
+          <a:ln>
+            <a:solidFill>
+              <a:schemeClr val="tx1"/>
+            </a:solidFill>
+            <a:tailEnd type="triangle"/>
+          </a:ln>
+        </p:spPr>
+        <p:style>
+          <a:lnRef idx="1">
+            <a:schemeClr val="accent1"/>
+          </a:lnRef>
+          <a:fillRef idx="0">
+            <a:schemeClr val="accent1"/>
+          </a:fillRef>
+          <a:effectRef idx="0">
+            <a:schemeClr val="accent1"/>
+          </a:effectRef>
+          <a:fontRef idx="minor">
+            <a:schemeClr val="tx1"/>
+          </a:fontRef>
+        </p:style>
+      </p:cxnSp>
+      <p:sp>
+        <p:nvSpPr>
+          <p:cNvPr id="80" name="文本框 79"/>
+          <p:cNvSpPr txBox="1"/>
+          <p:nvPr/>
+        </p:nvSpPr>
+        <p:spPr>
+          <a:xfrm>
+            <a:off x="7184581" y="1321113"/>
+            <a:ext cx="4729980" cy="369332"/>
+          </a:xfrm>
+          <a:prstGeom prst="rect">
+            <a:avLst/>
+          </a:prstGeom>
+          <a:noFill/>
+        </p:spPr>
+        <p:txBody>
+          <a:bodyPr wrap="square" rtlCol="0">
+            <a:spAutoFit/>
+          </a:bodyPr>
+          <a:lstStyle/>
+          <a:p>
+            <a:r>
+              <a:rPr lang="en-US" altLang="zh-CN" dirty="0" smtClean="0">
+                <a:latin typeface="微软雅黑" panose="020B0503020204020204" pitchFamily="34" charset="-122"/>
+                <a:ea typeface="微软雅黑" panose="020B0503020204020204" pitchFamily="34" charset="-122"/>
+              </a:rPr>
+              <a:t>3</a:t>
+            </a:r>
+            <a:r>
+              <a:rPr lang="zh-CN" altLang="en-US" dirty="0" smtClean="0">
+                <a:latin typeface="微软雅黑" panose="020B0503020204020204" pitchFamily="34" charset="-122"/>
+                <a:ea typeface="微软雅黑" panose="020B0503020204020204" pitchFamily="34" charset="-122"/>
+              </a:rPr>
+              <a:t>行模式下，</a:t>
+            </a:r>
+            <a:r>
+              <a:rPr lang="en-US" altLang="zh-CN" dirty="0" smtClean="0">
+                <a:latin typeface="微软雅黑" panose="020B0503020204020204" pitchFamily="34" charset="-122"/>
+                <a:ea typeface="微软雅黑" panose="020B0503020204020204" pitchFamily="34" charset="-122"/>
+              </a:rPr>
+              <a:t>Medium</a:t>
+            </a:r>
+            <a:r>
+              <a:rPr lang="zh-CN" altLang="en-US" dirty="0" smtClean="0">
+                <a:latin typeface="微软雅黑" panose="020B0503020204020204" pitchFamily="34" charset="-122"/>
+                <a:ea typeface="微软雅黑" panose="020B0503020204020204" pitchFamily="34" charset="-122"/>
+              </a:rPr>
+              <a:t>占两行</a:t>
+            </a:r>
+            <a:r>
+              <a:rPr lang="zh-CN" altLang="en-US" dirty="0">
+                <a:latin typeface="微软雅黑" panose="020B0503020204020204" pitchFamily="34" charset="-122"/>
+                <a:ea typeface="微软雅黑" panose="020B0503020204020204" pitchFamily="34" charset="-122"/>
+              </a:rPr>
+              <a:t>，</a:t>
+            </a:r>
+            <a:r>
+              <a:rPr lang="en-US" altLang="zh-CN" dirty="0" smtClean="0">
+                <a:latin typeface="微软雅黑" panose="020B0503020204020204" pitchFamily="34" charset="-122"/>
+                <a:ea typeface="微软雅黑" panose="020B0503020204020204" pitchFamily="34" charset="-122"/>
+              </a:rPr>
+              <a:t>Office</a:t>
+            </a:r>
+            <a:r>
+              <a:rPr lang="zh-CN" altLang="en-US" dirty="0" smtClean="0">
+                <a:latin typeface="微软雅黑" panose="020B0503020204020204" pitchFamily="34" charset="-122"/>
+                <a:ea typeface="微软雅黑" panose="020B0503020204020204" pitchFamily="34" charset="-122"/>
+              </a:rPr>
+              <a:t>示例</a:t>
+            </a:r>
+            <a:endParaRPr lang="zh-CN" altLang="en-US" dirty="0">
+              <a:latin typeface="微软雅黑" panose="020B0503020204020204" pitchFamily="34" charset="-122"/>
+              <a:ea typeface="微软雅黑" panose="020B0503020204020204" pitchFamily="34" charset="-122"/>
+            </a:endParaRPr>
+          </a:p>
+        </p:txBody>
+      </p:sp>
+      <p:pic>
+        <p:nvPicPr>
+          <p:cNvPr id="82" name="图片 81"/>
+          <p:cNvPicPr>
+            <a:picLocks noChangeAspect="1"/>
+          </p:cNvPicPr>
+          <p:nvPr/>
+        </p:nvPicPr>
+        <p:blipFill>
+          <a:blip r:embed="rId1"/>
+          <a:stretch>
+            <a:fillRect/>
+          </a:stretch>
+        </p:blipFill>
+        <p:spPr>
+          <a:xfrm>
+            <a:off x="7184581" y="1811380"/>
+            <a:ext cx="4457143" cy="1142857"/>
+          </a:xfrm>
+          <a:prstGeom prst="rect">
+            <a:avLst/>
+          </a:prstGeom>
+        </p:spPr>
+      </p:pic>
+      <p:sp>
+        <p:nvSpPr>
+          <p:cNvPr id="83" name="矩形 82"/>
+          <p:cNvSpPr/>
+          <p:nvPr/>
+        </p:nvSpPr>
+        <p:spPr>
+          <a:xfrm>
+            <a:off x="7003474" y="2975351"/>
+            <a:ext cx="697242" cy="369332"/>
+          </a:xfrm>
+          <a:prstGeom prst="rect">
+            <a:avLst/>
+          </a:prstGeom>
+        </p:spPr>
+        <p:txBody>
+          <a:bodyPr wrap="none">
+            <a:spAutoFit/>
+          </a:bodyPr>
+          <a:lstStyle/>
+          <a:p>
+            <a:r>
+              <a:rPr lang="en-US" altLang="zh-CN" b="1" dirty="0" smtClean="0">
+                <a:solidFill>
+                  <a:srgbClr val="048138"/>
+                </a:solidFill>
+                <a:effectLst/>
+              </a:rPr>
+              <a:t>Large</a:t>
+            </a:r>
+            <a:endParaRPr lang="zh-CN" altLang="en-US" dirty="0"/>
+          </a:p>
+        </p:txBody>
+      </p:sp>
+      <p:sp>
+        <p:nvSpPr>
+          <p:cNvPr id="84" name="矩形 83"/>
+          <p:cNvSpPr/>
+          <p:nvPr/>
+        </p:nvSpPr>
+        <p:spPr>
+          <a:xfrm>
+            <a:off x="8783146" y="3011241"/>
+            <a:ext cx="707245" cy="369332"/>
+          </a:xfrm>
+          <a:prstGeom prst="rect">
+            <a:avLst/>
+          </a:prstGeom>
+        </p:spPr>
+        <p:txBody>
+          <a:bodyPr wrap="none">
+            <a:spAutoFit/>
+          </a:bodyPr>
+          <a:lstStyle/>
+          <a:p>
+            <a:r>
+              <a:rPr lang="en-US" altLang="zh-CN" b="1" dirty="0" smtClean="0">
+                <a:solidFill>
+                  <a:srgbClr val="048138"/>
+                </a:solidFill>
+                <a:effectLst/>
+              </a:rPr>
+              <a:t>Small</a:t>
+            </a:r>
+            <a:endParaRPr lang="zh-CN" altLang="en-US" dirty="0"/>
+          </a:p>
+        </p:txBody>
+      </p:sp>
+      <p:sp>
+        <p:nvSpPr>
+          <p:cNvPr id="85" name="矩形 84"/>
+          <p:cNvSpPr/>
+          <p:nvPr/>
+        </p:nvSpPr>
+        <p:spPr>
+          <a:xfrm>
+            <a:off x="9840030" y="3011241"/>
+            <a:ext cx="992579" cy="369332"/>
+          </a:xfrm>
+          <a:prstGeom prst="rect">
+            <a:avLst/>
+          </a:prstGeom>
+        </p:spPr>
+        <p:txBody>
+          <a:bodyPr wrap="none">
+            <a:spAutoFit/>
+          </a:bodyPr>
+          <a:lstStyle/>
+          <a:p>
+            <a:r>
+              <a:rPr lang="en-US" altLang="zh-CN" b="1" dirty="0" smtClean="0">
+                <a:solidFill>
+                  <a:srgbClr val="048138"/>
+                </a:solidFill>
+                <a:effectLst/>
+              </a:rPr>
+              <a:t>Medium</a:t>
+            </a:r>
+            <a:endParaRPr lang="zh-CN" altLang="en-US" dirty="0"/>
+          </a:p>
+        </p:txBody>
+      </p:sp>
+      <p:sp>
+        <p:nvSpPr>
+          <p:cNvPr id="86" name="文本框 85"/>
+          <p:cNvSpPr txBox="1"/>
+          <p:nvPr/>
+        </p:nvSpPr>
+        <p:spPr>
+          <a:xfrm>
+            <a:off x="1316355" y="2753360"/>
+            <a:ext cx="4638040" cy="236855"/>
+          </a:xfrm>
+          <a:prstGeom prst="rect">
+            <a:avLst/>
+          </a:prstGeom>
+          <a:solidFill>
+            <a:schemeClr val="accent4">
+              <a:lumMod val="60000"/>
+              <a:lumOff val="40000"/>
+            </a:schemeClr>
+          </a:solidFill>
+          <a:ln>
+            <a:solidFill>
+              <a:schemeClr val="bg1">
+                <a:lumMod val="50000"/>
+              </a:schemeClr>
+            </a:solidFill>
+            <a:prstDash val="dash"/>
+          </a:ln>
+        </p:spPr>
+        <p:txBody>
+          <a:bodyPr wrap="square" lIns="0" tIns="0" rIns="0" bIns="0" rtlCol="0">
+            <a:noAutofit/>
+          </a:bodyPr>
+          <a:lstStyle/>
+          <a:p>
+            <a:pPr algn="ctr"/>
+            <a:r>
+              <a:rPr lang="en-US" altLang="zh-CN" sz="1400" dirty="0" err="1" smtClean="0"/>
+              <a:t>Pannel</a:t>
+            </a:r>
+            <a:r>
+              <a:rPr lang="en-US" altLang="zh-CN" sz="1400" dirty="0" smtClean="0"/>
+              <a:t> Title</a:t>
+            </a:r>
+            <a:endParaRPr lang="zh-CN" altLang="en-US" sz="1400" dirty="0"/>
+          </a:p>
+        </p:txBody>
+      </p:sp>
+      <p:cxnSp>
+        <p:nvCxnSpPr>
+          <p:cNvPr id="88" name="直接箭头连接符 87"/>
+          <p:cNvCxnSpPr>
+            <a:stCxn id="83" idx="0"/>
+          </p:cNvCxnSpPr>
+          <p:nvPr/>
+        </p:nvCxnSpPr>
+        <p:spPr>
+          <a:xfrm flipV="1">
+            <a:off x="7352095" y="2727661"/>
+            <a:ext cx="0" cy="247690"/>
+          </a:xfrm>
+          <a:prstGeom prst="straightConnector1">
+            <a:avLst/>
+          </a:prstGeom>
+          <a:ln>
+            <a:solidFill>
+              <a:srgbClr val="00B050"/>
+            </a:solidFill>
+            <a:tailEnd type="triangle"/>
+          </a:ln>
+        </p:spPr>
+        <p:style>
+          <a:lnRef idx="1">
+            <a:schemeClr val="accent1"/>
+          </a:lnRef>
+          <a:fillRef idx="0">
+            <a:schemeClr val="accent1"/>
+          </a:fillRef>
+          <a:effectRef idx="0">
+            <a:schemeClr val="accent1"/>
+          </a:effectRef>
+          <a:fontRef idx="minor">
+            <a:schemeClr val="tx1"/>
+          </a:fontRef>
+        </p:style>
+      </p:cxnSp>
+      <p:sp>
+        <p:nvSpPr>
+          <p:cNvPr id="90" name="矩形 89"/>
+          <p:cNvSpPr/>
+          <p:nvPr/>
+        </p:nvSpPr>
+        <p:spPr>
+          <a:xfrm>
+            <a:off x="8783146" y="2053251"/>
+            <a:ext cx="648565" cy="674410"/>
+          </a:xfrm>
+          <a:prstGeom prst="rect">
+            <a:avLst/>
+          </a:prstGeom>
+          <a:noFill/>
+          <a:ln>
+            <a:solidFill>
+              <a:srgbClr val="00B050"/>
+            </a:solidFill>
+          </a:ln>
+        </p:spPr>
+        <p:style>
+          <a:lnRef idx="2">
+            <a:schemeClr val="accent1">
+              <a:shade val="50000"/>
+            </a:schemeClr>
+          </a:lnRef>
+          <a:fillRef idx="1">
+            <a:schemeClr val="accent1"/>
+          </a:fillRef>
+          <a:effectRef idx="0">
+            <a:schemeClr val="accent1"/>
+          </a:effectRef>
+          <a:fontRef idx="minor">
+            <a:schemeClr val="lt1"/>
+          </a:fontRef>
+        </p:style>
+        <p:txBody>
+          <a:bodyPr rtlCol="0" anchor="ctr"/>
+          <a:lstStyle/>
+          <a:p>
+            <a:pPr algn="ctr"/>
+            <a:endParaRPr lang="zh-CN" altLang="en-US"/>
+          </a:p>
+        </p:txBody>
+      </p:sp>
+      <p:cxnSp>
+        <p:nvCxnSpPr>
+          <p:cNvPr id="92" name="直接箭头连接符 91"/>
+          <p:cNvCxnSpPr>
+            <a:stCxn id="84" idx="0"/>
+          </p:cNvCxnSpPr>
+          <p:nvPr/>
+        </p:nvCxnSpPr>
+        <p:spPr>
+          <a:xfrm flipH="1" flipV="1">
+            <a:off x="9126911" y="2727661"/>
+            <a:ext cx="9858" cy="283580"/>
+          </a:xfrm>
+          <a:prstGeom prst="straightConnector1">
+            <a:avLst/>
+          </a:prstGeom>
+          <a:ln>
+            <a:solidFill>
+              <a:srgbClr val="00B050"/>
+            </a:solidFill>
+            <a:tailEnd type="triangle"/>
+          </a:ln>
+        </p:spPr>
+        <p:style>
+          <a:lnRef idx="1">
+            <a:schemeClr val="accent1"/>
+          </a:lnRef>
+          <a:fillRef idx="0">
+            <a:schemeClr val="accent1"/>
+          </a:fillRef>
+          <a:effectRef idx="0">
+            <a:schemeClr val="accent1"/>
+          </a:effectRef>
+          <a:fontRef idx="minor">
+            <a:schemeClr val="tx1"/>
+          </a:fontRef>
+        </p:style>
+      </p:cxnSp>
+      <p:sp>
+        <p:nvSpPr>
+          <p:cNvPr id="93" name="矩形 92"/>
+          <p:cNvSpPr/>
+          <p:nvPr/>
+        </p:nvSpPr>
+        <p:spPr>
+          <a:xfrm>
+            <a:off x="9490391" y="2116751"/>
+            <a:ext cx="2084445" cy="285750"/>
+          </a:xfrm>
+          <a:prstGeom prst="rect">
+            <a:avLst/>
+          </a:prstGeom>
+          <a:noFill/>
+          <a:ln>
+            <a:solidFill>
+              <a:srgbClr val="00B050"/>
+            </a:solidFill>
+          </a:ln>
+        </p:spPr>
+        <p:style>
+          <a:lnRef idx="2">
+            <a:schemeClr val="accent1">
+              <a:shade val="50000"/>
+            </a:schemeClr>
+          </a:lnRef>
+          <a:fillRef idx="1">
+            <a:schemeClr val="accent1"/>
+          </a:fillRef>
+          <a:effectRef idx="0">
+            <a:schemeClr val="accent1"/>
+          </a:effectRef>
+          <a:fontRef idx="minor">
+            <a:schemeClr val="lt1"/>
+          </a:fontRef>
+        </p:style>
+        <p:txBody>
+          <a:bodyPr rtlCol="0" anchor="ctr"/>
+          <a:lstStyle/>
+          <a:p>
+            <a:pPr algn="ctr"/>
+            <a:endParaRPr lang="zh-CN" altLang="en-US"/>
+          </a:p>
+        </p:txBody>
+      </p:sp>
+      <p:sp>
+        <p:nvSpPr>
+          <p:cNvPr id="94" name="矩形 93"/>
+          <p:cNvSpPr/>
+          <p:nvPr/>
+        </p:nvSpPr>
+        <p:spPr>
+          <a:xfrm>
+            <a:off x="9490391" y="2441172"/>
+            <a:ext cx="2084445" cy="285750"/>
+          </a:xfrm>
+          <a:prstGeom prst="rect">
+            <a:avLst/>
+          </a:prstGeom>
+          <a:noFill/>
+          <a:ln>
+            <a:solidFill>
+              <a:srgbClr val="00B050"/>
+            </a:solidFill>
+          </a:ln>
+        </p:spPr>
+        <p:style>
+          <a:lnRef idx="2">
+            <a:schemeClr val="accent1">
+              <a:shade val="50000"/>
+            </a:schemeClr>
+          </a:lnRef>
+          <a:fillRef idx="1">
+            <a:schemeClr val="accent1"/>
+          </a:fillRef>
+          <a:effectRef idx="0">
+            <a:schemeClr val="accent1"/>
+          </a:effectRef>
+          <a:fontRef idx="minor">
+            <a:schemeClr val="lt1"/>
+          </a:fontRef>
+        </p:style>
+        <p:txBody>
+          <a:bodyPr rtlCol="0" anchor="ctr"/>
+          <a:lstStyle/>
+          <a:p>
+            <a:pPr algn="ctr"/>
+            <a:endParaRPr lang="zh-CN" altLang="en-US"/>
+          </a:p>
+        </p:txBody>
+      </p:sp>
+      <p:cxnSp>
+        <p:nvCxnSpPr>
+          <p:cNvPr id="95" name="直接箭头连接符 94"/>
+          <p:cNvCxnSpPr/>
+          <p:nvPr/>
+        </p:nvCxnSpPr>
+        <p:spPr>
+          <a:xfrm flipH="1" flipV="1">
+            <a:off x="10384317" y="2721134"/>
+            <a:ext cx="9858" cy="283580"/>
+          </a:xfrm>
+          <a:prstGeom prst="straightConnector1">
+            <a:avLst/>
+          </a:prstGeom>
+          <a:ln>
+            <a:solidFill>
+              <a:srgbClr val="00B050"/>
+            </a:solidFill>
+            <a:tailEnd type="triangle"/>
+          </a:ln>
+        </p:spPr>
+        <p:style>
+          <a:lnRef idx="1">
+            <a:schemeClr val="accent1"/>
+          </a:lnRef>
+          <a:fillRef idx="0">
+            <a:schemeClr val="accent1"/>
+          </a:fillRef>
+          <a:effectRef idx="0">
+            <a:schemeClr val="accent1"/>
+          </a:effectRef>
+          <a:fontRef idx="minor">
+            <a:schemeClr val="tx1"/>
+          </a:fontRef>
+        </p:style>
+      </p:cxnSp>
+      <p:sp>
+        <p:nvSpPr>
+          <p:cNvPr id="11" name="矩形 10"/>
+          <p:cNvSpPr/>
+          <p:nvPr/>
+        </p:nvSpPr>
+        <p:spPr>
+          <a:xfrm>
+            <a:off x="5731510" y="2767330"/>
+            <a:ext cx="222885" cy="218440"/>
+          </a:xfrm>
+          <a:prstGeom prst="rect">
+            <a:avLst/>
+          </a:prstGeom>
+          <a:solidFill>
+            <a:schemeClr val="accent2"/>
+          </a:solidFill>
+        </p:spPr>
+        <p:style>
+          <a:lnRef idx="2">
+            <a:schemeClr val="accent1">
+              <a:shade val="50000"/>
+            </a:schemeClr>
+          </a:lnRef>
+          <a:fillRef idx="1">
+            <a:schemeClr val="accent1"/>
+          </a:fillRef>
+          <a:effectRef idx="0">
+            <a:schemeClr val="accent1"/>
+          </a:effectRef>
+          <a:fontRef idx="minor">
+            <a:schemeClr val="lt1"/>
+          </a:fontRef>
+        </p:style>
+        <p:txBody>
+          <a:bodyPr rtlCol="0" anchor="ctr"/>
+          <a:lstStyle/>
+          <a:p>
+            <a:pPr algn="ctr"/>
+            <a:endParaRPr lang="zh-CN" altLang="en-US"/>
+          </a:p>
+        </p:txBody>
+      </p:sp>
+      <p:sp>
+        <p:nvSpPr>
+          <p:cNvPr id="2" name="矩形 1"/>
+          <p:cNvSpPr/>
+          <p:nvPr/>
+        </p:nvSpPr>
+        <p:spPr>
+          <a:xfrm>
+            <a:off x="-63" y="2583719"/>
+            <a:ext cx="888385" cy="369332"/>
+          </a:xfrm>
+          <a:prstGeom prst="rect">
+            <a:avLst/>
+          </a:prstGeom>
+        </p:spPr>
+        <p:txBody>
+          <a:bodyPr wrap="none">
+            <a:spAutoFit/>
+          </a:bodyPr>
+          <a:p>
+            <a:r>
+              <a:rPr lang="en-US" altLang="zh-CN" dirty="0" smtClean="0">
+                <a:solidFill>
+                  <a:srgbClr val="000000"/>
+                </a:solidFill>
+                <a:effectLst/>
+              </a:rPr>
+              <a:t>spacing</a:t>
+            </a:r>
+            <a:endParaRPr lang="zh-CN" altLang="en-US" dirty="0"/>
+          </a:p>
+        </p:txBody>
+      </p:sp>
+      <p:cxnSp>
+        <p:nvCxnSpPr>
+          <p:cNvPr id="3" name="直接箭头连接符 2"/>
+          <p:cNvCxnSpPr/>
+          <p:nvPr/>
+        </p:nvCxnSpPr>
+        <p:spPr>
+          <a:xfrm flipV="1">
+            <a:off x="820050" y="2738421"/>
+            <a:ext cx="505460" cy="80010"/>
+          </a:xfrm>
+          <a:prstGeom prst="straightConnector1">
+            <a:avLst/>
+          </a:prstGeom>
+          <a:ln>
+            <a:solidFill>
+              <a:schemeClr val="tx1"/>
+            </a:solidFill>
+            <a:tailEnd type="triangle"/>
+          </a:ln>
+        </p:spPr>
+        <p:style>
+          <a:lnRef idx="1">
+            <a:schemeClr val="accent1"/>
+          </a:lnRef>
+          <a:fillRef idx="0">
+            <a:schemeClr val="accent1"/>
+          </a:fillRef>
+          <a:effectRef idx="0">
+            <a:schemeClr val="accent1"/>
+          </a:effectRef>
+          <a:fontRef idx="minor">
+            <a:schemeClr val="tx1"/>
+          </a:fontRef>
+        </p:style>
+      </p:cxnSp>
+    </p:spTree>
+  </p:cSld>
+  <p:clrMapOvr>
+    <a:masterClrMapping/>
+  </p:clrMapOvr>
+</p:sld>
+</file>
+
+<file path=ppt/slides/slide6.xml><?xml version="1.0" encoding="utf-8"?>
+<p:sld xmlns:a="http://schemas.openxmlformats.org/drawingml/2006/main" xmlns:r="http://schemas.openxmlformats.org/officeDocument/2006/relationships" xmlns:p="http://schemas.openxmlformats.org/presentationml/2006/main">
+  <p:cSld>
+    <p:spTree>
+      <p:nvGrpSpPr>
+        <p:cNvPr id="1" name=""/>
+        <p:cNvGrpSpPr/>
+        <p:nvPr/>
+      </p:nvGrpSpPr>
+      <p:grpSpPr>
+        <a:xfrm>
+          <a:off x="0" y="0"/>
+          <a:ext cx="0" cy="0"/>
+          <a:chOff x="0" y="0"/>
+          <a:chExt cx="0" cy="0"/>
+        </a:xfrm>
+      </p:grpSpPr>
+      <p:sp>
+        <p:nvSpPr>
+          <p:cNvPr id="4" name="矩形 3"/>
+          <p:cNvSpPr/>
+          <p:nvPr/>
+        </p:nvSpPr>
+        <p:spPr>
+          <a:xfrm>
+            <a:off x="1210310" y="1519555"/>
+            <a:ext cx="10530840" cy="1493520"/>
+          </a:xfrm>
+          <a:prstGeom prst="rect">
+            <a:avLst/>
+          </a:prstGeom>
+          <a:solidFill>
+            <a:schemeClr val="accent1">
+              <a:lumMod val="20000"/>
+              <a:lumOff val="80000"/>
+            </a:schemeClr>
+          </a:solidFill>
+          <a:ln>
+            <a:solidFill>
+              <a:schemeClr val="tx1"/>
+            </a:solidFill>
+          </a:ln>
+        </p:spPr>
+        <p:style>
+          <a:lnRef idx="2">
+            <a:schemeClr val="accent1">
+              <a:shade val="50000"/>
+            </a:schemeClr>
+          </a:lnRef>
+          <a:fillRef idx="1">
+            <a:schemeClr val="accent1"/>
+          </a:fillRef>
+          <a:effectRef idx="0">
+            <a:schemeClr val="accent1"/>
+          </a:effectRef>
+          <a:fontRef idx="minor">
+            <a:schemeClr val="lt1"/>
+          </a:fontRef>
+        </p:style>
+        <p:txBody>
+          <a:bodyPr rtlCol="0" anchor="ctr"/>
+          <a:lstStyle/>
+          <a:p>
+            <a:pPr algn="ctr"/>
+            <a:endParaRPr lang="zh-CN" altLang="en-US"/>
+          </a:p>
+        </p:txBody>
+      </p:sp>
+      <p:sp>
+        <p:nvSpPr>
           <p:cNvPr id="2" name="矩形 1"/>
           <p:cNvSpPr/>
           <p:nvPr/>
@@ -13985,6 +15822,12 @@
 </file>
 
 <file path=ppt/tags/tag1.xml><?xml version="1.0" encoding="utf-8"?>
+<p:tagLst xmlns:p="http://schemas.openxmlformats.org/presentationml/2006/main">
+  <p:tag name="KSO_WM_BEAUTIFY_FLAG" val=""/>
+</p:tagLst>
+</file>
+
+<file path=ppt/tags/tag2.xml><?xml version="1.0" encoding="utf-8"?>
 <p:tagLst xmlns:p="http://schemas.openxmlformats.org/presentationml/2006/main">
   <p:tag name="commondata" val="eyJoZGlkIjoiODMxYjY1MDM5ZWFiOTgzMDQ4OTI0NWZjZTIyZjI4MDYifQ=="/>
 </p:tagLst>
